--- a/presentations/TTF-Short.pptx
+++ b/presentations/TTF-Short.pptx
@@ -5,7 +5,7 @@
     <p:sldMasterId id="2147483648" r:id="rId4"/>
   </p:sldMasterIdLst>
   <p:notesMasterIdLst>
-    <p:notesMasterId r:id="rId13"/>
+    <p:notesMasterId r:id="rId14"/>
   </p:notesMasterIdLst>
   <p:sldIdLst>
     <p:sldId id="256" r:id="rId5"/>
@@ -13,9 +13,10 @@
     <p:sldId id="265" r:id="rId7"/>
     <p:sldId id="262" r:id="rId8"/>
     <p:sldId id="1539" r:id="rId9"/>
-    <p:sldId id="1536" r:id="rId10"/>
+    <p:sldId id="1540" r:id="rId10"/>
     <p:sldId id="1537" r:id="rId11"/>
     <p:sldId id="1538" r:id="rId12"/>
+    <p:sldId id="1541" r:id="rId13"/>
   </p:sldIdLst>
   <p:sldSz cx="12192000" cy="6858000"/>
   <p:notesSz cx="6858000" cy="9144000"/>
@@ -3822,7 +3823,7 @@
         <a:lstStyle/>
         <a:p>
           <a:r>
-            <a:rPr lang="en-US"/>
+            <a:rPr lang="en-US" dirty="0"/>
             <a:t>Complete the Taxonomy Framework</a:t>
           </a:r>
         </a:p>
@@ -4002,7 +4003,7 @@
         <a:lstStyle/>
         <a:p>
           <a:r>
-            <a:rPr lang="en-US"/>
+            <a:rPr lang="en-US" dirty="0"/>
             <a:t>Destination for definitions, links to the base libraries</a:t>
           </a:r>
         </a:p>
@@ -4038,8 +4039,8 @@
         <a:lstStyle/>
         <a:p>
           <a:r>
-            <a:rPr lang="en-US"/>
-            <a:t>Link to known implementation</a:t>
+            <a:rPr lang="en-US" dirty="0"/>
+            <a:t>Link to known implementations, code and references</a:t>
           </a:r>
         </a:p>
       </dgm:t>
@@ -5669,8 +5670,8 @@
       </dsp:nvSpPr>
       <dsp:spPr>
         <a:xfrm>
-          <a:off x="0" y="44431"/>
-          <a:ext cx="6513603" cy="599625"/>
+          <a:off x="0" y="303192"/>
+          <a:ext cx="6513603" cy="575639"/>
         </a:xfrm>
         <a:prstGeom prst="roundRect">
           <a:avLst/>
@@ -5733,12 +5734,12 @@
         </a:fontRef>
       </dsp:style>
       <dsp:txBody>
-        <a:bodyPr spcFirstLastPara="0" vert="horz" wrap="square" lIns="95250" tIns="95250" rIns="95250" bIns="95250" numCol="1" spcCol="1270" anchor="ctr" anchorCtr="0">
+        <a:bodyPr spcFirstLastPara="0" vert="horz" wrap="square" lIns="91440" tIns="91440" rIns="91440" bIns="91440" numCol="1" spcCol="1270" anchor="ctr" anchorCtr="0">
           <a:noAutofit/>
         </a:bodyPr>
         <a:lstStyle/>
         <a:p>
-          <a:pPr marL="0" lvl="0" indent="0" algn="l" defTabSz="1111250">
+          <a:pPr marL="0" lvl="0" indent="0" algn="l" defTabSz="1066800">
             <a:lnSpc>
               <a:spcPct val="90000"/>
             </a:lnSpc>
@@ -5751,14 +5752,14 @@
             <a:buNone/>
           </a:pPr>
           <a:r>
-            <a:rPr lang="en-US" sz="2500" kern="1200"/>
+            <a:rPr lang="en-US" sz="2400" kern="1200" dirty="0"/>
             <a:t>Complete the Taxonomy Framework</a:t>
           </a:r>
         </a:p>
       </dsp:txBody>
       <dsp:txXfrm>
-        <a:off x="29271" y="73702"/>
-        <a:ext cx="6455061" cy="541083"/>
+        <a:off x="28100" y="331292"/>
+        <a:ext cx="6457403" cy="519439"/>
       </dsp:txXfrm>
     </dsp:sp>
     <dsp:sp modelId="{71DB470C-E196-6445-AF9C-1D368A2BBEC8}">
@@ -5768,8 +5769,8 @@
       </dsp:nvSpPr>
       <dsp:spPr>
         <a:xfrm>
-          <a:off x="0" y="644056"/>
-          <a:ext cx="6513603" cy="2328750"/>
+          <a:off x="0" y="878832"/>
+          <a:ext cx="6513603" cy="2235600"/>
         </a:xfrm>
         <a:prstGeom prst="rect">
           <a:avLst/>
@@ -5793,12 +5794,12 @@
         <a:fontRef idx="minor"/>
       </dsp:style>
       <dsp:txBody>
-        <a:bodyPr spcFirstLastPara="0" vert="horz" wrap="square" lIns="206807" tIns="31750" rIns="177800" bIns="31750" numCol="1" spcCol="1270" anchor="t" anchorCtr="0">
+        <a:bodyPr spcFirstLastPara="0" vert="horz" wrap="square" lIns="206807" tIns="30480" rIns="170688" bIns="30480" numCol="1" spcCol="1270" anchor="t" anchorCtr="0">
           <a:noAutofit/>
         </a:bodyPr>
         <a:lstStyle/>
         <a:p>
-          <a:pPr marL="228600" lvl="1" indent="-228600" algn="l" defTabSz="889000">
+          <a:pPr marL="171450" lvl="1" indent="-171450" algn="l" defTabSz="844550">
             <a:lnSpc>
               <a:spcPct val="90000"/>
             </a:lnSpc>
@@ -5811,12 +5812,12 @@
             <a:buChar char="•"/>
           </a:pPr>
           <a:r>
-            <a:rPr lang="en-US" sz="2000" kern="1200"/>
+            <a:rPr lang="en-US" sz="1900" kern="1200"/>
             <a:t>Maintain GitHub:</a:t>
           </a:r>
         </a:p>
         <a:p>
-          <a:pPr marL="457200" lvl="2" indent="-228600" algn="l" defTabSz="889000">
+          <a:pPr marL="342900" lvl="2" indent="-171450" algn="l" defTabSz="844550">
             <a:lnSpc>
               <a:spcPct val="90000"/>
             </a:lnSpc>
@@ -5829,12 +5830,12 @@
             <a:buChar char="•"/>
           </a:pPr>
           <a:r>
-            <a:rPr lang="en-US" sz="2000" kern="1200"/>
+            <a:rPr lang="en-US" sz="1900" kern="1200"/>
             <a:t>Base Taxonomy definition</a:t>
           </a:r>
         </a:p>
         <a:p>
-          <a:pPr marL="457200" lvl="2" indent="-228600" algn="l" defTabSz="889000">
+          <a:pPr marL="342900" lvl="2" indent="-171450" algn="l" defTabSz="844550">
             <a:lnSpc>
               <a:spcPct val="90000"/>
             </a:lnSpc>
@@ -5847,12 +5848,12 @@
             <a:buChar char="•"/>
           </a:pPr>
           <a:r>
-            <a:rPr lang="en-US" sz="2000" kern="1200"/>
+            <a:rPr lang="en-US" sz="1900" kern="1200"/>
             <a:t>Library of Behaviors, Behavior Groups and Control Messages</a:t>
           </a:r>
         </a:p>
         <a:p>
-          <a:pPr marL="228600" lvl="1" indent="-228600" algn="l" defTabSz="889000">
+          <a:pPr marL="171450" lvl="1" indent="-171450" algn="l" defTabSz="844550">
             <a:lnSpc>
               <a:spcPct val="90000"/>
             </a:lnSpc>
@@ -5865,12 +5866,12 @@
             <a:buChar char="•"/>
           </a:pPr>
           <a:r>
-            <a:rPr lang="en-US" sz="2000" kern="1200"/>
+            <a:rPr lang="en-US" sz="1900" kern="1200"/>
             <a:t>GitHub Library for Token Definitions</a:t>
           </a:r>
         </a:p>
         <a:p>
-          <a:pPr marL="457200" lvl="2" indent="-228600" algn="l" defTabSz="889000">
+          <a:pPr marL="342900" lvl="2" indent="-171450" algn="l" defTabSz="844550">
             <a:lnSpc>
               <a:spcPct val="90000"/>
             </a:lnSpc>
@@ -5883,12 +5884,12 @@
             <a:buChar char="•"/>
           </a:pPr>
           <a:r>
-            <a:rPr lang="en-US" sz="2000" kern="1200"/>
+            <a:rPr lang="en-US" sz="1900" kern="1200" dirty="0"/>
             <a:t>Destination for definitions, links to the base libraries</a:t>
           </a:r>
         </a:p>
         <a:p>
-          <a:pPr marL="685800" lvl="3" indent="-228600" algn="l" defTabSz="889000">
+          <a:pPr marL="514350" lvl="3" indent="-171450" algn="l" defTabSz="844550">
             <a:lnSpc>
               <a:spcPct val="90000"/>
             </a:lnSpc>
@@ -5901,14 +5902,14 @@
             <a:buChar char="•"/>
           </a:pPr>
           <a:r>
-            <a:rPr lang="en-US" sz="2000" kern="1200"/>
-            <a:t>Link to known implementation</a:t>
+            <a:rPr lang="en-US" sz="1900" kern="1200" dirty="0"/>
+            <a:t>Link to known implementations, code and references</a:t>
           </a:r>
         </a:p>
       </dsp:txBody>
       <dsp:txXfrm>
-        <a:off x="0" y="644056"/>
-        <a:ext cx="6513603" cy="2328750"/>
+        <a:off x="0" y="878832"/>
+        <a:ext cx="6513603" cy="2235600"/>
       </dsp:txXfrm>
     </dsp:sp>
     <dsp:sp modelId="{D37A2BEE-DB9F-FF43-A669-524709ECD0CF}">
@@ -5918,8 +5919,8 @@
       </dsp:nvSpPr>
       <dsp:spPr>
         <a:xfrm>
-          <a:off x="0" y="2972806"/>
-          <a:ext cx="6513603" cy="599625"/>
+          <a:off x="0" y="3114433"/>
+          <a:ext cx="6513603" cy="575639"/>
         </a:xfrm>
         <a:prstGeom prst="roundRect">
           <a:avLst/>
@@ -6006,8 +6007,8 @@
         </a:p>
       </dsp:txBody>
       <dsp:txXfrm>
-        <a:off x="29271" y="3002077"/>
-        <a:ext cx="6455061" cy="541083"/>
+        <a:off x="28100" y="3142533"/>
+        <a:ext cx="6457403" cy="519439"/>
       </dsp:txXfrm>
     </dsp:sp>
     <dsp:sp modelId="{BA18133D-C58B-7448-A5E4-1CBB860FEAEA}">
@@ -6017,8 +6018,8 @@
       </dsp:nvSpPr>
       <dsp:spPr>
         <a:xfrm>
-          <a:off x="0" y="3572431"/>
-          <a:ext cx="6513603" cy="983250"/>
+          <a:off x="0" y="3690073"/>
+          <a:ext cx="6513603" cy="658260"/>
         </a:xfrm>
         <a:prstGeom prst="rect">
           <a:avLst/>
@@ -6042,12 +6043,12 @@
         <a:fontRef idx="minor"/>
       </dsp:style>
       <dsp:txBody>
-        <a:bodyPr spcFirstLastPara="0" vert="horz" wrap="square" lIns="206807" tIns="31750" rIns="177800" bIns="31750" numCol="1" spcCol="1270" anchor="t" anchorCtr="0">
+        <a:bodyPr spcFirstLastPara="0" vert="horz" wrap="square" lIns="206807" tIns="30480" rIns="170688" bIns="30480" numCol="1" spcCol="1270" anchor="t" anchorCtr="0">
           <a:noAutofit/>
         </a:bodyPr>
         <a:lstStyle/>
         <a:p>
-          <a:pPr marL="228600" lvl="1" indent="-228600" algn="l" defTabSz="889000">
+          <a:pPr marL="171450" lvl="1" indent="-171450" algn="l" defTabSz="844550">
             <a:lnSpc>
               <a:spcPct val="90000"/>
             </a:lnSpc>
@@ -6060,12 +6061,12 @@
             <a:buChar char="•"/>
           </a:pPr>
           <a:r>
-            <a:rPr lang="en-US" sz="2000" kern="1200"/>
+            <a:rPr lang="en-US" sz="1900" kern="1200"/>
             <a:t>Contribute new or update behaviors that are not proprietary </a:t>
           </a:r>
         </a:p>
         <a:p>
-          <a:pPr marL="228600" lvl="1" indent="-228600" algn="l" defTabSz="889000">
+          <a:pPr marL="171450" lvl="1" indent="-171450" algn="l" defTabSz="844550">
             <a:lnSpc>
               <a:spcPct val="90000"/>
             </a:lnSpc>
@@ -6078,14 +6079,14 @@
             <a:buChar char="•"/>
           </a:pPr>
           <a:r>
-            <a:rPr lang="en-US" sz="2000" kern="1200" dirty="0"/>
+            <a:rPr lang="en-US" sz="1900" kern="1200" dirty="0"/>
             <a:t>Submit Token Definition to the TTI via Pull Request</a:t>
           </a:r>
         </a:p>
       </dsp:txBody>
       <dsp:txXfrm>
-        <a:off x="0" y="3572431"/>
-        <a:ext cx="6513603" cy="983250"/>
+        <a:off x="0" y="3690073"/>
+        <a:ext cx="6513603" cy="658260"/>
       </dsp:txXfrm>
     </dsp:sp>
     <dsp:sp modelId="{7F63F038-E9D2-D147-BB51-BB7DF1149533}">
@@ -6095,8 +6096,8 @@
       </dsp:nvSpPr>
       <dsp:spPr>
         <a:xfrm>
-          <a:off x="0" y="4555681"/>
-          <a:ext cx="6513603" cy="599625"/>
+          <a:off x="0" y="4348333"/>
+          <a:ext cx="6513603" cy="575639"/>
         </a:xfrm>
         <a:prstGeom prst="roundRect">
           <a:avLst/>
@@ -6159,12 +6160,12 @@
         </a:fontRef>
       </dsp:style>
       <dsp:txBody>
-        <a:bodyPr spcFirstLastPara="0" vert="horz" wrap="square" lIns="95250" tIns="95250" rIns="95250" bIns="95250" numCol="1" spcCol="1270" anchor="ctr" anchorCtr="0">
+        <a:bodyPr spcFirstLastPara="0" vert="horz" wrap="square" lIns="91440" tIns="91440" rIns="91440" bIns="91440" numCol="1" spcCol="1270" anchor="ctr" anchorCtr="0">
           <a:noAutofit/>
         </a:bodyPr>
         <a:lstStyle/>
         <a:p>
-          <a:pPr marL="0" lvl="0" indent="0" algn="l" defTabSz="1111250">
+          <a:pPr marL="0" lvl="0" indent="0" algn="l" defTabSz="1066800">
             <a:lnSpc>
               <a:spcPct val="90000"/>
             </a:lnSpc>
@@ -6177,14 +6178,14 @@
             <a:buNone/>
           </a:pPr>
           <a:r>
-            <a:rPr lang="en-US" sz="2500" kern="1200" dirty="0"/>
+            <a:rPr lang="en-US" sz="2400" kern="1200" dirty="0"/>
             <a:t>Certification</a:t>
           </a:r>
         </a:p>
       </dsp:txBody>
       <dsp:txXfrm>
-        <a:off x="29271" y="4584952"/>
-        <a:ext cx="6455061" cy="541083"/>
+        <a:off x="28100" y="4376433"/>
+        <a:ext cx="6457403" cy="519439"/>
       </dsp:txXfrm>
     </dsp:sp>
     <dsp:sp modelId="{6826576F-F8DF-1849-B88F-72EBC3E776F9}">
@@ -6194,8 +6195,8 @@
       </dsp:nvSpPr>
       <dsp:spPr>
         <a:xfrm>
-          <a:off x="0" y="5155306"/>
-          <a:ext cx="6513603" cy="685687"/>
+          <a:off x="0" y="4923973"/>
+          <a:ext cx="6513603" cy="658260"/>
         </a:xfrm>
         <a:prstGeom prst="rect">
           <a:avLst/>
@@ -6219,12 +6220,12 @@
         <a:fontRef idx="minor"/>
       </dsp:style>
       <dsp:txBody>
-        <a:bodyPr spcFirstLastPara="0" vert="horz" wrap="square" lIns="206807" tIns="31750" rIns="177800" bIns="31750" numCol="1" spcCol="1270" anchor="t" anchorCtr="0">
+        <a:bodyPr spcFirstLastPara="0" vert="horz" wrap="square" lIns="206807" tIns="30480" rIns="170688" bIns="30480" numCol="1" spcCol="1270" anchor="t" anchorCtr="0">
           <a:noAutofit/>
         </a:bodyPr>
         <a:lstStyle/>
         <a:p>
-          <a:pPr marL="228600" lvl="1" indent="-228600" algn="l" defTabSz="889000">
+          <a:pPr marL="171450" lvl="1" indent="-171450" algn="l" defTabSz="844550">
             <a:lnSpc>
               <a:spcPct val="90000"/>
             </a:lnSpc>
@@ -6237,12 +6238,12 @@
             <a:buChar char="•"/>
           </a:pPr>
           <a:r>
-            <a:rPr lang="en-US" sz="2000" kern="1200" dirty="0"/>
+            <a:rPr lang="en-US" sz="1900" kern="1200" dirty="0"/>
             <a:t>Compliance based on base message conformance</a:t>
           </a:r>
         </a:p>
         <a:p>
-          <a:pPr marL="228600" lvl="1" indent="-228600" algn="l" defTabSz="889000">
+          <a:pPr marL="171450" lvl="1" indent="-171450" algn="l" defTabSz="844550">
             <a:lnSpc>
               <a:spcPct val="90000"/>
             </a:lnSpc>
@@ -6255,14 +6256,14 @@
             <a:buChar char="•"/>
           </a:pPr>
           <a:r>
-            <a:rPr lang="en-US" sz="2000" kern="1200" dirty="0"/>
+            <a:rPr lang="en-US" sz="1900" kern="1200" dirty="0"/>
             <a:t>Demonstrate behavior implementation</a:t>
           </a:r>
         </a:p>
       </dsp:txBody>
       <dsp:txXfrm>
-        <a:off x="0" y="5155306"/>
-        <a:ext cx="6513603" cy="685687"/>
+        <a:off x="0" y="4923973"/>
+        <a:ext cx="6513603" cy="658260"/>
       </dsp:txXfrm>
     </dsp:sp>
   </dsp:spTree>
@@ -10240,7 +10241,7 @@
           <a:p>
             <a:fld id="{A013F9EE-546F-F94B-AA97-D1AE3791A433}" type="datetimeFigureOut">
               <a:rPr lang="en-US" smtClean="0"/>
-              <a:t>4/15/19</a:t>
+              <a:t>5/12/19</a:t>
             </a:fld>
             <a:endParaRPr lang="en-US"/>
           </a:p>
@@ -11080,6 +11081,258 @@
 </p:notes>
 </file>
 
+<file path=ppt/notesSlides/notesSlide3.xml><?xml version="1.0" encoding="utf-8"?>
+<p:notes xmlns:a="http://schemas.openxmlformats.org/drawingml/2006/main" xmlns:r="http://schemas.openxmlformats.org/officeDocument/2006/relationships" xmlns:p="http://schemas.openxmlformats.org/presentationml/2006/main">
+  <p:cSld>
+    <p:spTree>
+      <p:nvGrpSpPr>
+        <p:cNvPr id="1" name=""/>
+        <p:cNvGrpSpPr/>
+        <p:nvPr/>
+      </p:nvGrpSpPr>
+      <p:grpSpPr>
+        <a:xfrm>
+          <a:off x="0" y="0"/>
+          <a:ext cx="0" cy="0"/>
+          <a:chOff x="0" y="0"/>
+          <a:chExt cx="0" cy="0"/>
+        </a:xfrm>
+      </p:grpSpPr>
+      <p:sp>
+        <p:nvSpPr>
+          <p:cNvPr id="2" name="Slide Image Placeholder 1"/>
+          <p:cNvSpPr>
+            <a:spLocks noGrp="1" noRot="1" noChangeAspect="1"/>
+          </p:cNvSpPr>
+          <p:nvPr>
+            <p:ph type="sldImg"/>
+          </p:nvPr>
+        </p:nvSpPr>
+        <p:spPr/>
+      </p:sp>
+      <p:sp>
+        <p:nvSpPr>
+          <p:cNvPr id="3" name="Notes Placeholder 2"/>
+          <p:cNvSpPr>
+            <a:spLocks noGrp="1"/>
+          </p:cNvSpPr>
+          <p:nvPr>
+            <p:ph type="body" idx="1"/>
+          </p:nvPr>
+        </p:nvSpPr>
+        <p:spPr/>
+        <p:txBody>
+          <a:bodyPr/>
+          <a:lstStyle/>
+          <a:p>
+            <a:endParaRPr lang="en-US" dirty="0"/>
+          </a:p>
+        </p:txBody>
+      </p:sp>
+      <p:sp>
+        <p:nvSpPr>
+          <p:cNvPr id="4" name="Slide Number Placeholder 3"/>
+          <p:cNvSpPr>
+            <a:spLocks noGrp="1"/>
+          </p:cNvSpPr>
+          <p:nvPr>
+            <p:ph type="sldNum" sz="quarter" idx="5"/>
+          </p:nvPr>
+        </p:nvSpPr>
+        <p:spPr/>
+        <p:txBody>
+          <a:bodyPr/>
+          <a:lstStyle/>
+          <a:p>
+            <a:fld id="{C24B5A23-0948-BC48-B555-0D889E08C7BE}" type="slidenum">
+              <a:rPr lang="en-US" smtClean="0"/>
+              <a:t>5</a:t>
+            </a:fld>
+            <a:endParaRPr lang="en-US"/>
+          </a:p>
+        </p:txBody>
+      </p:sp>
+    </p:spTree>
+    <p:extLst>
+      <p:ext uri="{BB962C8B-B14F-4D97-AF65-F5344CB8AC3E}">
+        <p14:creationId xmlns:p14="http://schemas.microsoft.com/office/powerpoint/2010/main" val="3964912023"/>
+      </p:ext>
+    </p:extLst>
+  </p:cSld>
+  <p:clrMapOvr>
+    <a:masterClrMapping/>
+  </p:clrMapOvr>
+</p:notes>
+</file>
+
+<file path=ppt/notesSlides/notesSlide4.xml><?xml version="1.0" encoding="utf-8"?>
+<p:notes xmlns:a="http://schemas.openxmlformats.org/drawingml/2006/main" xmlns:r="http://schemas.openxmlformats.org/officeDocument/2006/relationships" xmlns:p="http://schemas.openxmlformats.org/presentationml/2006/main">
+  <p:cSld>
+    <p:spTree>
+      <p:nvGrpSpPr>
+        <p:cNvPr id="1" name=""/>
+        <p:cNvGrpSpPr/>
+        <p:nvPr/>
+      </p:nvGrpSpPr>
+      <p:grpSpPr>
+        <a:xfrm>
+          <a:off x="0" y="0"/>
+          <a:ext cx="0" cy="0"/>
+          <a:chOff x="0" y="0"/>
+          <a:chExt cx="0" cy="0"/>
+        </a:xfrm>
+      </p:grpSpPr>
+      <p:sp>
+        <p:nvSpPr>
+          <p:cNvPr id="2" name="Slide Image Placeholder 1"/>
+          <p:cNvSpPr>
+            <a:spLocks noGrp="1" noRot="1" noChangeAspect="1"/>
+          </p:cNvSpPr>
+          <p:nvPr>
+            <p:ph type="sldImg"/>
+          </p:nvPr>
+        </p:nvSpPr>
+        <p:spPr/>
+      </p:sp>
+      <p:sp>
+        <p:nvSpPr>
+          <p:cNvPr id="3" name="Notes Placeholder 2"/>
+          <p:cNvSpPr>
+            <a:spLocks noGrp="1"/>
+          </p:cNvSpPr>
+          <p:nvPr>
+            <p:ph type="body" idx="1"/>
+          </p:nvPr>
+        </p:nvSpPr>
+        <p:spPr/>
+        <p:txBody>
+          <a:bodyPr/>
+          <a:lstStyle/>
+          <a:p>
+            <a:endParaRPr lang="en-US" dirty="0"/>
+          </a:p>
+        </p:txBody>
+      </p:sp>
+      <p:sp>
+        <p:nvSpPr>
+          <p:cNvPr id="4" name="Slide Number Placeholder 3"/>
+          <p:cNvSpPr>
+            <a:spLocks noGrp="1"/>
+          </p:cNvSpPr>
+          <p:nvPr>
+            <p:ph type="sldNum" sz="quarter" idx="5"/>
+          </p:nvPr>
+        </p:nvSpPr>
+        <p:spPr/>
+        <p:txBody>
+          <a:bodyPr/>
+          <a:lstStyle/>
+          <a:p>
+            <a:fld id="{C24B5A23-0948-BC48-B555-0D889E08C7BE}" type="slidenum">
+              <a:rPr lang="en-US" smtClean="0"/>
+              <a:t>6</a:t>
+            </a:fld>
+            <a:endParaRPr lang="en-US"/>
+          </a:p>
+        </p:txBody>
+      </p:sp>
+    </p:spTree>
+    <p:extLst>
+      <p:ext uri="{BB962C8B-B14F-4D97-AF65-F5344CB8AC3E}">
+        <p14:creationId xmlns:p14="http://schemas.microsoft.com/office/powerpoint/2010/main" val="435519741"/>
+      </p:ext>
+    </p:extLst>
+  </p:cSld>
+  <p:clrMapOvr>
+    <a:masterClrMapping/>
+  </p:clrMapOvr>
+</p:notes>
+</file>
+
+<file path=ppt/notesSlides/notesSlide5.xml><?xml version="1.0" encoding="utf-8"?>
+<p:notes xmlns:a="http://schemas.openxmlformats.org/drawingml/2006/main" xmlns:r="http://schemas.openxmlformats.org/officeDocument/2006/relationships" xmlns:p="http://schemas.openxmlformats.org/presentationml/2006/main">
+  <p:cSld>
+    <p:spTree>
+      <p:nvGrpSpPr>
+        <p:cNvPr id="1" name=""/>
+        <p:cNvGrpSpPr/>
+        <p:nvPr/>
+      </p:nvGrpSpPr>
+      <p:grpSpPr>
+        <a:xfrm>
+          <a:off x="0" y="0"/>
+          <a:ext cx="0" cy="0"/>
+          <a:chOff x="0" y="0"/>
+          <a:chExt cx="0" cy="0"/>
+        </a:xfrm>
+      </p:grpSpPr>
+      <p:sp>
+        <p:nvSpPr>
+          <p:cNvPr id="2" name="Slide Image Placeholder 1"/>
+          <p:cNvSpPr>
+            <a:spLocks noGrp="1" noRot="1" noChangeAspect="1"/>
+          </p:cNvSpPr>
+          <p:nvPr>
+            <p:ph type="sldImg"/>
+          </p:nvPr>
+        </p:nvSpPr>
+        <p:spPr/>
+      </p:sp>
+      <p:sp>
+        <p:nvSpPr>
+          <p:cNvPr id="3" name="Notes Placeholder 2"/>
+          <p:cNvSpPr>
+            <a:spLocks noGrp="1"/>
+          </p:cNvSpPr>
+          <p:nvPr>
+            <p:ph type="body" idx="1"/>
+          </p:nvPr>
+        </p:nvSpPr>
+        <p:spPr/>
+        <p:txBody>
+          <a:bodyPr/>
+          <a:lstStyle/>
+          <a:p>
+            <a:endParaRPr lang="en-US" dirty="0"/>
+          </a:p>
+        </p:txBody>
+      </p:sp>
+      <p:sp>
+        <p:nvSpPr>
+          <p:cNvPr id="4" name="Slide Number Placeholder 3"/>
+          <p:cNvSpPr>
+            <a:spLocks noGrp="1"/>
+          </p:cNvSpPr>
+          <p:nvPr>
+            <p:ph type="sldNum" sz="quarter" idx="5"/>
+          </p:nvPr>
+        </p:nvSpPr>
+        <p:spPr/>
+        <p:txBody>
+          <a:bodyPr/>
+          <a:lstStyle/>
+          <a:p>
+            <a:fld id="{C24B5A23-0948-BC48-B555-0D889E08C7BE}" type="slidenum">
+              <a:rPr lang="en-US" smtClean="0"/>
+              <a:t>8</a:t>
+            </a:fld>
+            <a:endParaRPr lang="en-US"/>
+          </a:p>
+        </p:txBody>
+      </p:sp>
+    </p:spTree>
+    <p:extLst>
+      <p:ext uri="{BB962C8B-B14F-4D97-AF65-F5344CB8AC3E}">
+        <p14:creationId xmlns:p14="http://schemas.microsoft.com/office/powerpoint/2010/main" val="2847209843"/>
+      </p:ext>
+    </p:extLst>
+  </p:cSld>
+  <p:clrMapOvr>
+    <a:masterClrMapping/>
+  </p:clrMapOvr>
+</p:notes>
+</file>
+
 <file path=ppt/slideLayouts/slideLayout1.xml><?xml version="1.0" encoding="utf-8"?>
 <p:sldLayout xmlns:a="http://schemas.openxmlformats.org/drawingml/2006/main" xmlns:r="http://schemas.openxmlformats.org/officeDocument/2006/relationships" xmlns:p="http://schemas.openxmlformats.org/presentationml/2006/main" type="title" preserve="1">
   <p:cSld name="Title Slide">
@@ -11227,7 +11480,7 @@
           <a:p>
             <a:fld id="{8FB96D9D-38FC-CC46-A0CB-E098219B0086}" type="datetime1">
               <a:rPr lang="en-US" smtClean="0"/>
-              <a:t>4/15/19</a:t>
+              <a:t>5/12/19</a:t>
             </a:fld>
             <a:endParaRPr lang="en-US"/>
           </a:p>
@@ -11256,7 +11509,7 @@
           <a:p>
             <a:r>
               <a:rPr lang="en-US" dirty="0"/>
-              <a:t>©2019 Enterprise Ethereum Alliance Inc.  All Rights Reserved. </a:t>
+              <a:t>©2019 Token Taxonomy Initiative  All Rights Reserved. </a:t>
             </a:r>
           </a:p>
         </p:txBody>
@@ -11560,7 +11813,7 @@
           <a:p>
             <a:fld id="{942A70B8-4309-F34F-96D0-97FCD407878B}" type="datetime1">
               <a:rPr lang="en-US" smtClean="0"/>
-              <a:t>4/15/19</a:t>
+              <a:t>5/12/19</a:t>
             </a:fld>
             <a:endParaRPr lang="en-US"/>
           </a:p>
@@ -11588,8 +11841,8 @@
           <a:lstStyle/>
           <a:p>
             <a:r>
-              <a:rPr lang="en-US"/>
-              <a:t>©2019 Enterprise Ethereum Alliance Inc. (“EEA”).  All Rights Reserved. EEA Proprietary and Confidential. </a:t>
+              <a:rPr lang="en-US" dirty="0"/>
+              <a:t>©2019 Token Taxonomy Initiative .  All Rights Reserved.  </a:t>
             </a:r>
           </a:p>
         </p:txBody>
@@ -11771,7 +12024,7 @@
           <a:p>
             <a:fld id="{89C80109-A0CB-5341-BC57-ABFEFDDC8893}" type="datetime1">
               <a:rPr lang="en-US" smtClean="0"/>
-              <a:t>4/15/19</a:t>
+              <a:t>5/12/19</a:t>
             </a:fld>
             <a:endParaRPr lang="en-US"/>
           </a:p>
@@ -11799,8 +12052,8 @@
           <a:lstStyle/>
           <a:p>
             <a:r>
-              <a:rPr lang="en-US"/>
-              <a:t>©2019 Enterprise Ethereum Alliance Inc. (“EEA”).  All Rights Reserved. EEA Proprietary and Confidential. </a:t>
+              <a:rPr lang="en-US" dirty="0"/>
+              <a:t>©2019 Token Taxonomy Initiative .  All Rights Reserved.  </a:t>
             </a:r>
           </a:p>
         </p:txBody>
@@ -11972,7 +12225,7 @@
           <a:p>
             <a:fld id="{BAA7B42C-993D-274B-B3BA-F75F4CCEEEC2}" type="datetime1">
               <a:rPr lang="en-US" smtClean="0"/>
-              <a:t>4/15/19</a:t>
+              <a:t>5/12/19</a:t>
             </a:fld>
             <a:endParaRPr lang="en-US"/>
           </a:p>
@@ -12001,7 +12254,7 @@
           <a:p>
             <a:r>
               <a:rPr lang="en-US" dirty="0"/>
-              <a:t>©2019 Enterprise Ethereum Alliance Inc.  All Rights Reserved. </a:t>
+              <a:t>©2019 Token Taxonomy Initiative  All Rights Reserved. </a:t>
             </a:r>
           </a:p>
         </p:txBody>
@@ -12255,7 +12508,7 @@
           <a:p>
             <a:fld id="{8F5AFB48-8B18-D340-A907-4693B63406A7}" type="datetime1">
               <a:rPr lang="en-US" smtClean="0"/>
-              <a:t>4/15/19</a:t>
+              <a:t>5/12/19</a:t>
             </a:fld>
             <a:endParaRPr lang="en-US"/>
           </a:p>
@@ -12290,11 +12543,7 @@
           <a:p>
             <a:r>
               <a:rPr lang="en-US" dirty="0"/>
-              <a:t>©2019 Enterprise Ethereum Alliance Inc.  </a:t>
-            </a:r>
-            <a:r>
-              <a:rPr lang="en-US"/>
-              <a:t>All Rights Reserved. </a:t>
+              <a:t>©2019 Token Taxonomy Initiative  All Rights Reserved. </a:t>
             </a:r>
           </a:p>
         </p:txBody>
@@ -12533,7 +12782,7 @@
           <a:p>
             <a:fld id="{79170321-5248-5D47-965E-40E4540BD6B0}" type="datetime1">
               <a:rPr lang="en-US" smtClean="0"/>
-              <a:t>4/15/19</a:t>
+              <a:t>5/12/19</a:t>
             </a:fld>
             <a:endParaRPr lang="en-US"/>
           </a:p>
@@ -12561,10 +12810,9 @@
           <a:lstStyle/>
           <a:p>
             <a:r>
-              <a:rPr lang="en-US"/>
-              <a:t>©2019 Enterprise Ethereum Alliance Inc. (“EEA”).  All Rights Reserved. EEA Proprietary and Confidential. </a:t>
+              <a:rPr lang="en-US" dirty="0"/>
+              <a:t>©2019 Token Taxonomy Initiative .  All Rights Reserved.  </a:t>
             </a:r>
-            <a:endParaRPr lang="en-US" dirty="0"/>
           </a:p>
         </p:txBody>
       </p:sp>
@@ -12949,7 +13197,7 @@
           <a:p>
             <a:fld id="{E8E7030F-BB52-314F-94F2-2E12B55397BB}" type="datetime1">
               <a:rPr lang="en-US" smtClean="0"/>
-              <a:t>4/15/19</a:t>
+              <a:t>5/12/19</a:t>
             </a:fld>
             <a:endParaRPr lang="en-US"/>
           </a:p>
@@ -12977,10 +13225,9 @@
           <a:lstStyle/>
           <a:p>
             <a:r>
-              <a:rPr lang="en-US"/>
-              <a:t>©2019 Enterprise Ethereum Alliance Inc. (“EEA”).  All Rights Reserved. EEA Proprietary and Confidential. </a:t>
+              <a:rPr lang="en-US" dirty="0"/>
+              <a:t>©2019 Token Taxonomy Initiative .  All Rights Reserved.  </a:t>
             </a:r>
-            <a:endParaRPr lang="en-US" dirty="0"/>
           </a:p>
         </p:txBody>
       </p:sp>
@@ -13094,7 +13341,7 @@
           <a:p>
             <a:fld id="{C27E58A0-BB55-0148-878B-2816E139BA78}" type="datetime1">
               <a:rPr lang="en-US" smtClean="0"/>
-              <a:t>4/15/19</a:t>
+              <a:t>5/12/19</a:t>
             </a:fld>
             <a:endParaRPr lang="en-US"/>
           </a:p>
@@ -13122,8 +13369,8 @@
           <a:lstStyle/>
           <a:p>
             <a:r>
-              <a:rPr lang="en-US"/>
-              <a:t>©2019 Enterprise Ethereum Alliance Inc. (“EEA”).  All Rights Reserved. EEA Proprietary and Confidential. </a:t>
+              <a:rPr lang="en-US" dirty="0"/>
+              <a:t>©2019 Token Taxonomy Initiative .  All Rights Reserved.  </a:t>
             </a:r>
           </a:p>
         </p:txBody>
@@ -13210,7 +13457,7 @@
           <a:p>
             <a:fld id="{5116CE3B-2606-EB4F-B179-D486B484EF6E}" type="datetime1">
               <a:rPr lang="en-US" smtClean="0"/>
-              <a:t>4/15/19</a:t>
+              <a:t>5/12/19</a:t>
             </a:fld>
             <a:endParaRPr lang="en-US"/>
           </a:p>
@@ -13238,8 +13485,8 @@
           <a:lstStyle/>
           <a:p>
             <a:r>
-              <a:rPr lang="en-US"/>
-              <a:t>©2019 Enterprise Ethereum Alliance Inc. (“EEA”).  All Rights Reserved. EEA Proprietary and Confidential. </a:t>
+              <a:rPr lang="en-US" dirty="0"/>
+              <a:t>©2019 Token Taxonomy Initiative .  All Rights Reserved.  </a:t>
             </a:r>
           </a:p>
         </p:txBody>
@@ -13524,7 +13771,7 @@
           <a:p>
             <a:fld id="{89F1CDCB-590D-CB49-8A9B-46077D7ADF33}" type="datetime1">
               <a:rPr lang="en-US" smtClean="0"/>
-              <a:t>4/15/19</a:t>
+              <a:t>5/12/19</a:t>
             </a:fld>
             <a:endParaRPr lang="en-US"/>
           </a:p>
@@ -13552,8 +13799,8 @@
           <a:lstStyle/>
           <a:p>
             <a:r>
-              <a:rPr lang="en-US"/>
-              <a:t>©2019 Enterprise Ethereum Alliance Inc. (“EEA”).  All Rights Reserved. EEA Proprietary and Confidential. </a:t>
+              <a:rPr lang="en-US" dirty="0"/>
+              <a:t>©2019 Token Taxonomy Initiative .  All Rights Reserved.  </a:t>
             </a:r>
           </a:p>
         </p:txBody>
@@ -13815,7 +14062,7 @@
           <a:p>
             <a:fld id="{7D96C9D8-BC1D-4648-B77D-F9F743ABE8E0}" type="datetime1">
               <a:rPr lang="en-US" smtClean="0"/>
-              <a:t>4/15/19</a:t>
+              <a:t>5/12/19</a:t>
             </a:fld>
             <a:endParaRPr lang="en-US"/>
           </a:p>
@@ -13843,8 +14090,8 @@
           <a:lstStyle/>
           <a:p>
             <a:r>
-              <a:rPr lang="en-US"/>
-              <a:t>©2019 Enterprise Ethereum Alliance Inc. (“EEA”).  All Rights Reserved. EEA Proprietary and Confidential. </a:t>
+              <a:rPr lang="en-US" dirty="0"/>
+              <a:t>©2019 Token Taxonomy Initiative .  All Rights Reserved.  </a:t>
             </a:r>
           </a:p>
         </p:txBody>
@@ -14059,7 +14306,7 @@
           <a:p>
             <a:fld id="{6AA11AF7-B255-CD4A-98A8-E461D6BAC0E7}" type="datetime1">
               <a:rPr lang="en-US" smtClean="0"/>
-              <a:t>4/15/19</a:t>
+              <a:t>5/12/19</a:t>
             </a:fld>
             <a:endParaRPr lang="en-US"/>
           </a:p>
@@ -14105,10 +14352,9 @@
           </a:lstStyle>
           <a:p>
             <a:r>
-              <a:rPr lang="en-US"/>
-              <a:t>©2019 Enterprise Ethereum Alliance Inc. (“EEA”).  All Rights Reserved. EEA Proprietary and Confidential. </a:t>
+              <a:rPr lang="en-US" dirty="0"/>
+              <a:t>©2019 Token Taxonomy Initiative .  All Rights Reserved.  </a:t>
             </a:r>
-            <a:endParaRPr lang="en-US" dirty="0"/>
           </a:p>
         </p:txBody>
       </p:sp>
@@ -14955,7 +15201,7 @@
           <a:p>
             <a:r>
               <a:rPr lang="en-US" dirty="0"/>
-              <a:t>©2019 Enterprise Ethereum Alliance Inc.  All Rights Reserved. </a:t>
+              <a:t>©2019 Token Taxonomy Initiative  All Rights Reserved. </a:t>
             </a:r>
           </a:p>
         </p:txBody>
@@ -15155,8 +15401,8 @@
           <a:lstStyle/>
           <a:p>
             <a:r>
-              <a:rPr lang="en-US"/>
-              <a:t>©2019 Enterprise Ethereum Alliance Inc. (“EEA”).  All Rights Reserved. EEA Proprietary and Confidential. </a:t>
+              <a:rPr lang="en-US" dirty="0"/>
+              <a:t>©2019 Token Taxonomy Initiative .  All Rights Reserved.  </a:t>
             </a:r>
           </a:p>
         </p:txBody>
@@ -15529,16 +15775,24 @@
         </p:nvSpPr>
         <p:spPr>
           <a:xfrm>
-            <a:off x="618064" y="2166721"/>
-            <a:ext cx="4273425" cy="915035"/>
+            <a:off x="465514" y="1773847"/>
+            <a:ext cx="4620544" cy="1307909"/>
           </a:xfrm>
         </p:spPr>
         <p:txBody>
           <a:bodyPr>
-            <a:normAutofit fontScale="90000"/>
+            <a:normAutofit/>
           </a:bodyPr>
           <a:lstStyle/>
           <a:p>
+            <a:pPr algn="ctr"/>
+            <a:r>
+              <a:rPr lang="en-US" sz="2800" u="sng" dirty="0"/>
+              <a:t>Composition Framework</a:t>
+            </a:r>
+            <a:br>
+              <a:rPr lang="en-US" sz="2800" dirty="0"/>
+            </a:br>
             <a:r>
               <a:rPr lang="en-US" sz="2800" dirty="0"/>
               <a:t>Syntax, Definition &amp; Messages: Types, Properties &amp; Behaviors</a:t>
@@ -15630,8 +15884,8 @@
           <a:lstStyle/>
           <a:p>
             <a:r>
-              <a:rPr lang="en-US"/>
-              <a:t>©2019 Enterprise Ethereum Alliance Inc. (“EEA”).  All Rights Reserved. EEA Proprietary and Confidential. </a:t>
+              <a:rPr lang="en-US" dirty="0"/>
+              <a:t>©2019 Token Taxonomy Initiative .  All Rights Reserved.  </a:t>
             </a:r>
           </a:p>
         </p:txBody>
@@ -15730,7 +15984,7 @@
         </p:nvSpPr>
         <p:spPr>
           <a:xfrm>
-            <a:off x="4894729" y="940723"/>
+            <a:off x="4462466" y="905285"/>
             <a:ext cx="6713823" cy="1325563"/>
           </a:xfrm>
         </p:spPr>
@@ -15741,7 +15995,7 @@
           <a:lstStyle/>
           <a:p>
             <a:r>
-              <a:rPr lang="en-US"/>
+              <a:rPr lang="en-US" dirty="0"/>
               <a:t>Token Definition</a:t>
             </a:r>
           </a:p>
@@ -16505,13 +16759,13 @@
         </p:nvSpPr>
         <p:spPr>
           <a:xfrm>
-            <a:off x="7209446" y="2416416"/>
-            <a:ext cx="4244122" cy="3181684"/>
+            <a:off x="6671472" y="2266286"/>
+            <a:ext cx="5515700" cy="3331814"/>
           </a:xfrm>
         </p:spPr>
         <p:txBody>
           <a:bodyPr anchor="t">
-            <a:normAutofit/>
+            <a:normAutofit lnSpcReduction="10000"/>
           </a:bodyPr>
           <a:lstStyle/>
           <a:p>
@@ -16519,25 +16773,25 @@
               <a:buNone/>
             </a:pPr>
             <a:r>
-              <a:rPr lang="en-US" sz="1800"/>
+              <a:rPr lang="en-US" sz="3600" dirty="0"/>
               <a:t>Clear and understood requirements:</a:t>
             </a:r>
           </a:p>
           <a:p>
             <a:r>
-              <a:rPr lang="en-US" sz="1800"/>
+              <a:rPr lang="en-US" sz="3600" dirty="0"/>
               <a:t>implementation agnostic</a:t>
             </a:r>
           </a:p>
           <a:p>
             <a:r>
-              <a:rPr lang="en-US" sz="1800"/>
+              <a:rPr lang="en-US" sz="3600" dirty="0"/>
               <a:t>requirements for developers</a:t>
             </a:r>
           </a:p>
           <a:p>
             <a:r>
-              <a:rPr lang="en-US" sz="1800"/>
+              <a:rPr lang="en-US" sz="3600" dirty="0"/>
               <a:t>standards to validate</a:t>
             </a:r>
           </a:p>
@@ -16580,12 +16834,12 @@
               </a:spcAft>
             </a:pPr>
             <a:r>
-              <a:rPr lang="en-US" sz="900">
+              <a:rPr lang="en-US" sz="900" dirty="0">
                 <a:solidFill>
                   <a:schemeClr val="tx1"/>
                 </a:solidFill>
               </a:rPr>
-              <a:t>©2019 Enterprise Ethereum Alliance Inc. (“EEA”).  All Rights Reserved. EEA Proprietary and Confidential. </a:t>
+              <a:t>©2019 Token Taxonomy Initiative .  All Rights Reserved.  </a:t>
             </a:r>
           </a:p>
         </p:txBody>
@@ -16609,10 +16863,7 @@
     <p:bg>
       <p:bgPr>
         <a:solidFill>
-          <a:schemeClr val="bg1">
-            <a:tint val="95000"/>
-            <a:satMod val="170000"/>
-          </a:schemeClr>
+          <a:schemeClr val="bg1"/>
         </a:solidFill>
         <a:effectLst/>
       </p:bgPr>
@@ -16633,6 +16884,71 @@
       </p:grpSpPr>
       <p:sp>
         <p:nvSpPr>
+          <p:cNvPr id="17" name="Rectangle 16">
+            <a:extLst>
+              <a:ext uri="{FF2B5EF4-FFF2-40B4-BE49-F238E27FC236}">
+                <a16:creationId xmlns:a16="http://schemas.microsoft.com/office/drawing/2014/main" id="{7383B190-6BFB-422F-B667-06B7B25F096A}"/>
+              </a:ext>
+              <a:ext uri="{C183D7F6-B498-43B3-948B-1728B52AA6E4}">
+                <adec:decorative xmlns:adec="http://schemas.microsoft.com/office/drawing/2017/decorative" val="1"/>
+              </a:ext>
+            </a:extLst>
+          </p:cNvPr>
+          <p:cNvSpPr>
+            <a:spLocks noGrp="1" noRot="1" noChangeAspect="1" noMove="1" noResize="1" noEditPoints="1" noAdjustHandles="1" noChangeArrowheads="1" noChangeShapeType="1" noTextEdit="1"/>
+          </p:cNvSpPr>
+          <p:nvPr>
+            <p:extLst>
+              <p:ext uri="{386F3935-93C4-4BCD-93E2-E3B085C9AB24}">
+                <p16:designElem xmlns:p16="http://schemas.microsoft.com/office/powerpoint/2015/main" val="1"/>
+              </p:ext>
+            </p:extLst>
+          </p:nvPr>
+        </p:nvSpPr>
+        <p:spPr bwMode="ltGray">
+          <a:xfrm>
+            <a:off x="4708357" y="3509963"/>
+            <a:ext cx="7092215" cy="2967839"/>
+          </a:xfrm>
+          <a:prstGeom prst="rect">
+            <a:avLst/>
+          </a:prstGeom>
+          <a:solidFill>
+            <a:srgbClr val="404040"/>
+          </a:solidFill>
+          <a:ln w="127000" cap="sq" cmpd="thinThick">
+            <a:solidFill>
+              <a:srgbClr val="404040"/>
+            </a:solidFill>
+          </a:ln>
+        </p:spPr>
+        <p:style>
+          <a:lnRef idx="2">
+            <a:schemeClr val="accent1">
+              <a:shade val="50000"/>
+            </a:schemeClr>
+          </a:lnRef>
+          <a:fillRef idx="1">
+            <a:schemeClr val="accent1"/>
+          </a:fillRef>
+          <a:effectRef idx="0">
+            <a:schemeClr val="accent1"/>
+          </a:effectRef>
+          <a:fontRef idx="minor">
+            <a:schemeClr val="lt1"/>
+          </a:fontRef>
+        </p:style>
+        <p:txBody>
+          <a:bodyPr rtlCol="0" anchor="ctr"/>
+          <a:lstStyle/>
+          <a:p>
+            <a:pPr algn="ctr"/>
+            <a:endParaRPr lang="en-US" dirty="0"/>
+          </a:p>
+        </p:txBody>
+      </p:sp>
+      <p:sp>
+        <p:nvSpPr>
           <p:cNvPr id="4" name="Title 1">
             <a:extLst>
               <a:ext uri="{FF2B5EF4-FFF2-40B4-BE49-F238E27FC236}">
@@ -16647,15 +16963,15 @@
         </p:nvSpPr>
         <p:spPr>
           <a:xfrm>
-            <a:off x="5202621" y="4665605"/>
-            <a:ext cx="6638806" cy="1292433"/>
+            <a:off x="5021821" y="3812954"/>
+            <a:ext cx="6465287" cy="1516014"/>
           </a:xfrm>
           <a:prstGeom prst="rect">
             <a:avLst/>
           </a:prstGeom>
         </p:spPr>
         <p:txBody>
-          <a:bodyPr vert="horz" lIns="91440" tIns="45720" rIns="91440" bIns="45720" rtlCol="0" anchor="ctr">
+          <a:bodyPr vert="horz" lIns="91440" tIns="45720" rIns="91440" bIns="45720" rtlCol="0" anchor="b">
             <a:normAutofit/>
           </a:bodyPr>
           <a:lstStyle>
@@ -16684,9 +17000,9 @@
               </a:spcAft>
             </a:pPr>
             <a:r>
-              <a:rPr lang="en-US" sz="4800" kern="1200">
+              <a:rPr lang="en-US" sz="4800" kern="1200" dirty="0">
                 <a:solidFill>
-                  <a:schemeClr val="tx1"/>
+                  <a:srgbClr val="FFFFFF"/>
                 </a:solidFill>
                 <a:latin typeface="+mj-lt"/>
                 <a:ea typeface="+mj-ea"/>
@@ -16699,39 +17015,10 @@
       </p:sp>
       <p:pic>
         <p:nvPicPr>
-          <p:cNvPr id="7" name="Picture 6" descr="A close up of a sign&#10;&#10;Description automatically generated">
+          <p:cNvPr id="12" name="Picture 11" descr="A close up of a sign&#10;&#10;Description automatically generated">
             <a:extLst>
               <a:ext uri="{FF2B5EF4-FFF2-40B4-BE49-F238E27FC236}">
-                <a16:creationId xmlns:a16="http://schemas.microsoft.com/office/drawing/2014/main" id="{B837C842-EDCB-8C4B-9249-29957BAC4BEB}"/>
-              </a:ext>
-            </a:extLst>
-          </p:cNvPr>
-          <p:cNvPicPr>
-            <a:picLocks noChangeAspect="1"/>
-          </p:cNvPicPr>
-          <p:nvPr/>
-        </p:nvPicPr>
-        <p:blipFill rotWithShape="1">
-          <a:blip r:embed="rId2"/>
-          <a:srcRect l="33966" r="33781"/>
-          <a:stretch/>
-        </p:blipFill>
-        <p:spPr>
-          <a:xfrm>
-            <a:off x="20" y="1"/>
-            <a:ext cx="4848284" cy="4359438"/>
-          </a:xfrm>
-          <a:prstGeom prst="rect">
-            <a:avLst/>
-          </a:prstGeom>
-        </p:spPr>
-      </p:pic>
-      <p:pic>
-        <p:nvPicPr>
-          <p:cNvPr id="5" name="Picture 4" descr="A screenshot of a cell phone&#10;&#10;Description automatically generated">
-            <a:extLst>
-              <a:ext uri="{FF2B5EF4-FFF2-40B4-BE49-F238E27FC236}">
-                <a16:creationId xmlns:a16="http://schemas.microsoft.com/office/drawing/2014/main" id="{9095F4AE-985E-EB4A-B456-AC667EC0041C}"/>
+                <a16:creationId xmlns:a16="http://schemas.microsoft.com/office/drawing/2014/main" id="{FCB13D7C-6119-E944-9E4C-CE16E137FF4A}"/>
               </a:ext>
             </a:extLst>
           </p:cNvPr>
@@ -16742,13 +17029,13 @@
         </p:nvPicPr>
         <p:blipFill rotWithShape="1">
           <a:blip r:embed="rId3"/>
-          <a:srcRect l="9855" r="9854" b="-2"/>
+          <a:srcRect l="23026" r="19311" b="-1"/>
           <a:stretch/>
         </p:blipFill>
         <p:spPr>
           <a:xfrm>
-            <a:off x="4972050" y="-1"/>
-            <a:ext cx="7216902" cy="4359440"/>
+            <a:off x="317635" y="299363"/>
+            <a:ext cx="4160452" cy="3049204"/>
           </a:xfrm>
           <a:prstGeom prst="rect">
             <a:avLst/>
@@ -16757,10 +17044,10 @@
       </p:pic>
       <p:pic>
         <p:nvPicPr>
-          <p:cNvPr id="6" name="Picture 5" descr="A screenshot of a cell phone&#10;&#10;Description automatically generated">
+          <p:cNvPr id="8" name="Picture 7" descr="A screenshot of a cell phone&#10;&#10;Description automatically generated">
             <a:extLst>
               <a:ext uri="{FF2B5EF4-FFF2-40B4-BE49-F238E27FC236}">
-                <a16:creationId xmlns:a16="http://schemas.microsoft.com/office/drawing/2014/main" id="{F9C0C840-BDD5-0541-AE75-FE7C747614D3}"/>
+                <a16:creationId xmlns:a16="http://schemas.microsoft.com/office/drawing/2014/main" id="{19E98127-C4D3-7F4F-B9C8-9D7740ADE0D6}"/>
               </a:ext>
             </a:extLst>
           </p:cNvPr>
@@ -16771,19 +17058,71 @@
         </p:nvPicPr>
         <p:blipFill rotWithShape="1">
           <a:blip r:embed="rId4"/>
-          <a:srcRect r="3037"/>
+          <a:srcRect t="14059" r="2" b="2"/>
           <a:stretch/>
         </p:blipFill>
         <p:spPr>
           <a:xfrm>
-            <a:off x="20" y="4472610"/>
-            <a:ext cx="4848284" cy="2385390"/>
+            <a:off x="4654296" y="299363"/>
+            <a:ext cx="7217085" cy="3008188"/>
           </a:xfrm>
           <a:prstGeom prst="rect">
             <a:avLst/>
           </a:prstGeom>
         </p:spPr>
       </p:pic>
+      <p:cxnSp>
+        <p:nvCxnSpPr>
+          <p:cNvPr id="19" name="Straight Connector 18">
+            <a:extLst>
+              <a:ext uri="{FF2B5EF4-FFF2-40B4-BE49-F238E27FC236}">
+                <a16:creationId xmlns:a16="http://schemas.microsoft.com/office/drawing/2014/main" id="{ED28E597-4AF8-4D69-A9AB-A1EDC6156B04}"/>
+              </a:ext>
+              <a:ext uri="{C183D7F6-B498-43B3-948B-1728B52AA6E4}">
+                <adec:decorative xmlns:adec="http://schemas.microsoft.com/office/drawing/2017/decorative" val="1"/>
+              </a:ext>
+            </a:extLst>
+          </p:cNvPr>
+          <p:cNvCxnSpPr>
+            <a:cxnSpLocks noGrp="1" noRot="1" noChangeAspect="1" noMove="1" noResize="1" noEditPoints="1" noAdjustHandles="1" noChangeArrowheads="1" noChangeShapeType="1"/>
+          </p:cNvCxnSpPr>
+          <p:nvPr>
+            <p:extLst>
+              <p:ext uri="{386F3935-93C4-4BCD-93E2-E3B085C9AB24}">
+                <p16:designElem xmlns:p16="http://schemas.microsoft.com/office/powerpoint/2015/main" val="1"/>
+              </p:ext>
+            </p:extLst>
+          </p:nvPr>
+        </p:nvCxnSpPr>
+        <p:spPr>
+          <a:xfrm>
+            <a:off x="5138287" y="5443086"/>
+            <a:ext cx="6400800" cy="0"/>
+          </a:xfrm>
+          <a:prstGeom prst="line">
+            <a:avLst/>
+          </a:prstGeom>
+          <a:ln w="22225">
+            <a:solidFill>
+              <a:srgbClr val="D9D9D9"/>
+            </a:solidFill>
+          </a:ln>
+        </p:spPr>
+        <p:style>
+          <a:lnRef idx="1">
+            <a:schemeClr val="accent1"/>
+          </a:lnRef>
+          <a:fillRef idx="0">
+            <a:schemeClr val="accent1"/>
+          </a:fillRef>
+          <a:effectRef idx="0">
+            <a:schemeClr val="accent1"/>
+          </a:effectRef>
+          <a:fontRef idx="minor">
+            <a:schemeClr val="tx1"/>
+          </a:fontRef>
+        </p:style>
+      </p:cxnSp>
       <p:sp>
         <p:nvSpPr>
           <p:cNvPr id="2" name="Footer Placeholder 1">
@@ -16802,8 +17141,8 @@
         </p:nvSpPr>
         <p:spPr>
           <a:xfrm>
-            <a:off x="5237182" y="6355080"/>
-            <a:ext cx="5364541" cy="323850"/>
+            <a:off x="3649579" y="6536267"/>
+            <a:ext cx="4892842" cy="306928"/>
           </a:xfrm>
         </p:spPr>
         <p:txBody>
@@ -16812,7 +17151,7 @@
           </a:bodyPr>
           <a:lstStyle/>
           <a:p>
-            <a:pPr algn="l">
+            <a:pPr>
               <a:lnSpc>
                 <a:spcPct val="90000"/>
               </a:lnSpc>
@@ -16821,17 +17160,112 @@
               </a:spcAft>
             </a:pPr>
             <a:r>
-              <a:rPr lang="en-US" sz="900" kern="1200">
+              <a:rPr lang="en-US" sz="900" kern="1200" dirty="0">
                 <a:solidFill>
                   <a:schemeClr val="tx1">
-                    <a:alpha val="80000"/>
+                    <a:tint val="75000"/>
                   </a:schemeClr>
                 </a:solidFill>
                 <a:latin typeface="+mn-lt"/>
                 <a:ea typeface="+mn-ea"/>
                 <a:cs typeface="+mn-cs"/>
               </a:rPr>
-              <a:t>©2019 Enterprise Ethereum Alliance Inc. (“EEA”).  All Rights Reserved. EEA Proprietary and Confidential. </a:t>
+              <a:t>©2019 Token Taxonomy Initiative .  All Rights Reserved.  </a:t>
+            </a:r>
+          </a:p>
+        </p:txBody>
+      </p:sp>
+      <p:pic>
+        <p:nvPicPr>
+          <p:cNvPr id="10" name="Picture 9" descr="A screenshot of a cell phone&#10;&#10;Description automatically generated">
+            <a:extLst>
+              <a:ext uri="{FF2B5EF4-FFF2-40B4-BE49-F238E27FC236}">
+                <a16:creationId xmlns:a16="http://schemas.microsoft.com/office/drawing/2014/main" id="{C2FF454A-5B26-0A44-8D49-67C58B27A776}"/>
+              </a:ext>
+            </a:extLst>
+          </p:cNvPr>
+          <p:cNvPicPr>
+            <a:picLocks noChangeAspect="1"/>
+          </p:cNvPicPr>
+          <p:nvPr/>
+        </p:nvPicPr>
+        <p:blipFill rotWithShape="1">
+          <a:blip r:embed="rId5"/>
+          <a:srcRect l="31899" r="22743" b="2"/>
+          <a:stretch/>
+        </p:blipFill>
+        <p:spPr>
+          <a:xfrm>
+            <a:off x="317635" y="3509433"/>
+            <a:ext cx="4160452" cy="3026833"/>
+          </a:xfrm>
+          <a:prstGeom prst="rect">
+            <a:avLst/>
+          </a:prstGeom>
+        </p:spPr>
+      </p:pic>
+      <p:sp>
+        <p:nvSpPr>
+          <p:cNvPr id="24" name="Title 1">
+            <a:extLst>
+              <a:ext uri="{FF2B5EF4-FFF2-40B4-BE49-F238E27FC236}">
+                <a16:creationId xmlns:a16="http://schemas.microsoft.com/office/drawing/2014/main" id="{4445CDBE-2F3A-9C4F-B03A-D8372E150DA7}"/>
+              </a:ext>
+            </a:extLst>
+          </p:cNvPr>
+          <p:cNvSpPr txBox="1">
+            <a:spLocks/>
+          </p:cNvSpPr>
+          <p:nvPr/>
+        </p:nvSpPr>
+        <p:spPr>
+          <a:xfrm>
+            <a:off x="9077498" y="4873952"/>
+            <a:ext cx="2461589" cy="1516014"/>
+          </a:xfrm>
+          <a:prstGeom prst="rect">
+            <a:avLst/>
+          </a:prstGeom>
+        </p:spPr>
+        <p:txBody>
+          <a:bodyPr vert="horz" lIns="91440" tIns="45720" rIns="91440" bIns="45720" rtlCol="0" anchor="b">
+            <a:normAutofit/>
+          </a:bodyPr>
+          <a:lstStyle>
+            <a:lvl1pPr algn="l" defTabSz="914400" rtl="0" eaLnBrk="1" latinLnBrk="0" hangingPunct="1">
+              <a:lnSpc>
+                <a:spcPct val="90000"/>
+              </a:lnSpc>
+              <a:spcBef>
+                <a:spcPct val="0"/>
+              </a:spcBef>
+              <a:buNone/>
+              <a:defRPr sz="4400" kern="1200">
+                <a:solidFill>
+                  <a:schemeClr val="tx1"/>
+                </a:solidFill>
+                <a:latin typeface="+mj-lt"/>
+                <a:ea typeface="+mj-ea"/>
+                <a:cs typeface="+mj-cs"/>
+              </a:defRPr>
+            </a:lvl1pPr>
+          </a:lstStyle>
+          <a:p>
+            <a:pPr>
+              <a:spcAft>
+                <a:spcPts val="600"/>
+              </a:spcAft>
+            </a:pPr>
+            <a:r>
+              <a:rPr lang="en-US" sz="4800" i="1" kern="1200" dirty="0">
+                <a:solidFill>
+                  <a:srgbClr val="FFFFFF"/>
+                </a:solidFill>
+                <a:latin typeface="+mj-lt"/>
+                <a:ea typeface="+mj-ea"/>
+                <a:cs typeface="+mj-cs"/>
+              </a:rPr>
+              <a:t>No Code</a:t>
             </a:r>
           </a:p>
         </p:txBody>
@@ -16844,7 +17278,7 @@
     </p:extLst>
   </p:cSld>
   <p:clrMapOvr>
-    <a:overrideClrMapping bg1="dk1" tx1="lt1" bg2="dk2" tx2="lt2" accent1="accent1" accent2="accent2" accent3="accent3" accent4="accent4" accent5="accent5" accent6="accent6" hlink="hlink" folHlink="folHlink"/>
+    <a:masterClrMapping/>
   </p:clrMapOvr>
 </p:sld>
 </file>
@@ -16855,10 +17289,7 @@
     <p:bg>
       <p:bgPr>
         <a:solidFill>
-          <a:schemeClr val="bg1">
-            <a:tint val="95000"/>
-            <a:satMod val="170000"/>
-          </a:schemeClr>
+          <a:schemeClr val="bg1"/>
         </a:solidFill>
         <a:effectLst/>
       </p:bgPr>
@@ -16879,10 +17310,10 @@
       </p:grpSpPr>
       <p:sp>
         <p:nvSpPr>
-          <p:cNvPr id="9" name="Rectangle 8">
+          <p:cNvPr id="11" name="Rectangle 10">
             <a:extLst>
               <a:ext uri="{FF2B5EF4-FFF2-40B4-BE49-F238E27FC236}">
-                <a16:creationId xmlns:a16="http://schemas.microsoft.com/office/drawing/2014/main" id="{5B32A67F-3598-4A13-8552-DA884FFCCE57}"/>
+                <a16:creationId xmlns:a16="http://schemas.microsoft.com/office/drawing/2014/main" id="{867D4867-5BA7-4462-B2F6-A23F4A622AA7}"/>
               </a:ext>
               <a:ext uri="{C183D7F6-B498-43B3-948B-1728B52AA6E4}">
                 <adec:decorative xmlns:adec="http://schemas.microsoft.com/office/drawing/2017/decorative" val="1"/>
@@ -16903,7 +17334,7 @@
         <p:spPr>
           <a:xfrm>
             <a:off x="0" y="0"/>
-            <a:ext cx="12192000" cy="6858000"/>
+            <a:ext cx="4654296" cy="6858000"/>
           </a:xfrm>
           <a:prstGeom prst="rect">
             <a:avLst/>
@@ -16919,16 +17350,14 @@
           </a:ln>
         </p:spPr>
         <p:style>
-          <a:lnRef idx="2">
-            <a:schemeClr val="accent1">
-              <a:shade val="50000"/>
-            </a:schemeClr>
+          <a:lnRef idx="0">
+            <a:scrgbClr r="0" g="0" b="0"/>
           </a:lnRef>
-          <a:fillRef idx="1">
-            <a:schemeClr val="accent1"/>
+          <a:fillRef idx="0">
+            <a:scrgbClr r="0" g="0" b="0"/>
           </a:fillRef>
           <a:effectRef idx="0">
-            <a:schemeClr val="accent1"/>
+            <a:scrgbClr r="0" g="0" b="0"/>
           </a:effectRef>
           <a:fontRef idx="minor">
             <a:schemeClr val="lt1"/>
@@ -16948,7 +17377,7 @@
           <p:cNvPr id="2" name="Title 1">
             <a:extLst>
               <a:ext uri="{FF2B5EF4-FFF2-40B4-BE49-F238E27FC236}">
-                <a16:creationId xmlns:a16="http://schemas.microsoft.com/office/drawing/2014/main" id="{BE82A9B8-EE86-D04B-A1EB-9ED18710AFB5}"/>
+                <a16:creationId xmlns:a16="http://schemas.microsoft.com/office/drawing/2014/main" id="{26BE6FD5-7E58-8F4A-8931-647E70EE9B31}"/>
               </a:ext>
             </a:extLst>
           </p:cNvPr>
@@ -16961,436 +17390,132 @@
         </p:nvSpPr>
         <p:spPr>
           <a:xfrm>
-            <a:off x="804673" y="3320859"/>
-            <a:ext cx="4573475" cy="2076333"/>
+            <a:off x="643467" y="643467"/>
+            <a:ext cx="3363974" cy="1597315"/>
           </a:xfrm>
+          <a:noFill/>
+          <a:ln w="19050">
+            <a:solidFill>
+              <a:schemeClr val="bg1"/>
+            </a:solidFill>
+          </a:ln>
         </p:spPr>
         <p:txBody>
-          <a:bodyPr vert="horz" lIns="91440" tIns="45720" rIns="91440" bIns="45720" rtlCol="0" anchor="t">
+          <a:bodyPr wrap="square">
             <a:normAutofit/>
           </a:bodyPr>
           <a:lstStyle/>
           <a:p>
+            <a:pPr algn="ctr"/>
             <a:r>
-              <a:rPr lang="en-US" sz="4800" kern="1200" dirty="0">
+              <a:rPr lang="en-US" sz="2800">
                 <a:solidFill>
                   <a:schemeClr val="bg1"/>
                 </a:solidFill>
-                <a:latin typeface="+mj-lt"/>
-                <a:ea typeface="+mj-ea"/>
-                <a:cs typeface="+mj-cs"/>
               </a:rPr>
-              <a:t>Seed for the Token Taxonomy Initiative</a:t>
+              <a:t>Design for Cross Network &amp; Industry</a:t>
             </a:r>
           </a:p>
         </p:txBody>
       </p:sp>
       <p:sp>
         <p:nvSpPr>
-          <p:cNvPr id="11" name="Freeform: Shape 10">
+          <p:cNvPr id="3" name="Content Placeholder 2">
             <a:extLst>
               <a:ext uri="{FF2B5EF4-FFF2-40B4-BE49-F238E27FC236}">
-                <a16:creationId xmlns:a16="http://schemas.microsoft.com/office/drawing/2014/main" id="{BCC55ACC-A2F6-403C-A3A4-D59B3734D45F}"/>
-              </a:ext>
-              <a:ext uri="{C183D7F6-B498-43B3-948B-1728B52AA6E4}">
-                <adec:decorative xmlns:adec="http://schemas.microsoft.com/office/drawing/2017/decorative" val="1"/>
+                <a16:creationId xmlns:a16="http://schemas.microsoft.com/office/drawing/2014/main" id="{D37932B1-6E9A-4C4E-B964-1A756FBCF98D}"/>
               </a:ext>
             </a:extLst>
           </p:cNvPr>
           <p:cNvSpPr>
-            <a:spLocks noGrp="1" noRot="1" noChangeAspect="1" noMove="1" noResize="1" noEditPoints="1" noAdjustHandles="1" noChangeArrowheads="1" noChangeShapeType="1" noTextEdit="1"/>
+            <a:spLocks noGrp="1"/>
           </p:cNvSpPr>
           <p:nvPr>
-            <p:extLst>
-              <p:ext uri="{386F3935-93C4-4BCD-93E2-E3B085C9AB24}">
-                <p16:designElem xmlns:p16="http://schemas.microsoft.com/office/powerpoint/2015/main" val="1"/>
-              </p:ext>
-            </p:extLst>
+            <p:ph idx="1"/>
           </p:nvPr>
         </p:nvSpPr>
         <p:spPr>
           <a:xfrm>
-            <a:off x="5857312" y="381000"/>
-            <a:ext cx="6334689" cy="6477000"/>
+            <a:off x="182881" y="2490160"/>
+            <a:ext cx="4222864" cy="3812884"/>
           </a:xfrm>
-          <a:custGeom>
-            <a:avLst/>
-            <a:gdLst>
-              <a:gd name="connsiteX0" fmla="*/ 3561588 w 6334689"/>
-              <a:gd name="connsiteY0" fmla="*/ 0 h 6477000"/>
-              <a:gd name="connsiteX1" fmla="*/ 6309883 w 6334689"/>
-              <a:gd name="connsiteY1" fmla="*/ 1296087 h 6477000"/>
-              <a:gd name="connsiteX2" fmla="*/ 6334689 w 6334689"/>
-              <a:gd name="connsiteY2" fmla="*/ 1329261 h 6477000"/>
-              <a:gd name="connsiteX3" fmla="*/ 6334689 w 6334689"/>
-              <a:gd name="connsiteY3" fmla="*/ 5793916 h 6477000"/>
-              <a:gd name="connsiteX4" fmla="*/ 6309883 w 6334689"/>
-              <a:gd name="connsiteY4" fmla="*/ 5827089 h 6477000"/>
-              <a:gd name="connsiteX5" fmla="*/ 5760467 w 6334689"/>
-              <a:gd name="connsiteY5" fmla="*/ 6363539 h 6477000"/>
-              <a:gd name="connsiteX6" fmla="*/ 5607796 w 6334689"/>
-              <a:gd name="connsiteY6" fmla="*/ 6477000 h 6477000"/>
-              <a:gd name="connsiteX7" fmla="*/ 1519571 w 6334689"/>
-              <a:gd name="connsiteY7" fmla="*/ 6477000 h 6477000"/>
-              <a:gd name="connsiteX8" fmla="*/ 1296088 w 6334689"/>
-              <a:gd name="connsiteY8" fmla="*/ 6309883 h 6477000"/>
-              <a:gd name="connsiteX9" fmla="*/ 0 w 6334689"/>
-              <a:gd name="connsiteY9" fmla="*/ 3561588 h 6477000"/>
-              <a:gd name="connsiteX10" fmla="*/ 3561588 w 6334689"/>
-              <a:gd name="connsiteY10" fmla="*/ 0 h 6477000"/>
-            </a:gdLst>
-            <a:ahLst/>
-            <a:cxnLst>
-              <a:cxn ang="0">
-                <a:pos x="connsiteX0" y="connsiteY0"/>
-              </a:cxn>
-              <a:cxn ang="0">
-                <a:pos x="connsiteX1" y="connsiteY1"/>
-              </a:cxn>
-              <a:cxn ang="0">
-                <a:pos x="connsiteX2" y="connsiteY2"/>
-              </a:cxn>
-              <a:cxn ang="0">
-                <a:pos x="connsiteX3" y="connsiteY3"/>
-              </a:cxn>
-              <a:cxn ang="0">
-                <a:pos x="connsiteX4" y="connsiteY4"/>
-              </a:cxn>
-              <a:cxn ang="0">
-                <a:pos x="connsiteX5" y="connsiteY5"/>
-              </a:cxn>
-              <a:cxn ang="0">
-                <a:pos x="connsiteX6" y="connsiteY6"/>
-              </a:cxn>
-              <a:cxn ang="0">
-                <a:pos x="connsiteX7" y="connsiteY7"/>
-              </a:cxn>
-              <a:cxn ang="0">
-                <a:pos x="connsiteX8" y="connsiteY8"/>
-              </a:cxn>
-              <a:cxn ang="0">
-                <a:pos x="connsiteX9" y="connsiteY9"/>
-              </a:cxn>
-              <a:cxn ang="0">
-                <a:pos x="connsiteX10" y="connsiteY10"/>
-              </a:cxn>
-            </a:cxnLst>
-            <a:rect l="l" t="t" r="r" b="b"/>
-            <a:pathLst>
-              <a:path w="6334689" h="6477000">
-                <a:moveTo>
-                  <a:pt x="3561588" y="0"/>
-                </a:moveTo>
-                <a:cubicBezTo>
-                  <a:pt x="4668032" y="0"/>
-                  <a:pt x="5656635" y="504534"/>
-                  <a:pt x="6309883" y="1296087"/>
-                </a:cubicBezTo>
-                <a:lnTo>
-                  <a:pt x="6334689" y="1329261"/>
-                </a:lnTo>
-                <a:lnTo>
-                  <a:pt x="6334689" y="5793916"/>
-                </a:lnTo>
-                <a:lnTo>
-                  <a:pt x="6309883" y="5827089"/>
-                </a:lnTo>
-                <a:cubicBezTo>
-                  <a:pt x="6146571" y="6024977"/>
-                  <a:pt x="5962299" y="6204927"/>
-                  <a:pt x="5760467" y="6363539"/>
-                </a:cubicBezTo>
-                <a:lnTo>
-                  <a:pt x="5607796" y="6477000"/>
-                </a:lnTo>
-                <a:lnTo>
-                  <a:pt x="1519571" y="6477000"/>
-                </a:lnTo>
-                <a:lnTo>
-                  <a:pt x="1296088" y="6309883"/>
-                </a:lnTo>
-                <a:cubicBezTo>
-                  <a:pt x="504535" y="5656635"/>
-                  <a:pt x="0" y="4668032"/>
-                  <a:pt x="0" y="3561588"/>
-                </a:cubicBezTo>
-                <a:cubicBezTo>
-                  <a:pt x="0" y="1594577"/>
-                  <a:pt x="1594577" y="0"/>
-                  <a:pt x="3561588" y="0"/>
-                </a:cubicBezTo>
-                <a:close/>
-              </a:path>
-            </a:pathLst>
-          </a:custGeom>
-          <a:solidFill>
-            <a:schemeClr val="bg1">
-              <a:alpha val="80000"/>
-            </a:schemeClr>
-          </a:solidFill>
-          <a:ln>
-            <a:noFill/>
-          </a:ln>
         </p:spPr>
-        <p:style>
-          <a:lnRef idx="2">
-            <a:schemeClr val="accent1">
-              <a:shade val="50000"/>
-            </a:schemeClr>
-          </a:lnRef>
-          <a:fillRef idx="1">
-            <a:schemeClr val="accent1"/>
-          </a:fillRef>
-          <a:effectRef idx="0">
-            <a:schemeClr val="accent1"/>
-          </a:effectRef>
-          <a:fontRef idx="minor">
-            <a:schemeClr val="lt1"/>
-          </a:fontRef>
-        </p:style>
         <p:txBody>
-          <a:bodyPr rtlCol="0" anchor="ctr"/>
+          <a:bodyPr>
+            <a:normAutofit lnSpcReduction="10000"/>
+          </a:bodyPr>
           <a:lstStyle/>
           <a:p>
-            <a:pPr marL="0" marR="0" lvl="0" indent="0" algn="ctr" defTabSz="914400" rtl="0" eaLnBrk="1" fontAlgn="auto" latinLnBrk="0" hangingPunct="1">
-              <a:lnSpc>
-                <a:spcPct val="100000"/>
-              </a:lnSpc>
-              <a:spcBef>
-                <a:spcPts val="0"/>
-              </a:spcBef>
-              <a:spcAft>
-                <a:spcPts val="0"/>
-              </a:spcAft>
-              <a:buClrTx/>
-              <a:buSzTx/>
-              <a:buFontTx/>
-              <a:buNone/>
-              <a:tabLst/>
-              <a:defRPr/>
-            </a:pPr>
-            <a:endParaRPr kumimoji="0" lang="en-US" sz="1800" b="0" i="0" u="none" strike="noStrike" kern="1200" cap="none" spc="0" normalizeH="0" baseline="0" noProof="0">
-              <a:ln>
-                <a:noFill/>
-              </a:ln>
-              <a:solidFill>
-                <a:prstClr val="white"/>
-              </a:solidFill>
-              <a:effectLst/>
-              <a:uLnTx/>
-              <a:uFillTx/>
-              <a:latin typeface="Calibri" panose="020F0502020204030204"/>
-              <a:ea typeface="+mn-ea"/>
-              <a:cs typeface="+mn-cs"/>
-            </a:endParaRPr>
+            <a:r>
+              <a:rPr lang="en-US" sz="2000" dirty="0">
+                <a:solidFill>
+                  <a:schemeClr val="bg1"/>
+                </a:solidFill>
+              </a:rPr>
+              <a:t>Technology neutral design independent of any network limitations.</a:t>
+            </a:r>
           </a:p>
-        </p:txBody>
-      </p:sp>
-      <p:sp>
-        <p:nvSpPr>
-          <p:cNvPr id="13" name="Freeform: Shape 12">
-            <a:extLst>
-              <a:ext uri="{FF2B5EF4-FFF2-40B4-BE49-F238E27FC236}">
-                <a16:creationId xmlns:a16="http://schemas.microsoft.com/office/drawing/2014/main" id="{598EBA13-C937-430B-9523-439FE21096E6}"/>
-              </a:ext>
-              <a:ext uri="{C183D7F6-B498-43B3-948B-1728B52AA6E4}">
-                <adec:decorative xmlns:adec="http://schemas.microsoft.com/office/drawing/2017/decorative" val="1"/>
-              </a:ext>
-            </a:extLst>
-          </p:cNvPr>
-          <p:cNvSpPr>
-            <a:spLocks noGrp="1" noRot="1" noChangeAspect="1" noMove="1" noResize="1" noEditPoints="1" noAdjustHandles="1" noChangeArrowheads="1" noChangeShapeType="1" noTextEdit="1"/>
-          </p:cNvSpPr>
-          <p:nvPr>
-            <p:extLst>
-              <p:ext uri="{386F3935-93C4-4BCD-93E2-E3B085C9AB24}">
-                <p16:designElem xmlns:p16="http://schemas.microsoft.com/office/powerpoint/2015/main" val="1"/>
-              </p:ext>
-            </p:extLst>
-          </p:nvPr>
-        </p:nvSpPr>
-        <p:spPr>
-          <a:xfrm>
-            <a:off x="6021086" y="544777"/>
-            <a:ext cx="6170914" cy="6313225"/>
-          </a:xfrm>
-          <a:custGeom>
-            <a:avLst/>
-            <a:gdLst>
-              <a:gd name="connsiteX0" fmla="*/ 3397813 w 6170914"/>
-              <a:gd name="connsiteY0" fmla="*/ 0 h 6313225"/>
-              <a:gd name="connsiteX1" fmla="*/ 6019731 w 6170914"/>
-              <a:gd name="connsiteY1" fmla="*/ 1236489 h 6313225"/>
-              <a:gd name="connsiteX2" fmla="*/ 6170914 w 6170914"/>
-              <a:gd name="connsiteY2" fmla="*/ 1438663 h 6313225"/>
-              <a:gd name="connsiteX3" fmla="*/ 6170914 w 6170914"/>
-              <a:gd name="connsiteY3" fmla="*/ 5356963 h 6313225"/>
-              <a:gd name="connsiteX4" fmla="*/ 6019731 w 6170914"/>
-              <a:gd name="connsiteY4" fmla="*/ 5559138 h 6313225"/>
-              <a:gd name="connsiteX5" fmla="*/ 5194591 w 6170914"/>
-              <a:gd name="connsiteY5" fmla="*/ 6282226 h 6313225"/>
-              <a:gd name="connsiteX6" fmla="*/ 5141791 w 6170914"/>
-              <a:gd name="connsiteY6" fmla="*/ 6313225 h 6313225"/>
-              <a:gd name="connsiteX7" fmla="*/ 1659199 w 6170914"/>
-              <a:gd name="connsiteY7" fmla="*/ 6313225 h 6313225"/>
-              <a:gd name="connsiteX8" fmla="*/ 1498064 w 6170914"/>
-              <a:gd name="connsiteY8" fmla="*/ 6215333 h 6313225"/>
-              <a:gd name="connsiteX9" fmla="*/ 0 w 6170914"/>
-              <a:gd name="connsiteY9" fmla="*/ 3397813 h 6313225"/>
-              <a:gd name="connsiteX10" fmla="*/ 3397813 w 6170914"/>
-              <a:gd name="connsiteY10" fmla="*/ 0 h 6313225"/>
-            </a:gdLst>
-            <a:ahLst/>
-            <a:cxnLst>
-              <a:cxn ang="0">
-                <a:pos x="connsiteX0" y="connsiteY0"/>
-              </a:cxn>
-              <a:cxn ang="0">
-                <a:pos x="connsiteX1" y="connsiteY1"/>
-              </a:cxn>
-              <a:cxn ang="0">
-                <a:pos x="connsiteX2" y="connsiteY2"/>
-              </a:cxn>
-              <a:cxn ang="0">
-                <a:pos x="connsiteX3" y="connsiteY3"/>
-              </a:cxn>
-              <a:cxn ang="0">
-                <a:pos x="connsiteX4" y="connsiteY4"/>
-              </a:cxn>
-              <a:cxn ang="0">
-                <a:pos x="connsiteX5" y="connsiteY5"/>
-              </a:cxn>
-              <a:cxn ang="0">
-                <a:pos x="connsiteX6" y="connsiteY6"/>
-              </a:cxn>
-              <a:cxn ang="0">
-                <a:pos x="connsiteX7" y="connsiteY7"/>
-              </a:cxn>
-              <a:cxn ang="0">
-                <a:pos x="connsiteX8" y="connsiteY8"/>
-              </a:cxn>
-              <a:cxn ang="0">
-                <a:pos x="connsiteX9" y="connsiteY9"/>
-              </a:cxn>
-              <a:cxn ang="0">
-                <a:pos x="connsiteX10" y="connsiteY10"/>
-              </a:cxn>
-            </a:cxnLst>
-            <a:rect l="l" t="t" r="r" b="b"/>
-            <a:pathLst>
-              <a:path w="6170914" h="6313225">
-                <a:moveTo>
-                  <a:pt x="3397813" y="0"/>
-                </a:moveTo>
-                <a:cubicBezTo>
-                  <a:pt x="4453378" y="0"/>
-                  <a:pt x="5396522" y="481334"/>
-                  <a:pt x="6019731" y="1236489"/>
-                </a:cubicBezTo>
-                <a:lnTo>
-                  <a:pt x="6170914" y="1438663"/>
-                </a:lnTo>
-                <a:lnTo>
-                  <a:pt x="6170914" y="5356963"/>
-                </a:lnTo>
-                <a:lnTo>
-                  <a:pt x="6019731" y="5559138"/>
-                </a:lnTo>
-                <a:cubicBezTo>
-                  <a:pt x="5786028" y="5842321"/>
-                  <a:pt x="5507333" y="6086998"/>
-                  <a:pt x="5194591" y="6282226"/>
-                </a:cubicBezTo>
-                <a:lnTo>
-                  <a:pt x="5141791" y="6313225"/>
-                </a:lnTo>
-                <a:lnTo>
-                  <a:pt x="1659199" y="6313225"/>
-                </a:lnTo>
-                <a:lnTo>
-                  <a:pt x="1498064" y="6215333"/>
-                </a:lnTo>
-                <a:cubicBezTo>
-                  <a:pt x="594240" y="5604721"/>
-                  <a:pt x="0" y="4570663"/>
-                  <a:pt x="0" y="3397813"/>
-                </a:cubicBezTo>
-                <a:cubicBezTo>
-                  <a:pt x="0" y="1521253"/>
-                  <a:pt x="1521253" y="0"/>
-                  <a:pt x="3397813" y="0"/>
-                </a:cubicBezTo>
-                <a:close/>
-              </a:path>
-            </a:pathLst>
-          </a:custGeom>
-          <a:solidFill>
-            <a:schemeClr val="bg1"/>
-          </a:solidFill>
-          <a:ln>
-            <a:noFill/>
-          </a:ln>
-        </p:spPr>
-        <p:style>
-          <a:lnRef idx="2">
-            <a:schemeClr val="accent1">
-              <a:shade val="50000"/>
-            </a:schemeClr>
-          </a:lnRef>
-          <a:fillRef idx="1">
-            <a:schemeClr val="accent1"/>
-          </a:fillRef>
-          <a:effectRef idx="0">
-            <a:schemeClr val="accent1"/>
-          </a:effectRef>
-          <a:fontRef idx="minor">
-            <a:schemeClr val="lt1"/>
-          </a:fontRef>
-        </p:style>
-        <p:txBody>
-          <a:bodyPr rtlCol="0" anchor="ctr"/>
-          <a:lstStyle/>
           <a:p>
-            <a:pPr marL="0" marR="0" lvl="0" indent="0" algn="ctr" defTabSz="914400" rtl="0" eaLnBrk="1" fontAlgn="auto" latinLnBrk="0" hangingPunct="1">
-              <a:lnSpc>
-                <a:spcPct val="100000"/>
-              </a:lnSpc>
-              <a:spcBef>
-                <a:spcPts val="0"/>
-              </a:spcBef>
-              <a:spcAft>
-                <a:spcPts val="0"/>
-              </a:spcAft>
-              <a:buClrTx/>
-              <a:buSzTx/>
-              <a:buFontTx/>
-              <a:buNone/>
-              <a:tabLst/>
-              <a:defRPr/>
-            </a:pPr>
-            <a:endParaRPr kumimoji="0" lang="en-US" sz="1800" b="0" i="0" u="none" strike="noStrike" kern="1200" cap="none" spc="0" normalizeH="0" baseline="0" noProof="0">
-              <a:ln>
-                <a:noFill/>
-              </a:ln>
-              <a:solidFill>
-                <a:prstClr val="white"/>
-              </a:solidFill>
-              <a:effectLst/>
-              <a:uLnTx/>
-              <a:uFillTx/>
-              <a:latin typeface="Calibri" panose="020F0502020204030204"/>
-              <a:ea typeface="+mn-ea"/>
-              <a:cs typeface="+mn-cs"/>
-            </a:endParaRPr>
+            <a:r>
+              <a:rPr lang="en-US" sz="2000" dirty="0">
+                <a:solidFill>
+                  <a:schemeClr val="bg1"/>
+                </a:solidFill>
+              </a:rPr>
+              <a:t>Shared taxonomy to light up cross industry use cases.</a:t>
+            </a:r>
+          </a:p>
+          <a:p>
+            <a:r>
+              <a:rPr lang="en-US" sz="2000" dirty="0">
+                <a:solidFill>
+                  <a:schemeClr val="bg1"/>
+                </a:solidFill>
+              </a:rPr>
+              <a:t>Enable YOUR industry to integrate with another by design.</a:t>
+            </a:r>
+          </a:p>
+          <a:p>
+            <a:pPr lvl="1"/>
+            <a:r>
+              <a:rPr lang="en-US" sz="2000" dirty="0">
+                <a:solidFill>
+                  <a:schemeClr val="bg1"/>
+                </a:solidFill>
+              </a:rPr>
+              <a:t>Document Token -&gt; Finance Token</a:t>
+            </a:r>
+          </a:p>
+          <a:p>
+            <a:pPr lvl="1"/>
+            <a:r>
+              <a:rPr lang="en-US" sz="2000" dirty="0">
+                <a:solidFill>
+                  <a:schemeClr val="bg1"/>
+                </a:solidFill>
+              </a:rPr>
+              <a:t>Insurance Token -&gt; Property Asset Token</a:t>
+            </a:r>
+          </a:p>
+          <a:p>
+            <a:pPr lvl="1"/>
+            <a:r>
+              <a:rPr lang="en-US" sz="2000" dirty="0">
+                <a:solidFill>
+                  <a:schemeClr val="bg1"/>
+                </a:solidFill>
+              </a:rPr>
+              <a:t>Etc.</a:t>
+            </a:r>
           </a:p>
         </p:txBody>
       </p:sp>
       <p:pic>
         <p:nvPicPr>
-          <p:cNvPr id="6" name="Graphic 5" descr="Users">
+          <p:cNvPr id="6" name="Picture 5">
             <a:extLst>
               <a:ext uri="{FF2B5EF4-FFF2-40B4-BE49-F238E27FC236}">
-                <a16:creationId xmlns:a16="http://schemas.microsoft.com/office/drawing/2014/main" id="{CD190DBB-E3E1-4403-B74E-FE451C08E23F}"/>
+                <a16:creationId xmlns:a16="http://schemas.microsoft.com/office/drawing/2014/main" id="{D28B15D4-7A34-E045-A055-5F79029CB5C9}"/>
               </a:ext>
             </a:extLst>
           </p:cNvPr>
@@ -17400,24 +17525,15 @@
           <p:nvPr/>
         </p:nvPicPr>
         <p:blipFill>
-          <a:blip r:embed="rId2">
-            <a:extLst>
-              <a:ext uri="{28A0092B-C50C-407E-A947-70E740481C1C}">
-                <a14:useLocalDpi xmlns:a14="http://schemas.microsoft.com/office/drawing/2010/main" val="0"/>
-              </a:ext>
-              <a:ext uri="{96DAC541-7B7A-43D3-8B79-37D633B846F1}">
-                <asvg:svgBlip xmlns:asvg="http://schemas.microsoft.com/office/drawing/2016/SVG/main" r:embed="rId3"/>
-              </a:ext>
-            </a:extLst>
-          </a:blip>
+          <a:blip r:embed="rId3"/>
           <a:stretch>
             <a:fillRect/>
           </a:stretch>
         </p:blipFill>
         <p:spPr>
           <a:xfrm>
-            <a:off x="7210424" y="1845770"/>
-            <a:ext cx="4333875" cy="4333875"/>
+            <a:off x="6002084" y="643467"/>
+            <a:ext cx="4842127" cy="5410199"/>
           </a:xfrm>
           <a:prstGeom prst="rect">
             <a:avLst/>
@@ -17426,10 +17542,10 @@
       </p:pic>
       <p:sp>
         <p:nvSpPr>
-          <p:cNvPr id="3" name="Footer Placeholder 2">
+          <p:cNvPr id="4" name="Footer Placeholder 3">
             <a:extLst>
               <a:ext uri="{FF2B5EF4-FFF2-40B4-BE49-F238E27FC236}">
-                <a16:creationId xmlns:a16="http://schemas.microsoft.com/office/drawing/2014/main" id="{9FE18EC6-34DC-E249-93F7-0849F3A884FE}"/>
+                <a16:creationId xmlns:a16="http://schemas.microsoft.com/office/drawing/2014/main" id="{B49777C5-8535-C349-B9DB-989B05D10931}"/>
               </a:ext>
             </a:extLst>
           </p:cNvPr>
@@ -17440,14 +17556,32 @@
             <p:ph type="ftr" sz="quarter" idx="11"/>
           </p:nvPr>
         </p:nvSpPr>
-        <p:spPr/>
+        <p:spPr>
+          <a:xfrm>
+            <a:off x="5297762" y="6356350"/>
+            <a:ext cx="4579768" cy="365125"/>
+          </a:xfrm>
+        </p:spPr>
         <p:txBody>
-          <a:bodyPr/>
+          <a:bodyPr>
+            <a:normAutofit/>
+          </a:bodyPr>
           <a:lstStyle/>
           <a:p>
+            <a:pPr algn="l">
+              <a:spcAft>
+                <a:spcPts val="600"/>
+              </a:spcAft>
+            </a:pPr>
             <a:r>
-              <a:rPr lang="en-US"/>
-              <a:t>©2019 Enterprise Ethereum Alliance Inc. (“EEA”).  All Rights Reserved. EEA Proprietary and Confidential. </a:t>
+              <a:rPr lang="en-US">
+                <a:solidFill>
+                  <a:schemeClr val="tx1">
+                    <a:alpha val="80000"/>
+                  </a:schemeClr>
+                </a:solidFill>
+              </a:rPr>
+              <a:t>©2019 Token Taxonomy Initiative  All Rights Reserved. </a:t>
             </a:r>
           </a:p>
         </p:txBody>
@@ -17455,7 +17589,7 @@
     </p:spTree>
     <p:extLst>
       <p:ext uri="{BB962C8B-B14F-4D97-AF65-F5344CB8AC3E}">
-        <p14:creationId xmlns:p14="http://schemas.microsoft.com/office/powerpoint/2010/main" val="400360874"/>
+        <p14:creationId xmlns:p14="http://schemas.microsoft.com/office/powerpoint/2010/main" val="962034502"/>
       </p:ext>
     </p:extLst>
   </p:cSld>
@@ -18026,7 +18160,7 @@
             <p:ph idx="1"/>
             <p:extLst>
               <p:ext uri="{D42A27DB-BD31-4B8C-83A1-F6EECF244321}">
-                <p14:modId xmlns:p14="http://schemas.microsoft.com/office/powerpoint/2010/main" val="674692425"/>
+                <p14:modId xmlns:p14="http://schemas.microsoft.com/office/powerpoint/2010/main" val="2535849495"/>
               </p:ext>
             </p:extLst>
           </p:nvPr>
@@ -18063,8 +18197,8 @@
           <a:lstStyle/>
           <a:p>
             <a:r>
-              <a:rPr lang="en-US"/>
-              <a:t>©2019 Enterprise Ethereum Alliance Inc. (“EEA”).  All Rights Reserved. EEA Proprietary and Confidential. </a:t>
+              <a:rPr lang="en-US" dirty="0"/>
+              <a:t>©2019 Token Taxonomy Initiative .  All Rights Reserved.  </a:t>
             </a:r>
           </a:p>
         </p:txBody>
@@ -18325,14 +18459,14 @@
           <p:nvPr/>
         </p:nvPicPr>
         <p:blipFill>
-          <a:blip r:embed="rId2"/>
+          <a:blip r:embed="rId3"/>
           <a:srcRect/>
           <a:stretch/>
         </p:blipFill>
         <p:spPr>
           <a:xfrm>
-            <a:off x="2726443" y="642121"/>
-            <a:ext cx="11513307" cy="4992611"/>
+            <a:off x="1313411" y="97474"/>
+            <a:ext cx="14208619" cy="6161402"/>
           </a:xfrm>
           <a:prstGeom prst="rect">
             <a:avLst/>
@@ -18361,8 +18495,8 @@
           <a:lstStyle/>
           <a:p>
             <a:r>
-              <a:rPr lang="en-US"/>
-              <a:t>©2019 Enterprise Ethereum Alliance Inc. (“EEA”).  All Rights Reserved. EEA Proprietary and Confidential. </a:t>
+              <a:rPr lang="en-US" dirty="0"/>
+              <a:t>©2019 Token Taxonomy Initiative .  All Rights Reserved.  </a:t>
             </a:r>
           </a:p>
         </p:txBody>
@@ -18371,6 +18505,151 @@
     <p:extLst>
       <p:ext uri="{BB962C8B-B14F-4D97-AF65-F5344CB8AC3E}">
         <p14:creationId xmlns:p14="http://schemas.microsoft.com/office/powerpoint/2010/main" val="3691503622"/>
+      </p:ext>
+    </p:extLst>
+  </p:cSld>
+  <p:clrMapOvr>
+    <a:masterClrMapping/>
+  </p:clrMapOvr>
+</p:sld>
+</file>
+
+<file path=ppt/slides/slide9.xml><?xml version="1.0" encoding="utf-8"?>
+<p:sld xmlns:a="http://schemas.openxmlformats.org/drawingml/2006/main" xmlns:r="http://schemas.openxmlformats.org/officeDocument/2006/relationships" xmlns:p="http://schemas.openxmlformats.org/presentationml/2006/main">
+  <p:cSld>
+    <p:spTree>
+      <p:nvGrpSpPr>
+        <p:cNvPr id="1" name=""/>
+        <p:cNvGrpSpPr/>
+        <p:nvPr/>
+      </p:nvGrpSpPr>
+      <p:grpSpPr>
+        <a:xfrm>
+          <a:off x="0" y="0"/>
+          <a:ext cx="0" cy="0"/>
+          <a:chOff x="0" y="0"/>
+          <a:chExt cx="0" cy="0"/>
+        </a:xfrm>
+      </p:grpSpPr>
+      <p:sp>
+        <p:nvSpPr>
+          <p:cNvPr id="2" name="Title 1">
+            <a:extLst>
+              <a:ext uri="{FF2B5EF4-FFF2-40B4-BE49-F238E27FC236}">
+                <a16:creationId xmlns:a16="http://schemas.microsoft.com/office/drawing/2014/main" id="{014AE95D-C4A9-164F-81E2-F15D8CCB64D7}"/>
+              </a:ext>
+            </a:extLst>
+          </p:cNvPr>
+          <p:cNvSpPr>
+            <a:spLocks noGrp="1"/>
+          </p:cNvSpPr>
+          <p:nvPr>
+            <p:ph type="title"/>
+          </p:nvPr>
+        </p:nvSpPr>
+        <p:spPr/>
+        <p:txBody>
+          <a:bodyPr/>
+          <a:lstStyle/>
+          <a:p>
+            <a:r>
+              <a:rPr lang="en-US" dirty="0"/>
+              <a:t>Questions</a:t>
+            </a:r>
+          </a:p>
+        </p:txBody>
+      </p:sp>
+      <p:sp>
+        <p:nvSpPr>
+          <p:cNvPr id="3" name="Content Placeholder 2">
+            <a:extLst>
+              <a:ext uri="{FF2B5EF4-FFF2-40B4-BE49-F238E27FC236}">
+                <a16:creationId xmlns:a16="http://schemas.microsoft.com/office/drawing/2014/main" id="{B13DE453-CA56-4440-989E-C52B9ED4FB8B}"/>
+              </a:ext>
+            </a:extLst>
+          </p:cNvPr>
+          <p:cNvSpPr>
+            <a:spLocks noGrp="1"/>
+          </p:cNvSpPr>
+          <p:nvPr>
+            <p:ph idx="1"/>
+          </p:nvPr>
+        </p:nvSpPr>
+        <p:spPr/>
+        <p:txBody>
+          <a:bodyPr/>
+          <a:lstStyle/>
+          <a:p>
+            <a:pPr marL="0" indent="0">
+              <a:buNone/>
+            </a:pPr>
+            <a:r>
+              <a:rPr lang="en-US" dirty="0">
+                <a:hlinkClick r:id="rId2"/>
+              </a:rPr>
+              <a:t>http://tokentaxonomy.org</a:t>
+            </a:r>
+            <a:endParaRPr lang="en-US" dirty="0"/>
+          </a:p>
+          <a:p>
+            <a:pPr marL="0" indent="0">
+              <a:buNone/>
+            </a:pPr>
+            <a:endParaRPr lang="en-US" dirty="0"/>
+          </a:p>
+          <a:p>
+            <a:pPr marL="0" indent="0">
+              <a:buNone/>
+            </a:pPr>
+            <a:r>
+              <a:rPr lang="en-US" dirty="0">
+                <a:hlinkClick r:id="rId3"/>
+              </a:rPr>
+              <a:t>http://medium.com/tokenhall</a:t>
+            </a:r>
+            <a:endParaRPr lang="en-US" dirty="0"/>
+          </a:p>
+          <a:p>
+            <a:pPr marL="0" indent="0">
+              <a:buNone/>
+            </a:pPr>
+            <a:endParaRPr lang="en-US" dirty="0"/>
+          </a:p>
+        </p:txBody>
+      </p:sp>
+      <p:sp>
+        <p:nvSpPr>
+          <p:cNvPr id="4" name="Footer Placeholder 3">
+            <a:extLst>
+              <a:ext uri="{FF2B5EF4-FFF2-40B4-BE49-F238E27FC236}">
+                <a16:creationId xmlns:a16="http://schemas.microsoft.com/office/drawing/2014/main" id="{E98158AF-BF6E-7745-9174-2F3E59558F64}"/>
+              </a:ext>
+            </a:extLst>
+          </p:cNvPr>
+          <p:cNvSpPr>
+            <a:spLocks noGrp="1"/>
+          </p:cNvSpPr>
+          <p:nvPr>
+            <p:ph type="ftr" sz="quarter" idx="11"/>
+          </p:nvPr>
+        </p:nvSpPr>
+        <p:spPr/>
+        <p:txBody>
+          <a:bodyPr/>
+          <a:lstStyle/>
+          <a:p>
+            <a:r>
+              <a:rPr lang="en-US"/>
+              <a:t>©2019 Token Taxonomy Initiative  All Rights Reserved. </a:t>
+            </a:r>
+            <a:endParaRPr lang="en-US" dirty="0"/>
+          </a:p>
+        </p:txBody>
+      </p:sp>
+    </p:spTree>
+    <p:extLst>
+      <p:ext uri="{BB962C8B-B14F-4D97-AF65-F5344CB8AC3E}">
+        <p14:creationId xmlns:p14="http://schemas.microsoft.com/office/powerpoint/2010/main" val="3183809295"/>
       </p:ext>
     </p:extLst>
   </p:cSld>
@@ -18971,21 +19250,6 @@
 </file>
 
 <file path=customXml/item1.xml><?xml version="1.0" encoding="utf-8"?>
-<?mso-contentType ?>
-<FormTemplates xmlns="http://schemas.microsoft.com/sharepoint/v3/contenttype/forms">
-  <Display>DocumentLibraryForm</Display>
-  <Edit>DocumentLibraryForm</Edit>
-  <New>DocumentLibraryForm</New>
-</FormTemplates>
-</file>
-
-<file path=customXml/item2.xml><?xml version="1.0" encoding="utf-8"?>
-<p:properties xmlns:p="http://schemas.microsoft.com/office/2006/metadata/properties" xmlns:xsi="http://www.w3.org/2001/XMLSchema-instance" xmlns:pc="http://schemas.microsoft.com/office/infopath/2007/PartnerControls">
-  <documentManagement/>
-</p:properties>
-</file>
-
-<file path=customXml/item3.xml><?xml version="1.0" encoding="utf-8"?>
 <ct:contentTypeSchema xmlns:ct="http://schemas.microsoft.com/office/2006/metadata/contentType" xmlns:ma="http://schemas.microsoft.com/office/2006/metadata/properties/metaAttributes" ct:_="" ma:_="" ma:contentTypeName="Document" ma:contentTypeID="0x0101000D5D5817AAF6FF468E5842F2EA41A402" ma:contentTypeVersion="5" ma:contentTypeDescription="Create a new document." ma:contentTypeScope="" ma:versionID="b6717c27019841191da670e59e5b2108">
   <xsd:schema xmlns:xsd="http://www.w3.org/2001/XMLSchema" xmlns:xs="http://www.w3.org/2001/XMLSchema" xmlns:p="http://schemas.microsoft.com/office/2006/metadata/properties" xmlns:ns2="d0b048db-77dc-4b3e-bbad-b83c857b8f52" targetNamespace="http://schemas.microsoft.com/office/2006/metadata/properties" ma:root="true" ma:fieldsID="8024692aff57b51e72d1c6749c4af71d" ns2:_="">
     <xsd:import namespace="d0b048db-77dc-4b3e-bbad-b83c857b8f52"/>
@@ -19137,10 +19401,35 @@
 </ct:contentTypeSchema>
 </file>
 
+<file path=customXml/item2.xml><?xml version="1.0" encoding="utf-8"?>
+<p:properties xmlns:p="http://schemas.microsoft.com/office/2006/metadata/properties" xmlns:xsi="http://www.w3.org/2001/XMLSchema-instance" xmlns:pc="http://schemas.microsoft.com/office/infopath/2007/PartnerControls">
+  <documentManagement/>
+</p:properties>
+</file>
+
+<file path=customXml/item3.xml><?xml version="1.0" encoding="utf-8"?>
+<?mso-contentType ?>
+<FormTemplates xmlns="http://schemas.microsoft.com/sharepoint/v3/contenttype/forms">
+  <Display>DocumentLibraryForm</Display>
+  <Edit>DocumentLibraryForm</Edit>
+  <New>DocumentLibraryForm</New>
+</FormTemplates>
+</file>
+
 <file path=customXml/itemProps1.xml><?xml version="1.0" encoding="utf-8"?>
-<ds:datastoreItem xmlns:ds="http://schemas.openxmlformats.org/officeDocument/2006/customXml" ds:itemID="{8300740F-8DFB-471C-9B1F-015DD41307B1}">
+<ds:datastoreItem xmlns:ds="http://schemas.openxmlformats.org/officeDocument/2006/customXml" ds:itemID="{960CB16A-B668-4E1F-9711-68887A92012A}">
   <ds:schemaRefs>
-    <ds:schemaRef ds:uri="http://schemas.microsoft.com/sharepoint/v3/contenttype/forms"/>
+    <ds:schemaRef ds:uri="http://schemas.microsoft.com/office/2006/metadata/contentType"/>
+    <ds:schemaRef ds:uri="http://schemas.microsoft.com/office/2006/metadata/properties/metaAttributes"/>
+    <ds:schemaRef ds:uri="http://www.w3.org/2001/XMLSchema"/>
+    <ds:schemaRef ds:uri="http://schemas.microsoft.com/office/2006/metadata/properties"/>
+    <ds:schemaRef ds:uri="d0b048db-77dc-4b3e-bbad-b83c857b8f52"/>
+    <ds:schemaRef ds:uri="http://schemas.microsoft.com/office/2006/documentManagement/types"/>
+    <ds:schemaRef ds:uri="http://schemas.microsoft.com/office/infopath/2007/PartnerControls"/>
+    <ds:schemaRef ds:uri="http://schemas.openxmlformats.org/package/2006/metadata/core-properties"/>
+    <ds:schemaRef ds:uri="http://purl.org/dc/elements/1.1/"/>
+    <ds:schemaRef ds:uri="http://purl.org/dc/terms/"/>
+    <ds:schemaRef ds:uri="http://schemas.microsoft.com/internal/obd"/>
   </ds:schemaRefs>
 </ds:datastoreItem>
 </file>
@@ -19162,19 +19451,9 @@
 </file>
 
 <file path=customXml/itemProps3.xml><?xml version="1.0" encoding="utf-8"?>
-<ds:datastoreItem xmlns:ds="http://schemas.openxmlformats.org/officeDocument/2006/customXml" ds:itemID="{960CB16A-B668-4E1F-9711-68887A92012A}">
+<ds:datastoreItem xmlns:ds="http://schemas.openxmlformats.org/officeDocument/2006/customXml" ds:itemID="{8300740F-8DFB-471C-9B1F-015DD41307B1}">
   <ds:schemaRefs>
-    <ds:schemaRef ds:uri="http://schemas.microsoft.com/office/2006/metadata/contentType"/>
-    <ds:schemaRef ds:uri="http://schemas.microsoft.com/office/2006/metadata/properties/metaAttributes"/>
-    <ds:schemaRef ds:uri="http://www.w3.org/2001/XMLSchema"/>
-    <ds:schemaRef ds:uri="http://schemas.microsoft.com/office/2006/metadata/properties"/>
-    <ds:schemaRef ds:uri="d0b048db-77dc-4b3e-bbad-b83c857b8f52"/>
-    <ds:schemaRef ds:uri="http://schemas.microsoft.com/office/2006/documentManagement/types"/>
-    <ds:schemaRef ds:uri="http://schemas.microsoft.com/office/infopath/2007/PartnerControls"/>
-    <ds:schemaRef ds:uri="http://schemas.openxmlformats.org/package/2006/metadata/core-properties"/>
-    <ds:schemaRef ds:uri="http://purl.org/dc/elements/1.1/"/>
-    <ds:schemaRef ds:uri="http://purl.org/dc/terms/"/>
-    <ds:schemaRef ds:uri="http://schemas.microsoft.com/internal/obd"/>
+    <ds:schemaRef ds:uri="http://schemas.microsoft.com/sharepoint/v3/contenttype/forms"/>
   </ds:schemaRefs>
 </ds:datastoreItem>
 </file>
--- a/presentations/TTF-Short.pptx
+++ b/presentations/TTF-Short.pptx
@@ -1004,42 +1004,54 @@
 </file>
 
 <file path=ppt/diagrams/colors2.xml><?xml version="1.0" encoding="utf-8"?>
-<dgm:colorsDef xmlns:dgm="http://schemas.openxmlformats.org/drawingml/2006/diagram" xmlns:a="http://schemas.openxmlformats.org/drawingml/2006/main" uniqueId="urn:microsoft.com/office/officeart/2005/8/colors/accent0_3">
+<dgm:colorsDef xmlns:dgm="http://schemas.openxmlformats.org/drawingml/2006/diagram" xmlns:a="http://schemas.openxmlformats.org/drawingml/2006/main" uniqueId="urn:microsoft.com/office/officeart/2005/8/colors/colorful1">
   <dgm:title val=""/>
   <dgm:desc val=""/>
   <dgm:catLst>
-    <dgm:cat type="mainScheme" pri="10300"/>
+    <dgm:cat type="colorful" pri="10100"/>
   </dgm:catLst>
   <dgm:styleLbl name="node0">
     <dgm:fillClrLst meth="repeat">
-      <a:schemeClr val="dk2"/>
+      <a:schemeClr val="accent1"/>
     </dgm:fillClrLst>
     <dgm:linClrLst meth="repeat">
-      <a:schemeClr val="lt2"/>
+      <a:schemeClr val="lt1"/>
     </dgm:linClrLst>
     <dgm:effectClrLst/>
     <dgm:txLinClrLst/>
     <dgm:txFillClrLst/>
     <dgm:txEffectClrLst/>
   </dgm:styleLbl>
-  <dgm:styleLbl name="alignNode1">
+  <dgm:styleLbl name="node1">
     <dgm:fillClrLst meth="repeat">
-      <a:schemeClr val="dk2"/>
+      <a:schemeClr val="accent2"/>
+      <a:schemeClr val="accent3"/>
+      <a:schemeClr val="accent4"/>
+      <a:schemeClr val="accent5"/>
+      <a:schemeClr val="accent6"/>
     </dgm:fillClrLst>
     <dgm:linClrLst meth="repeat">
-      <a:schemeClr val="dk2"/>
+      <a:schemeClr val="lt1"/>
     </dgm:linClrLst>
     <dgm:effectClrLst/>
     <dgm:txLinClrLst/>
     <dgm:txFillClrLst/>
     <dgm:txEffectClrLst/>
   </dgm:styleLbl>
-  <dgm:styleLbl name="node1">
+  <dgm:styleLbl name="alignNode1">
     <dgm:fillClrLst meth="repeat">
-      <a:schemeClr val="dk2"/>
+      <a:schemeClr val="accent2"/>
+      <a:schemeClr val="accent3"/>
+      <a:schemeClr val="accent4"/>
+      <a:schemeClr val="accent5"/>
+      <a:schemeClr val="accent6"/>
     </dgm:fillClrLst>
     <dgm:linClrLst meth="repeat">
-      <a:schemeClr val="lt2"/>
+      <a:schemeClr val="accent2"/>
+      <a:schemeClr val="accent3"/>
+      <a:schemeClr val="accent4"/>
+      <a:schemeClr val="accent5"/>
+      <a:schemeClr val="accent6"/>
     </dgm:linClrLst>
     <dgm:effectClrLst/>
     <dgm:txLinClrLst/>
@@ -1048,10 +1060,14 @@
   </dgm:styleLbl>
   <dgm:styleLbl name="lnNode1">
     <dgm:fillClrLst meth="repeat">
-      <a:schemeClr val="dk2"/>
+      <a:schemeClr val="accent2"/>
+      <a:schemeClr val="accent3"/>
+      <a:schemeClr val="accent4"/>
+      <a:schemeClr val="accent5"/>
+      <a:schemeClr val="accent6"/>
     </dgm:fillClrLst>
     <dgm:linClrLst meth="repeat">
-      <a:schemeClr val="lt2"/>
+      <a:schemeClr val="lt1"/>
     </dgm:linClrLst>
     <dgm:effectClrLst/>
     <dgm:txLinClrLst/>
@@ -1060,12 +1076,24 @@
   </dgm:styleLbl>
   <dgm:styleLbl name="vennNode1">
     <dgm:fillClrLst meth="repeat">
-      <a:schemeClr val="dk2">
+      <a:schemeClr val="accent2">
+        <a:alpha val="50000"/>
+      </a:schemeClr>
+      <a:schemeClr val="accent3">
+        <a:alpha val="50000"/>
+      </a:schemeClr>
+      <a:schemeClr val="accent4">
+        <a:alpha val="50000"/>
+      </a:schemeClr>
+      <a:schemeClr val="accent5">
+        <a:alpha val="50000"/>
+      </a:schemeClr>
+      <a:schemeClr val="accent6">
         <a:alpha val="50000"/>
       </a:schemeClr>
     </dgm:fillClrLst>
     <dgm:linClrLst meth="repeat">
-      <a:schemeClr val="lt2"/>
+      <a:schemeClr val="lt1"/>
     </dgm:linClrLst>
     <dgm:effectClrLst/>
     <dgm:txLinClrLst/>
@@ -1073,11 +1101,11 @@
     <dgm:txEffectClrLst/>
   </dgm:styleLbl>
   <dgm:styleLbl name="node2">
-    <dgm:fillClrLst meth="repeat">
-      <a:schemeClr val="dk2"/>
+    <dgm:fillClrLst>
+      <a:schemeClr val="accent2"/>
     </dgm:fillClrLst>
     <dgm:linClrLst meth="repeat">
-      <a:schemeClr val="lt2"/>
+      <a:schemeClr val="lt1"/>
     </dgm:linClrLst>
     <dgm:effectClrLst/>
     <dgm:txLinClrLst/>
@@ -1085,11 +1113,11 @@
     <dgm:txEffectClrLst/>
   </dgm:styleLbl>
   <dgm:styleLbl name="node3">
-    <dgm:fillClrLst meth="repeat">
-      <a:schemeClr val="dk2"/>
+    <dgm:fillClrLst>
+      <a:schemeClr val="accent3"/>
     </dgm:fillClrLst>
     <dgm:linClrLst meth="repeat">
-      <a:schemeClr val="lt2"/>
+      <a:schemeClr val="lt1"/>
     </dgm:linClrLst>
     <dgm:effectClrLst/>
     <dgm:txLinClrLst/>
@@ -1097,11 +1125,11 @@
     <dgm:txEffectClrLst/>
   </dgm:styleLbl>
   <dgm:styleLbl name="node4">
-    <dgm:fillClrLst meth="repeat">
-      <a:schemeClr val="dk2"/>
+    <dgm:fillClrLst>
+      <a:schemeClr val="accent4"/>
     </dgm:fillClrLst>
     <dgm:linClrLst meth="repeat">
-      <a:schemeClr val="lt2"/>
+      <a:schemeClr val="lt1"/>
     </dgm:linClrLst>
     <dgm:effectClrLst/>
     <dgm:txLinClrLst/>
@@ -1110,66 +1138,80 @@
   </dgm:styleLbl>
   <dgm:styleLbl name="fgImgPlace1">
     <dgm:fillClrLst meth="repeat">
-      <a:schemeClr val="dk2">
+      <a:schemeClr val="accent2">
+        <a:tint val="50000"/>
+      </a:schemeClr>
+      <a:schemeClr val="accent3">
+        <a:tint val="50000"/>
+      </a:schemeClr>
+      <a:schemeClr val="accent4">
+        <a:tint val="50000"/>
+      </a:schemeClr>
+      <a:schemeClr val="accent5">
+        <a:tint val="50000"/>
+      </a:schemeClr>
+      <a:schemeClr val="accent6">
         <a:tint val="50000"/>
       </a:schemeClr>
     </dgm:fillClrLst>
     <dgm:linClrLst meth="repeat">
-      <a:schemeClr val="lt2"/>
+      <a:schemeClr val="lt1"/>
     </dgm:linClrLst>
     <dgm:effectClrLst/>
     <dgm:txLinClrLst/>
     <dgm:txFillClrLst meth="repeat">
-      <a:schemeClr val="lt2"/>
+      <a:schemeClr val="lt1"/>
     </dgm:txFillClrLst>
     <dgm:txEffectClrLst/>
   </dgm:styleLbl>
   <dgm:styleLbl name="alignImgPlace1">
-    <dgm:fillClrLst meth="repeat">
-      <a:schemeClr val="dk2">
+    <dgm:fillClrLst>
+      <a:schemeClr val="accent1">
         <a:tint val="50000"/>
+      </a:schemeClr>
+      <a:schemeClr val="accent2">
+        <a:tint val="20000"/>
       </a:schemeClr>
     </dgm:fillClrLst>
     <dgm:linClrLst meth="repeat">
-      <a:schemeClr val="dk2">
-        <a:shade val="80000"/>
-      </a:schemeClr>
+      <a:schemeClr val="lt1"/>
     </dgm:linClrLst>
     <dgm:effectClrLst/>
     <dgm:txLinClrLst/>
     <dgm:txFillClrLst meth="repeat">
-      <a:schemeClr val="lt2"/>
+      <a:schemeClr val="lt1"/>
     </dgm:txFillClrLst>
     <dgm:txEffectClrLst/>
   </dgm:styleLbl>
   <dgm:styleLbl name="bgImgPlace1">
-    <dgm:fillClrLst meth="repeat">
-      <a:schemeClr val="dk2">
+    <dgm:fillClrLst>
+      <a:schemeClr val="accent1">
         <a:tint val="50000"/>
+      </a:schemeClr>
+      <a:schemeClr val="accent2">
+        <a:tint val="20000"/>
       </a:schemeClr>
     </dgm:fillClrLst>
     <dgm:linClrLst meth="repeat">
-      <a:schemeClr val="dk2">
-        <a:shade val="80000"/>
-      </a:schemeClr>
+      <a:schemeClr val="lt1"/>
     </dgm:linClrLst>
     <dgm:effectClrLst/>
     <dgm:txLinClrLst/>
     <dgm:txFillClrLst meth="repeat">
-      <a:schemeClr val="lt2"/>
+      <a:schemeClr val="lt1"/>
     </dgm:txFillClrLst>
     <dgm:txEffectClrLst/>
   </dgm:styleLbl>
   <dgm:styleLbl name="sibTrans2D1">
     <dgm:fillClrLst meth="repeat">
-      <a:schemeClr val="dk2">
-        <a:tint val="60000"/>
-      </a:schemeClr>
+      <a:schemeClr val="accent2"/>
+      <a:schemeClr val="accent3"/>
+      <a:schemeClr val="accent4"/>
+      <a:schemeClr val="accent5"/>
+      <a:schemeClr val="accent6"/>
     </dgm:fillClrLst>
-    <dgm:linClrLst meth="repeat">
-      <a:schemeClr val="dk2">
-        <a:tint val="60000"/>
-      </a:schemeClr>
+    <dgm:linClrLst meth="cycle">
+      <a:schemeClr val="lt1"/>
     </dgm:linClrLst>
     <dgm:effectClrLst/>
     <dgm:txLinClrLst/>
@@ -1178,194 +1220,54 @@
   </dgm:styleLbl>
   <dgm:styleLbl name="fgSibTrans2D1">
     <dgm:fillClrLst meth="repeat">
-      <a:schemeClr val="dk2">
-        <a:tint val="60000"/>
-      </a:schemeClr>
+      <a:schemeClr val="accent2"/>
+      <a:schemeClr val="accent3"/>
+      <a:schemeClr val="accent4"/>
+      <a:schemeClr val="accent5"/>
+      <a:schemeClr val="accent6"/>
     </dgm:fillClrLst>
-    <dgm:linClrLst meth="repeat">
-      <a:schemeClr val="dk2">
-        <a:tint val="60000"/>
-      </a:schemeClr>
-    </dgm:linClrLst>
-    <dgm:effectClrLst/>
-    <dgm:txLinClrLst/>
-    <dgm:txFillClrLst/>
-    <dgm:txEffectClrLst/>
-  </dgm:styleLbl>
-  <dgm:styleLbl name="bgSibTrans2D1">
-    <dgm:fillClrLst meth="repeat">
-      <a:schemeClr val="dk2">
-        <a:tint val="60000"/>
-      </a:schemeClr>
-    </dgm:fillClrLst>
-    <dgm:linClrLst meth="repeat">
-      <a:schemeClr val="dk2">
-        <a:tint val="60000"/>
-      </a:schemeClr>
-    </dgm:linClrLst>
-    <dgm:effectClrLst/>
-    <dgm:txLinClrLst/>
-    <dgm:txFillClrLst/>
-    <dgm:txEffectClrLst/>
-  </dgm:styleLbl>
-  <dgm:styleLbl name="sibTrans1D1">
-    <dgm:fillClrLst meth="repeat">
-      <a:schemeClr val="dk2"/>
-    </dgm:fillClrLst>
-    <dgm:linClrLst meth="repeat">
-      <a:schemeClr val="dk2"/>
+    <dgm:linClrLst meth="cycle">
+      <a:schemeClr val="lt1"/>
     </dgm:linClrLst>
     <dgm:effectClrLst/>
     <dgm:txLinClrLst/>
     <dgm:txFillClrLst meth="repeat">
-      <a:schemeClr val="lt2"/>
+      <a:schemeClr val="lt1"/>
     </dgm:txFillClrLst>
     <dgm:txEffectClrLst/>
   </dgm:styleLbl>
-  <dgm:styleLbl name="callout">
+  <dgm:styleLbl name="bgSibTrans2D1">
     <dgm:fillClrLst meth="repeat">
-      <a:schemeClr val="dk2"/>
+      <a:schemeClr val="accent2"/>
+      <a:schemeClr val="accent3"/>
+      <a:schemeClr val="accent4"/>
+      <a:schemeClr val="accent5"/>
+      <a:schemeClr val="accent6"/>
     </dgm:fillClrLst>
-    <dgm:linClrLst meth="repeat">
-      <a:schemeClr val="dk2">
-        <a:tint val="50000"/>
-      </a:schemeClr>
+    <dgm:linClrLst meth="cycle">
+      <a:schemeClr val="lt1"/>
     </dgm:linClrLst>
     <dgm:effectClrLst/>
     <dgm:txLinClrLst/>
     <dgm:txFillClrLst meth="repeat">
-      <a:schemeClr val="lt2"/>
+      <a:schemeClr val="lt1"/>
     </dgm:txFillClrLst>
     <dgm:txEffectClrLst/>
   </dgm:styleLbl>
-  <dgm:styleLbl name="asst0">
+  <dgm:styleLbl name="sibTrans1D1">
     <dgm:fillClrLst meth="repeat">
-      <a:schemeClr val="dk2"/>
+      <a:schemeClr val="accent2"/>
+      <a:schemeClr val="accent3"/>
+      <a:schemeClr val="accent4"/>
+      <a:schemeClr val="accent5"/>
+      <a:schemeClr val="accent6"/>
     </dgm:fillClrLst>
     <dgm:linClrLst meth="repeat">
-      <a:schemeClr val="lt2"/>
-    </dgm:linClrLst>
-    <dgm:effectClrLst/>
-    <dgm:txLinClrLst/>
-    <dgm:txFillClrLst/>
-    <dgm:txEffectClrLst/>
-  </dgm:styleLbl>
-  <dgm:styleLbl name="asst1">
-    <dgm:fillClrLst meth="repeat">
-      <a:schemeClr val="dk2"/>
-    </dgm:fillClrLst>
-    <dgm:linClrLst meth="repeat">
-      <a:schemeClr val="lt2"/>
-    </dgm:linClrLst>
-    <dgm:effectClrLst/>
-    <dgm:txLinClrLst/>
-    <dgm:txFillClrLst/>
-    <dgm:txEffectClrLst/>
-  </dgm:styleLbl>
-  <dgm:styleLbl name="asst2">
-    <dgm:fillClrLst meth="repeat">
-      <a:schemeClr val="dk2"/>
-    </dgm:fillClrLst>
-    <dgm:linClrLst meth="repeat">
-      <a:schemeClr val="lt2"/>
-    </dgm:linClrLst>
-    <dgm:effectClrLst/>
-    <dgm:txLinClrLst/>
-    <dgm:txFillClrLst/>
-    <dgm:txEffectClrLst/>
-  </dgm:styleLbl>
-  <dgm:styleLbl name="asst3">
-    <dgm:fillClrLst meth="repeat">
-      <a:schemeClr val="dk2"/>
-    </dgm:fillClrLst>
-    <dgm:linClrLst meth="repeat">
-      <a:schemeClr val="lt2"/>
-    </dgm:linClrLst>
-    <dgm:effectClrLst/>
-    <dgm:txLinClrLst/>
-    <dgm:txFillClrLst/>
-    <dgm:txEffectClrLst/>
-  </dgm:styleLbl>
-  <dgm:styleLbl name="asst4">
-    <dgm:fillClrLst meth="repeat">
-      <a:schemeClr val="dk2"/>
-    </dgm:fillClrLst>
-    <dgm:linClrLst meth="repeat">
-      <a:schemeClr val="lt2"/>
-    </dgm:linClrLst>
-    <dgm:effectClrLst/>
-    <dgm:txLinClrLst/>
-    <dgm:txFillClrLst/>
-    <dgm:txEffectClrLst/>
-  </dgm:styleLbl>
-  <dgm:styleLbl name="parChTrans2D1">
-    <dgm:fillClrLst meth="repeat">
-      <a:schemeClr val="dk2">
-        <a:tint val="60000"/>
-      </a:schemeClr>
-    </dgm:fillClrLst>
-    <dgm:linClrLst meth="repeat">
-      <a:schemeClr val="dk2">
-        <a:tint val="60000"/>
-      </a:schemeClr>
-    </dgm:linClrLst>
-    <dgm:effectClrLst/>
-    <dgm:txLinClrLst/>
-    <dgm:txFillClrLst meth="repeat">
-      <a:schemeClr val="lt2"/>
-    </dgm:txFillClrLst>
-    <dgm:txEffectClrLst/>
-  </dgm:styleLbl>
-  <dgm:styleLbl name="parChTrans2D2">
-    <dgm:fillClrLst meth="repeat">
-      <a:schemeClr val="dk2"/>
-    </dgm:fillClrLst>
-    <dgm:linClrLst meth="repeat">
-      <a:schemeClr val="dk2"/>
-    </dgm:linClrLst>
-    <dgm:effectClrLst/>
-    <dgm:txLinClrLst/>
-    <dgm:txFillClrLst meth="repeat">
-      <a:schemeClr val="lt2"/>
-    </dgm:txFillClrLst>
-    <dgm:txEffectClrLst/>
-  </dgm:styleLbl>
-  <dgm:styleLbl name="parChTrans2D3">
-    <dgm:fillClrLst meth="repeat">
-      <a:schemeClr val="dk2"/>
-    </dgm:fillClrLst>
-    <dgm:linClrLst meth="repeat">
-      <a:schemeClr val="dk2"/>
-    </dgm:linClrLst>
-    <dgm:effectClrLst/>
-    <dgm:txLinClrLst/>
-    <dgm:txFillClrLst meth="repeat">
-      <a:schemeClr val="lt2"/>
-    </dgm:txFillClrLst>
-    <dgm:txEffectClrLst/>
-  </dgm:styleLbl>
-  <dgm:styleLbl name="parChTrans2D4">
-    <dgm:fillClrLst meth="repeat">
-      <a:schemeClr val="dk2"/>
-    </dgm:fillClrLst>
-    <dgm:linClrLst meth="repeat">
-      <a:schemeClr val="dk2"/>
-    </dgm:linClrLst>
-    <dgm:effectClrLst/>
-    <dgm:txLinClrLst/>
-    <dgm:txFillClrLst meth="repeat">
-      <a:schemeClr val="lt2"/>
-    </dgm:txFillClrLst>
-    <dgm:txEffectClrLst/>
-  </dgm:styleLbl>
-  <dgm:styleLbl name="parChTrans1D1">
-    <dgm:fillClrLst meth="repeat">
-      <a:schemeClr val="dk2"/>
-    </dgm:fillClrLst>
-    <dgm:linClrLst meth="repeat">
-      <a:schemeClr val="dk2">
-        <a:shade val="60000"/>
-      </a:schemeClr>
+      <a:schemeClr val="accent2"/>
+      <a:schemeClr val="accent3"/>
+      <a:schemeClr val="accent4"/>
+      <a:schemeClr val="accent5"/>
+      <a:schemeClr val="accent6"/>
     </dgm:linClrLst>
     <dgm:effectClrLst/>
     <dgm:txLinClrLst/>
@@ -1374,13 +1276,13 @@
     </dgm:txFillClrLst>
     <dgm:txEffectClrLst/>
   </dgm:styleLbl>
-  <dgm:styleLbl name="parChTrans1D2">
+  <dgm:styleLbl name="callout">
     <dgm:fillClrLst meth="repeat">
-      <a:schemeClr val="dk2"/>
+      <a:schemeClr val="accent2"/>
     </dgm:fillClrLst>
     <dgm:linClrLst meth="repeat">
-      <a:schemeClr val="dk2">
-        <a:shade val="60000"/>
+      <a:schemeClr val="accent2">
+        <a:tint val="50000"/>
       </a:schemeClr>
     </dgm:linClrLst>
     <dgm:effectClrLst/>
@@ -1390,14 +1292,124 @@
     </dgm:txFillClrLst>
     <dgm:txEffectClrLst/>
   </dgm:styleLbl>
-  <dgm:styleLbl name="parChTrans1D3">
+  <dgm:styleLbl name="asst0">
     <dgm:fillClrLst meth="repeat">
-      <a:schemeClr val="dk2"/>
+      <a:schemeClr val="accent1"/>
     </dgm:fillClrLst>
     <dgm:linClrLst meth="repeat">
-      <a:schemeClr val="dk2">
-        <a:shade val="80000"/>
-      </a:schemeClr>
+      <a:schemeClr val="lt1"/>
+    </dgm:linClrLst>
+    <dgm:effectClrLst/>
+    <dgm:txLinClrLst/>
+    <dgm:txFillClrLst/>
+    <dgm:txEffectClrLst/>
+  </dgm:styleLbl>
+  <dgm:styleLbl name="asst1">
+    <dgm:fillClrLst meth="repeat">
+      <a:schemeClr val="accent2"/>
+    </dgm:fillClrLst>
+    <dgm:linClrLst meth="repeat">
+      <a:schemeClr val="lt1"/>
+    </dgm:linClrLst>
+    <dgm:effectClrLst/>
+    <dgm:txLinClrLst/>
+    <dgm:txFillClrLst/>
+    <dgm:txEffectClrLst/>
+  </dgm:styleLbl>
+  <dgm:styleLbl name="asst2">
+    <dgm:fillClrLst>
+      <a:schemeClr val="accent3"/>
+    </dgm:fillClrLst>
+    <dgm:linClrLst meth="repeat">
+      <a:schemeClr val="lt1"/>
+    </dgm:linClrLst>
+    <dgm:effectClrLst/>
+    <dgm:txLinClrLst/>
+    <dgm:txFillClrLst/>
+    <dgm:txEffectClrLst/>
+  </dgm:styleLbl>
+  <dgm:styleLbl name="asst3">
+    <dgm:fillClrLst>
+      <a:schemeClr val="accent4"/>
+    </dgm:fillClrLst>
+    <dgm:linClrLst meth="repeat">
+      <a:schemeClr val="lt1"/>
+    </dgm:linClrLst>
+    <dgm:effectClrLst/>
+    <dgm:txLinClrLst/>
+    <dgm:txFillClrLst/>
+    <dgm:txEffectClrLst/>
+  </dgm:styleLbl>
+  <dgm:styleLbl name="asst4">
+    <dgm:fillClrLst>
+      <a:schemeClr val="accent5"/>
+    </dgm:fillClrLst>
+    <dgm:linClrLst meth="repeat">
+      <a:schemeClr val="lt1"/>
+    </dgm:linClrLst>
+    <dgm:effectClrLst/>
+    <dgm:txLinClrLst/>
+    <dgm:txFillClrLst/>
+    <dgm:txEffectClrLst/>
+  </dgm:styleLbl>
+  <dgm:styleLbl name="parChTrans2D1">
+    <dgm:fillClrLst meth="repeat">
+      <a:schemeClr val="accent2"/>
+    </dgm:fillClrLst>
+    <dgm:linClrLst meth="repeat">
+      <a:schemeClr val="lt1"/>
+    </dgm:linClrLst>
+    <dgm:effectClrLst/>
+    <dgm:txLinClrLst/>
+    <dgm:txFillClrLst meth="repeat">
+      <a:schemeClr val="lt1"/>
+    </dgm:txFillClrLst>
+    <dgm:txEffectClrLst/>
+  </dgm:styleLbl>
+  <dgm:styleLbl name="parChTrans2D2">
+    <dgm:fillClrLst meth="repeat">
+      <a:schemeClr val="accent3"/>
+    </dgm:fillClrLst>
+    <dgm:linClrLst meth="repeat">
+      <a:schemeClr val="lt1"/>
+    </dgm:linClrLst>
+    <dgm:effectClrLst/>
+    <dgm:txLinClrLst/>
+    <dgm:txFillClrLst/>
+    <dgm:txEffectClrLst/>
+  </dgm:styleLbl>
+  <dgm:styleLbl name="parChTrans2D3">
+    <dgm:fillClrLst meth="repeat">
+      <a:schemeClr val="accent4"/>
+    </dgm:fillClrLst>
+    <dgm:linClrLst meth="repeat">
+      <a:schemeClr val="lt1"/>
+    </dgm:linClrLst>
+    <dgm:effectClrLst/>
+    <dgm:txLinClrLst/>
+    <dgm:txFillClrLst/>
+    <dgm:txEffectClrLst/>
+  </dgm:styleLbl>
+  <dgm:styleLbl name="parChTrans2D4">
+    <dgm:fillClrLst meth="repeat">
+      <a:schemeClr val="accent5"/>
+    </dgm:fillClrLst>
+    <dgm:linClrLst meth="repeat">
+      <a:schemeClr val="lt1"/>
+    </dgm:linClrLst>
+    <dgm:effectClrLst/>
+    <dgm:txLinClrLst/>
+    <dgm:txFillClrLst meth="repeat">
+      <a:schemeClr val="lt1"/>
+    </dgm:txFillClrLst>
+    <dgm:txEffectClrLst/>
+  </dgm:styleLbl>
+  <dgm:styleLbl name="parChTrans1D1">
+    <dgm:fillClrLst meth="repeat">
+      <a:schemeClr val="accent2"/>
+    </dgm:fillClrLst>
+    <dgm:linClrLst meth="repeat">
+      <a:schemeClr val="accent1"/>
     </dgm:linClrLst>
     <dgm:effectClrLst/>
     <dgm:txLinClrLst/>
@@ -1406,14 +1418,14 @@
     </dgm:txFillClrLst>
     <dgm:txEffectClrLst/>
   </dgm:styleLbl>
-  <dgm:styleLbl name="parChTrans1D4">
+  <dgm:styleLbl name="parChTrans1D2">
     <dgm:fillClrLst meth="repeat">
-      <a:schemeClr val="dk2"/>
+      <a:schemeClr val="accent3">
+        <a:tint val="90000"/>
+      </a:schemeClr>
     </dgm:fillClrLst>
     <dgm:linClrLst meth="repeat">
-      <a:schemeClr val="dk2">
-        <a:shade val="80000"/>
-      </a:schemeClr>
+      <a:schemeClr val="accent2"/>
     </dgm:linClrLst>
     <dgm:effectClrLst/>
     <dgm:txLinClrLst/>
@@ -1422,14 +1434,50 @@
     </dgm:txFillClrLst>
     <dgm:txEffectClrLst/>
   </dgm:styleLbl>
+  <dgm:styleLbl name="parChTrans1D3">
+    <dgm:fillClrLst meth="repeat">
+      <a:schemeClr val="accent4">
+        <a:tint val="70000"/>
+      </a:schemeClr>
+    </dgm:fillClrLst>
+    <dgm:linClrLst meth="repeat">
+      <a:schemeClr val="accent3"/>
+    </dgm:linClrLst>
+    <dgm:effectClrLst/>
+    <dgm:txLinClrLst/>
+    <dgm:txFillClrLst meth="repeat">
+      <a:schemeClr val="tx1"/>
+    </dgm:txFillClrLst>
+    <dgm:txEffectClrLst/>
+  </dgm:styleLbl>
+  <dgm:styleLbl name="parChTrans1D4">
+    <dgm:fillClrLst meth="repeat">
+      <a:schemeClr val="accent5">
+        <a:tint val="50000"/>
+      </a:schemeClr>
+    </dgm:fillClrLst>
+    <dgm:linClrLst meth="repeat">
+      <a:schemeClr val="accent4"/>
+    </dgm:linClrLst>
+    <dgm:effectClrLst/>
+    <dgm:txLinClrLst/>
+    <dgm:txFillClrLst meth="repeat">
+      <a:schemeClr val="tx1"/>
+    </dgm:txFillClrLst>
+    <dgm:txEffectClrLst/>
+  </dgm:styleLbl>
   <dgm:styleLbl name="fgAcc1">
     <dgm:fillClrLst meth="repeat">
-      <a:schemeClr val="lt2">
+      <a:schemeClr val="lt1">
         <a:alpha val="90000"/>
       </a:schemeClr>
     </dgm:fillClrLst>
     <dgm:linClrLst meth="repeat">
-      <a:schemeClr val="dk2"/>
+      <a:schemeClr val="accent2"/>
+      <a:schemeClr val="accent3"/>
+      <a:schemeClr val="accent4"/>
+      <a:schemeClr val="accent5"/>
+      <a:schemeClr val="accent6"/>
     </dgm:linClrLst>
     <dgm:effectClrLst/>
     <dgm:txLinClrLst/>
@@ -1440,12 +1488,16 @@
   </dgm:styleLbl>
   <dgm:styleLbl name="conFgAcc1">
     <dgm:fillClrLst meth="repeat">
-      <a:schemeClr val="lt2">
+      <a:schemeClr val="lt1">
         <a:alpha val="90000"/>
       </a:schemeClr>
     </dgm:fillClrLst>
     <dgm:linClrLst meth="repeat">
-      <a:schemeClr val="dk2"/>
+      <a:schemeClr val="accent2"/>
+      <a:schemeClr val="accent3"/>
+      <a:schemeClr val="accent4"/>
+      <a:schemeClr val="accent5"/>
+      <a:schemeClr val="accent6"/>
     </dgm:linClrLst>
     <dgm:effectClrLst/>
     <dgm:txLinClrLst/>
@@ -1456,12 +1508,16 @@
   </dgm:styleLbl>
   <dgm:styleLbl name="alignAcc1">
     <dgm:fillClrLst meth="repeat">
-      <a:schemeClr val="lt2">
+      <a:schemeClr val="lt1">
         <a:alpha val="90000"/>
       </a:schemeClr>
     </dgm:fillClrLst>
     <dgm:linClrLst meth="repeat">
-      <a:schemeClr val="dk2"/>
+      <a:schemeClr val="accent2"/>
+      <a:schemeClr val="accent3"/>
+      <a:schemeClr val="accent4"/>
+      <a:schemeClr val="accent5"/>
+      <a:schemeClr val="accent6"/>
     </dgm:linClrLst>
     <dgm:effectClrLst/>
     <dgm:txLinClrLst/>
@@ -1472,12 +1528,12 @@
   </dgm:styleLbl>
   <dgm:styleLbl name="trAlignAcc1">
     <dgm:fillClrLst meth="repeat">
-      <a:schemeClr val="lt2">
+      <a:schemeClr val="lt1">
         <a:alpha val="40000"/>
       </a:schemeClr>
     </dgm:fillClrLst>
     <dgm:linClrLst meth="repeat">
-      <a:schemeClr val="dk2"/>
+      <a:schemeClr val="accent1"/>
     </dgm:linClrLst>
     <dgm:effectClrLst/>
     <dgm:txLinClrLst/>
@@ -1488,12 +1544,16 @@
   </dgm:styleLbl>
   <dgm:styleLbl name="bgAcc1">
     <dgm:fillClrLst meth="repeat">
-      <a:schemeClr val="lt2">
+      <a:schemeClr val="lt1">
         <a:alpha val="90000"/>
       </a:schemeClr>
     </dgm:fillClrLst>
     <dgm:linClrLst meth="repeat">
-      <a:schemeClr val="dk2"/>
+      <a:schemeClr val="accent2"/>
+      <a:schemeClr val="accent3"/>
+      <a:schemeClr val="accent4"/>
+      <a:schemeClr val="accent5"/>
+      <a:schemeClr val="accent6"/>
     </dgm:linClrLst>
     <dgm:effectClrLst/>
     <dgm:txLinClrLst/>
@@ -1504,10 +1564,14 @@
   </dgm:styleLbl>
   <dgm:styleLbl name="solidFgAcc1">
     <dgm:fillClrLst meth="repeat">
-      <a:schemeClr val="lt2"/>
+      <a:schemeClr val="lt1"/>
     </dgm:fillClrLst>
     <dgm:linClrLst meth="repeat">
-      <a:schemeClr val="dk2"/>
+      <a:schemeClr val="accent2"/>
+      <a:schemeClr val="accent3"/>
+      <a:schemeClr val="accent4"/>
+      <a:schemeClr val="accent5"/>
+      <a:schemeClr val="accent6"/>
     </dgm:linClrLst>
     <dgm:effectClrLst/>
     <dgm:txLinClrLst/>
@@ -1518,10 +1582,14 @@
   </dgm:styleLbl>
   <dgm:styleLbl name="solidAlignAcc1">
     <dgm:fillClrLst meth="repeat">
-      <a:schemeClr val="lt2"/>
+      <a:schemeClr val="lt1"/>
     </dgm:fillClrLst>
     <dgm:linClrLst meth="repeat">
-      <a:schemeClr val="dk2"/>
+      <a:schemeClr val="accent2"/>
+      <a:schemeClr val="accent3"/>
+      <a:schemeClr val="accent4"/>
+      <a:schemeClr val="accent5"/>
+      <a:schemeClr val="accent6"/>
     </dgm:linClrLst>
     <dgm:effectClrLst/>
     <dgm:txLinClrLst/>
@@ -1532,10 +1600,14 @@
   </dgm:styleLbl>
   <dgm:styleLbl name="solidBgAcc1">
     <dgm:fillClrLst meth="repeat">
-      <a:schemeClr val="lt2"/>
+      <a:schemeClr val="lt1"/>
     </dgm:fillClrLst>
     <dgm:linClrLst meth="repeat">
-      <a:schemeClr val="dk2"/>
+      <a:schemeClr val="accent2"/>
+      <a:schemeClr val="accent3"/>
+      <a:schemeClr val="accent4"/>
+      <a:schemeClr val="accent5"/>
+      <a:schemeClr val="accent6"/>
     </dgm:linClrLst>
     <dgm:effectClrLst/>
     <dgm:txLinClrLst/>
@@ -1546,15 +1618,47 @@
   </dgm:styleLbl>
   <dgm:styleLbl name="fgAccFollowNode1">
     <dgm:fillClrLst meth="repeat">
-      <a:schemeClr val="dk2">
+      <a:schemeClr val="accent2">
+        <a:tint val="40000"/>
         <a:alpha val="90000"/>
+      </a:schemeClr>
+      <a:schemeClr val="accent3">
         <a:tint val="40000"/>
+        <a:alpha val="90000"/>
+      </a:schemeClr>
+      <a:schemeClr val="accent4">
+        <a:tint val="40000"/>
+        <a:alpha val="90000"/>
+      </a:schemeClr>
+      <a:schemeClr val="accent5">
+        <a:tint val="40000"/>
+        <a:alpha val="90000"/>
+      </a:schemeClr>
+      <a:schemeClr val="accent6">
+        <a:tint val="40000"/>
+        <a:alpha val="90000"/>
       </a:schemeClr>
     </dgm:fillClrLst>
     <dgm:linClrLst meth="repeat">
-      <a:schemeClr val="dk2">
+      <a:schemeClr val="accent2">
+        <a:tint val="40000"/>
         <a:alpha val="90000"/>
+      </a:schemeClr>
+      <a:schemeClr val="accent3">
         <a:tint val="40000"/>
+        <a:alpha val="90000"/>
+      </a:schemeClr>
+      <a:schemeClr val="accent4">
+        <a:tint val="40000"/>
+        <a:alpha val="90000"/>
+      </a:schemeClr>
+      <a:schemeClr val="accent5">
+        <a:tint val="40000"/>
+        <a:alpha val="90000"/>
+      </a:schemeClr>
+      <a:schemeClr val="accent6">
+        <a:tint val="40000"/>
+        <a:alpha val="90000"/>
       </a:schemeClr>
     </dgm:linClrLst>
     <dgm:effectClrLst/>
@@ -1566,15 +1670,47 @@
   </dgm:styleLbl>
   <dgm:styleLbl name="alignAccFollowNode1">
     <dgm:fillClrLst meth="repeat">
-      <a:schemeClr val="dk2">
+      <a:schemeClr val="accent2">
+        <a:tint val="40000"/>
         <a:alpha val="90000"/>
+      </a:schemeClr>
+      <a:schemeClr val="accent3">
         <a:tint val="40000"/>
+        <a:alpha val="90000"/>
+      </a:schemeClr>
+      <a:schemeClr val="accent4">
+        <a:tint val="40000"/>
+        <a:alpha val="90000"/>
+      </a:schemeClr>
+      <a:schemeClr val="accent5">
+        <a:tint val="40000"/>
+        <a:alpha val="90000"/>
+      </a:schemeClr>
+      <a:schemeClr val="accent6">
+        <a:tint val="40000"/>
+        <a:alpha val="90000"/>
       </a:schemeClr>
     </dgm:fillClrLst>
     <dgm:linClrLst meth="repeat">
-      <a:schemeClr val="dk2">
+      <a:schemeClr val="accent2">
+        <a:tint val="40000"/>
         <a:alpha val="90000"/>
+      </a:schemeClr>
+      <a:schemeClr val="accent3">
         <a:tint val="40000"/>
+        <a:alpha val="90000"/>
+      </a:schemeClr>
+      <a:schemeClr val="accent4">
+        <a:tint val="40000"/>
+        <a:alpha val="90000"/>
+      </a:schemeClr>
+      <a:schemeClr val="accent5">
+        <a:tint val="40000"/>
+        <a:alpha val="90000"/>
+      </a:schemeClr>
+      <a:schemeClr val="accent6">
+        <a:tint val="40000"/>
+        <a:alpha val="90000"/>
       </a:schemeClr>
     </dgm:linClrLst>
     <dgm:effectClrLst/>
@@ -1586,15 +1722,47 @@
   </dgm:styleLbl>
   <dgm:styleLbl name="bgAccFollowNode1">
     <dgm:fillClrLst meth="repeat">
-      <a:schemeClr val="dk2">
+      <a:schemeClr val="accent2">
+        <a:tint val="40000"/>
         <a:alpha val="90000"/>
+      </a:schemeClr>
+      <a:schemeClr val="accent3">
         <a:tint val="40000"/>
+        <a:alpha val="90000"/>
+      </a:schemeClr>
+      <a:schemeClr val="accent4">
+        <a:tint val="40000"/>
+        <a:alpha val="90000"/>
+      </a:schemeClr>
+      <a:schemeClr val="accent5">
+        <a:tint val="40000"/>
+        <a:alpha val="90000"/>
+      </a:schemeClr>
+      <a:schemeClr val="accent6">
+        <a:tint val="40000"/>
+        <a:alpha val="90000"/>
       </a:schemeClr>
     </dgm:fillClrLst>
     <dgm:linClrLst meth="repeat">
-      <a:schemeClr val="dk2">
+      <a:schemeClr val="accent2">
+        <a:tint val="40000"/>
         <a:alpha val="90000"/>
+      </a:schemeClr>
+      <a:schemeClr val="accent3">
         <a:tint val="40000"/>
+        <a:alpha val="90000"/>
+      </a:schemeClr>
+      <a:schemeClr val="accent4">
+        <a:tint val="40000"/>
+        <a:alpha val="90000"/>
+      </a:schemeClr>
+      <a:schemeClr val="accent5">
+        <a:tint val="40000"/>
+        <a:alpha val="90000"/>
+      </a:schemeClr>
+      <a:schemeClr val="accent6">
+        <a:tint val="40000"/>
+        <a:alpha val="90000"/>
       </a:schemeClr>
     </dgm:linClrLst>
     <dgm:effectClrLst/>
@@ -1606,12 +1774,12 @@
   </dgm:styleLbl>
   <dgm:styleLbl name="fgAcc0">
     <dgm:fillClrLst meth="repeat">
-      <a:schemeClr val="lt2">
+      <a:schemeClr val="lt1">
         <a:alpha val="90000"/>
       </a:schemeClr>
     </dgm:fillClrLst>
-    <dgm:linClrLst meth="repeat">
-      <a:schemeClr val="dk2"/>
+    <dgm:linClrLst>
+      <a:schemeClr val="accent1"/>
     </dgm:linClrLst>
     <dgm:effectClrLst/>
     <dgm:txLinClrLst/>
@@ -1622,12 +1790,12 @@
   </dgm:styleLbl>
   <dgm:styleLbl name="fgAcc2">
     <dgm:fillClrLst meth="repeat">
-      <a:schemeClr val="lt2">
+      <a:schemeClr val="lt1">
         <a:alpha val="90000"/>
       </a:schemeClr>
     </dgm:fillClrLst>
-    <dgm:linClrLst meth="repeat">
-      <a:schemeClr val="dk2"/>
+    <dgm:linClrLst>
+      <a:schemeClr val="accent2"/>
     </dgm:linClrLst>
     <dgm:effectClrLst/>
     <dgm:txLinClrLst/>
@@ -1638,12 +1806,12 @@
   </dgm:styleLbl>
   <dgm:styleLbl name="fgAcc3">
     <dgm:fillClrLst meth="repeat">
-      <a:schemeClr val="lt2">
+      <a:schemeClr val="lt1">
         <a:alpha val="90000"/>
       </a:schemeClr>
     </dgm:fillClrLst>
-    <dgm:linClrLst meth="repeat">
-      <a:schemeClr val="dk2"/>
+    <dgm:linClrLst>
+      <a:schemeClr val="accent3"/>
     </dgm:linClrLst>
     <dgm:effectClrLst/>
     <dgm:txLinClrLst/>
@@ -1654,12 +1822,12 @@
   </dgm:styleLbl>
   <dgm:styleLbl name="fgAcc4">
     <dgm:fillClrLst meth="repeat">
-      <a:schemeClr val="lt2">
+      <a:schemeClr val="lt1">
         <a:alpha val="90000"/>
       </a:schemeClr>
     </dgm:fillClrLst>
-    <dgm:linClrLst meth="repeat">
-      <a:schemeClr val="dk2"/>
+    <dgm:linClrLst>
+      <a:schemeClr val="accent4"/>
     </dgm:linClrLst>
     <dgm:effectClrLst/>
     <dgm:txLinClrLst/>
@@ -1670,12 +1838,12 @@
   </dgm:styleLbl>
   <dgm:styleLbl name="bgShp">
     <dgm:fillClrLst meth="repeat">
-      <a:schemeClr val="dk2">
+      <a:schemeClr val="accent2">
         <a:tint val="40000"/>
       </a:schemeClr>
     </dgm:fillClrLst>
     <dgm:linClrLst meth="repeat">
-      <a:schemeClr val="dk2"/>
+      <a:schemeClr val="dk1"/>
     </dgm:linClrLst>
     <dgm:effectClrLst/>
     <dgm:txLinClrLst/>
@@ -1686,12 +1854,12 @@
   </dgm:styleLbl>
   <dgm:styleLbl name="dkBgShp">
     <dgm:fillClrLst meth="repeat">
-      <a:schemeClr val="dk2">
-        <a:shade val="80000"/>
+      <a:schemeClr val="accent2">
+        <a:shade val="90000"/>
       </a:schemeClr>
     </dgm:fillClrLst>
     <dgm:linClrLst meth="repeat">
-      <a:schemeClr val="dk2"/>
+      <a:schemeClr val="dk1"/>
     </dgm:linClrLst>
     <dgm:effectClrLst/>
     <dgm:txLinClrLst/>
@@ -1702,13 +1870,13 @@
   </dgm:styleLbl>
   <dgm:styleLbl name="trBgShp">
     <dgm:fillClrLst meth="repeat">
-      <a:schemeClr val="dk2">
+      <a:schemeClr val="accent1">
         <a:tint val="50000"/>
         <a:alpha val="40000"/>
       </a:schemeClr>
     </dgm:fillClrLst>
     <dgm:linClrLst meth="repeat">
-      <a:schemeClr val="dk2"/>
+      <a:schemeClr val="accent2"/>
     </dgm:linClrLst>
     <dgm:effectClrLst/>
     <dgm:txLinClrLst/>
@@ -1719,12 +1887,12 @@
   </dgm:styleLbl>
   <dgm:styleLbl name="fgShp">
     <dgm:fillClrLst meth="repeat">
-      <a:schemeClr val="dk2">
-        <a:tint val="60000"/>
+      <a:schemeClr val="accent2">
+        <a:tint val="40000"/>
       </a:schemeClr>
     </dgm:fillClrLst>
     <dgm:linClrLst meth="repeat">
-      <a:schemeClr val="lt2"/>
+      <a:schemeClr val="lt1"/>
     </dgm:linClrLst>
     <dgm:effectClrLst/>
     <dgm:txLinClrLst/>
@@ -1735,7 +1903,7 @@
   </dgm:styleLbl>
   <dgm:styleLbl name="revTx">
     <dgm:fillClrLst meth="repeat">
-      <a:schemeClr val="lt2">
+      <a:schemeClr val="lt1">
         <a:alpha val="0"/>
       </a:schemeClr>
     </dgm:fillClrLst>
@@ -3011,7 +3179,7 @@
 <dgm:dataModel xmlns:dgm="http://schemas.openxmlformats.org/drawingml/2006/diagram" xmlns:a="http://schemas.openxmlformats.org/drawingml/2006/main">
   <dgm:ptLst>
     <dgm:pt modelId="{D389C988-7627-5D46-85DD-36AF85E1821F}" type="doc">
-      <dgm:prSet loTypeId="urn:microsoft.com/office/officeart/2008/layout/AlternatingHexagons" loCatId="" qsTypeId="urn:microsoft.com/office/officeart/2005/8/quickstyle/simple4" qsCatId="simple" csTypeId="urn:microsoft.com/office/officeart/2005/8/colors/accent0_3" csCatId="mainScheme" phldr="1"/>
+      <dgm:prSet loTypeId="urn:microsoft.com/office/officeart/2008/layout/AlternatingHexagons" loCatId="" qsTypeId="urn:microsoft.com/office/officeart/2005/8/quickstyle/simple5" qsCatId="simple" csTypeId="urn:microsoft.com/office/officeart/2005/8/colors/colorful1" csCatId="colorful" phldr="1"/>
       <dgm:spPr/>
       <dgm:t>
         <a:bodyPr/>
@@ -3021,8 +3189,8 @@
         </a:p>
       </dgm:t>
     </dgm:pt>
-    <mc:AlternateContent xmlns:mc="http://schemas.openxmlformats.org/markup-compatibility/2006" xmlns:a14="http://schemas.microsoft.com/office/drawing/2010/main">
-      <mc:Choice Requires="a14">
+    <mc:AlternateContent xmlns:mc="http://schemas.openxmlformats.org/markup-compatibility/2006">
+      <mc:Choice xmlns:a14="http://schemas.microsoft.com/office/drawing/2010/main" Requires="a14">
         <dgm:pt modelId="{44307A25-21DA-8641-A152-7B0F11BB0206}">
           <dgm:prSet phldrT="[Text]"/>
           <dgm:spPr/>
@@ -3072,7 +3240,7 @@
           </dgm:t>
         </dgm:pt>
       </mc:Choice>
-      <mc:Fallback xmlns="">
+      <mc:Fallback>
         <dgm:pt modelId="{44307A25-21DA-8641-A152-7B0F11BB0206}">
           <dgm:prSet phldrT="[Text]"/>
           <dgm:spPr/>
@@ -3126,43 +3294,39 @@
       </dgm:t>
     </dgm:pt>
     <dgm:pt modelId="{F26F501F-077A-3646-918F-8E28FFCC9FFD}">
-      <dgm:prSet custT="1"/>
+      <dgm:prSet/>
       <dgm:spPr/>
       <dgm:t>
         <a:bodyPr/>
         <a:lstStyle/>
         <a:p>
           <a:r>
-            <a:rPr lang="el-GR" sz="800" b="1" i="0" dirty="0"/>
+            <a:rPr lang="el-GR" b="1" i="0"/>
             <a:t>τ</a:t>
           </a:r>
           <a:r>
-            <a:rPr lang="en-US" sz="800" b="1" i="0" baseline="-25000" dirty="0"/>
+            <a:rPr lang="en-US" b="1" i="0" baseline="-25000"/>
             <a:t>N</a:t>
           </a:r>
           <a:r>
-            <a:rPr lang="en-US" sz="800" b="1" i="0" dirty="0"/>
+            <a:rPr lang="en-US" b="1" i="0"/>
             <a:t>(</a:t>
           </a:r>
           <a:r>
-            <a:rPr lang="el-GR" sz="800" b="1" i="0" dirty="0"/>
+            <a:rPr lang="el-GR" b="1" i="0"/>
             <a:t>τ</a:t>
           </a:r>
           <a:r>
-            <a:rPr lang="en-US" sz="800" b="1" i="0" baseline="-25000" dirty="0"/>
+            <a:rPr lang="en-US" b="1" i="0" baseline="-25000"/>
             <a:t>F</a:t>
           </a:r>
           <a:r>
-            <a:rPr lang="en-US" sz="800" b="1" i="0" dirty="0"/>
+            <a:rPr lang="en-US" b="1" i="0"/>
             <a:t>)</a:t>
           </a:r>
           <a:r>
-            <a:rPr lang="en-US" sz="800" dirty="0"/>
-            <a:t>- </a:t>
-          </a:r>
-          <a:r>
-            <a:rPr lang="en-US" sz="700" dirty="0"/>
-            <a:t>Hybrids</a:t>
+            <a:rPr lang="en-US"/>
+            <a:t>- Hybrids</a:t>
           </a:r>
         </a:p>
       </dgm:t>
@@ -3189,8 +3353,8 @@
         </a:p>
       </dgm:t>
     </dgm:pt>
-    <mc:AlternateContent xmlns:mc="http://schemas.openxmlformats.org/markup-compatibility/2006" xmlns:a14="http://schemas.microsoft.com/office/drawing/2010/main">
-      <mc:Choice Requires="a14">
+    <mc:AlternateContent xmlns:mc="http://schemas.openxmlformats.org/markup-compatibility/2006">
+      <mc:Choice xmlns:a14="http://schemas.microsoft.com/office/drawing/2010/main" Requires="a14">
         <dgm:pt modelId="{A68E1DAE-C568-B943-8E39-54B547F4362E}">
           <dgm:prSet phldrT="[Text]"/>
           <dgm:spPr/>
@@ -3240,7 +3404,7 @@
           </dgm:t>
         </dgm:pt>
       </mc:Choice>
-      <mc:Fallback xmlns="">
+      <mc:Fallback>
         <dgm:pt modelId="{A68E1DAE-C568-B943-8E39-54B547F4362E}">
           <dgm:prSet phldrT="[Text]"/>
           <dgm:spPr/>
@@ -3293,7 +3457,7 @@
         </a:p>
       </dgm:t>
     </dgm:pt>
-    <dgm:pt modelId="{659F352A-AA8E-C343-A713-5D769FD18D73}" type="pres">
+    <dgm:pt modelId="{80839045-9976-FC4F-9EED-7CDC3228FE3A}" type="pres">
       <dgm:prSet presAssocID="{D389C988-7627-5D46-85DD-36AF85E1821F}" presName="Name0" presStyleCnt="0">
         <dgm:presLayoutVars>
           <dgm:chMax/>
@@ -3304,11 +3468,11 @@
       </dgm:prSet>
       <dgm:spPr/>
     </dgm:pt>
-    <dgm:pt modelId="{C9B67791-C58C-F848-9DD4-31F7D9ECFAA9}" type="pres">
+    <dgm:pt modelId="{6F27A634-8E15-C44E-B807-77EC45C93E6C}" type="pres">
       <dgm:prSet presAssocID="{44307A25-21DA-8641-A152-7B0F11BB0206}" presName="composite" presStyleCnt="0"/>
       <dgm:spPr/>
     </dgm:pt>
-    <dgm:pt modelId="{0A8BF750-9C02-6342-B7E8-64E203F0C9E1}" type="pres">
+    <dgm:pt modelId="{846F4FEE-BD61-C241-92C1-A44F05B476B9}" type="pres">
       <dgm:prSet presAssocID="{44307A25-21DA-8641-A152-7B0F11BB0206}" presName="Parent1" presStyleLbl="node1" presStyleIdx="0" presStyleCnt="6">
         <dgm:presLayoutVars>
           <dgm:chMax val="1"/>
@@ -3318,7 +3482,7 @@
       </dgm:prSet>
       <dgm:spPr/>
     </dgm:pt>
-    <dgm:pt modelId="{C347CAC7-70CA-FB40-9842-8C106AF124D4}" type="pres">
+    <dgm:pt modelId="{C7762E11-9D54-6E4E-B221-C3D8EEEFD7C6}" type="pres">
       <dgm:prSet presAssocID="{44307A25-21DA-8641-A152-7B0F11BB0206}" presName="Childtext1" presStyleLbl="revTx" presStyleIdx="0" presStyleCnt="3">
         <dgm:presLayoutVars>
           <dgm:chMax val="0"/>
@@ -3328,27 +3492,27 @@
       </dgm:prSet>
       <dgm:spPr/>
     </dgm:pt>
-    <dgm:pt modelId="{A91850E6-D5B7-1E44-AD54-19399156A32B}" type="pres">
+    <dgm:pt modelId="{73760677-6A09-8848-8387-019509FF103D}" type="pres">
       <dgm:prSet presAssocID="{44307A25-21DA-8641-A152-7B0F11BB0206}" presName="BalanceSpacing" presStyleCnt="0"/>
       <dgm:spPr/>
     </dgm:pt>
-    <dgm:pt modelId="{067568CB-027D-6D44-BBB9-AAE0AD04D409}" type="pres">
+    <dgm:pt modelId="{2DF2C6F3-D748-E541-A61A-719439816775}" type="pres">
       <dgm:prSet presAssocID="{44307A25-21DA-8641-A152-7B0F11BB0206}" presName="BalanceSpacing1" presStyleCnt="0"/>
       <dgm:spPr/>
     </dgm:pt>
-    <dgm:pt modelId="{BE22729E-5C2B-7B47-9BC8-078A62C52558}" type="pres">
+    <dgm:pt modelId="{4DAF30E9-0105-BD4D-B3D9-73FF67EBDFDB}" type="pres">
       <dgm:prSet presAssocID="{E5B449BF-9F6B-524F-AE8B-0D6AAE0B4FA9}" presName="Accent1Text" presStyleLbl="node1" presStyleIdx="1" presStyleCnt="6"/>
       <dgm:spPr/>
     </dgm:pt>
-    <dgm:pt modelId="{3037FE9C-7E90-A346-B872-520365994942}" type="pres">
+    <dgm:pt modelId="{B3EA450E-52B8-B74C-A152-C253A9277617}" type="pres">
       <dgm:prSet presAssocID="{E5B449BF-9F6B-524F-AE8B-0D6AAE0B4FA9}" presName="spaceBetweenRectangles" presStyleCnt="0"/>
       <dgm:spPr/>
     </dgm:pt>
-    <dgm:pt modelId="{115778EF-E1B0-0040-9D2D-11C179743FBC}" type="pres">
+    <dgm:pt modelId="{6B5324C4-5B56-A54C-8827-5A411A4EC28F}" type="pres">
       <dgm:prSet presAssocID="{A68E1DAE-C568-B943-8E39-54B547F4362E}" presName="composite" presStyleCnt="0"/>
       <dgm:spPr/>
     </dgm:pt>
-    <dgm:pt modelId="{75B7554C-58CD-0040-B9E2-57CAFBF8E184}" type="pres">
+    <dgm:pt modelId="{96C67DEE-A3AE-C947-B553-8005FB7E2048}" type="pres">
       <dgm:prSet presAssocID="{A68E1DAE-C568-B943-8E39-54B547F4362E}" presName="Parent1" presStyleLbl="node1" presStyleIdx="2" presStyleCnt="6">
         <dgm:presLayoutVars>
           <dgm:chMax val="1"/>
@@ -3358,7 +3522,7 @@
       </dgm:prSet>
       <dgm:spPr/>
     </dgm:pt>
-    <dgm:pt modelId="{02BE8325-2C3E-244F-995F-38049B66B679}" type="pres">
+    <dgm:pt modelId="{26222AA6-48C7-EB4D-9727-B591B886BA18}" type="pres">
       <dgm:prSet presAssocID="{A68E1DAE-C568-B943-8E39-54B547F4362E}" presName="Childtext1" presStyleLbl="revTx" presStyleIdx="1" presStyleCnt="3">
         <dgm:presLayoutVars>
           <dgm:chMax val="0"/>
@@ -3368,27 +3532,27 @@
       </dgm:prSet>
       <dgm:spPr/>
     </dgm:pt>
-    <dgm:pt modelId="{AA182D99-672C-EC47-895A-116D3CBDC908}" type="pres">
+    <dgm:pt modelId="{2301BEBC-85D0-2F45-8C44-075EE82EF7A9}" type="pres">
       <dgm:prSet presAssocID="{A68E1DAE-C568-B943-8E39-54B547F4362E}" presName="BalanceSpacing" presStyleCnt="0"/>
       <dgm:spPr/>
     </dgm:pt>
-    <dgm:pt modelId="{D3D56EED-67FF-A04D-A233-D66855DEEC2F}" type="pres">
+    <dgm:pt modelId="{AB92A271-E24A-1646-B14B-5D97DDD7B59E}" type="pres">
       <dgm:prSet presAssocID="{A68E1DAE-C568-B943-8E39-54B547F4362E}" presName="BalanceSpacing1" presStyleCnt="0"/>
       <dgm:spPr/>
     </dgm:pt>
-    <dgm:pt modelId="{47CA118B-57D7-9745-BF2B-375D4474BF80}" type="pres">
+    <dgm:pt modelId="{65C2C3F5-B5A7-E442-B0EA-4007918E81E9}" type="pres">
       <dgm:prSet presAssocID="{2CB72D69-0B9B-744E-AC71-4AAA5C7B9592}" presName="Accent1Text" presStyleLbl="node1" presStyleIdx="3" presStyleCnt="6"/>
       <dgm:spPr/>
     </dgm:pt>
-    <dgm:pt modelId="{3A0B2E66-3903-5C4E-B45C-FAE9079D99B5}" type="pres">
+    <dgm:pt modelId="{AF1547C8-D6CE-374B-8C07-F93CE1D0A848}" type="pres">
       <dgm:prSet presAssocID="{2CB72D69-0B9B-744E-AC71-4AAA5C7B9592}" presName="spaceBetweenRectangles" presStyleCnt="0"/>
       <dgm:spPr/>
     </dgm:pt>
-    <dgm:pt modelId="{DF0DD1F9-6DA7-934A-A245-F1415E1B053B}" type="pres">
+    <dgm:pt modelId="{A8E3F23A-31C4-2E47-AED2-5BF9922A9782}" type="pres">
       <dgm:prSet presAssocID="{F26F501F-077A-3646-918F-8E28FFCC9FFD}" presName="composite" presStyleCnt="0"/>
       <dgm:spPr/>
     </dgm:pt>
-    <dgm:pt modelId="{A5B3C67B-0429-0449-8237-5B0D691A2EC0}" type="pres">
+    <dgm:pt modelId="{2A11075B-21D4-7547-88B1-E65CB0D3C14A}" type="pres">
       <dgm:prSet presAssocID="{F26F501F-077A-3646-918F-8E28FFCC9FFD}" presName="Parent1" presStyleLbl="node1" presStyleIdx="4" presStyleCnt="6">
         <dgm:presLayoutVars>
           <dgm:chMax val="1"/>
@@ -3398,7 +3562,7 @@
       </dgm:prSet>
       <dgm:spPr/>
     </dgm:pt>
-    <dgm:pt modelId="{177E9386-E57E-0640-AEE0-B0DB2E98A84B}" type="pres">
+    <dgm:pt modelId="{30FDCA0B-52BB-CA44-85F2-F5113BA553A9}" type="pres">
       <dgm:prSet presAssocID="{F26F501F-077A-3646-918F-8E28FFCC9FFD}" presName="Childtext1" presStyleLbl="revTx" presStyleIdx="2" presStyleCnt="3">
         <dgm:presLayoutVars>
           <dgm:chMax val="0"/>
@@ -3408,50 +3572,50 @@
       </dgm:prSet>
       <dgm:spPr/>
     </dgm:pt>
-    <dgm:pt modelId="{1C01F6D6-99EC-B847-A692-8D3D03432277}" type="pres">
+    <dgm:pt modelId="{71C2C8A6-E6E4-C647-803A-9FE296AC9912}" type="pres">
       <dgm:prSet presAssocID="{F26F501F-077A-3646-918F-8E28FFCC9FFD}" presName="BalanceSpacing" presStyleCnt="0"/>
       <dgm:spPr/>
     </dgm:pt>
-    <dgm:pt modelId="{4BAE7C92-4F70-5744-A63C-433C9F0AE7C7}" type="pres">
+    <dgm:pt modelId="{BAE5B17B-C003-7A49-BB7B-2855538495BA}" type="pres">
       <dgm:prSet presAssocID="{F26F501F-077A-3646-918F-8E28FFCC9FFD}" presName="BalanceSpacing1" presStyleCnt="0"/>
       <dgm:spPr/>
     </dgm:pt>
-    <dgm:pt modelId="{241A42D5-8F4F-EC42-8F5A-9E434D117700}" type="pres">
+    <dgm:pt modelId="{A32FA285-6EDB-5144-B691-99F614A64C94}" type="pres">
       <dgm:prSet presAssocID="{7E8F775F-C90F-3743-B482-F9B4162338E0}" presName="Accent1Text" presStyleLbl="node1" presStyleIdx="5" presStyleCnt="6"/>
       <dgm:spPr/>
     </dgm:pt>
   </dgm:ptLst>
   <dgm:cxnLst>
-    <dgm:cxn modelId="{20C4682E-4CDF-EE47-BF61-9488A18E000D}" type="presOf" srcId="{A68E1DAE-C568-B943-8E39-54B547F4362E}" destId="{75B7554C-58CD-0040-B9E2-57CAFBF8E184}" srcOrd="0" destOrd="0" presId="urn:microsoft.com/office/officeart/2008/layout/AlternatingHexagons"/>
-    <dgm:cxn modelId="{3F76DC3B-4C28-8747-999F-495433B5FAF5}" type="presOf" srcId="{44307A25-21DA-8641-A152-7B0F11BB0206}" destId="{0A8BF750-9C02-6342-B7E8-64E203F0C9E1}" srcOrd="0" destOrd="0" presId="urn:microsoft.com/office/officeart/2008/layout/AlternatingHexagons"/>
-    <dgm:cxn modelId="{3E710D49-CAAB-7F48-849B-8A2425CF13D2}" type="presOf" srcId="{D389C988-7627-5D46-85DD-36AF85E1821F}" destId="{659F352A-AA8E-C343-A713-5D769FD18D73}" srcOrd="0" destOrd="0" presId="urn:microsoft.com/office/officeart/2008/layout/AlternatingHexagons"/>
+    <dgm:cxn modelId="{D5F23D25-5B48-BA42-8F6E-12275A8C5194}" type="presOf" srcId="{D389C988-7627-5D46-85DD-36AF85E1821F}" destId="{80839045-9976-FC4F-9EED-7CDC3228FE3A}" srcOrd="0" destOrd="0" presId="urn:microsoft.com/office/officeart/2008/layout/AlternatingHexagons"/>
+    <dgm:cxn modelId="{EE8B8D3C-0767-2D40-A810-AD8E0D9958C3}" type="presOf" srcId="{E5B449BF-9F6B-524F-AE8B-0D6AAE0B4FA9}" destId="{4DAF30E9-0105-BD4D-B3D9-73FF67EBDFDB}" srcOrd="0" destOrd="0" presId="urn:microsoft.com/office/officeart/2008/layout/AlternatingHexagons"/>
+    <dgm:cxn modelId="{CBFBD362-9643-0041-882A-ECA328DCB65E}" type="presOf" srcId="{44307A25-21DA-8641-A152-7B0F11BB0206}" destId="{846F4FEE-BD61-C241-92C1-A44F05B476B9}" srcOrd="0" destOrd="0" presId="urn:microsoft.com/office/officeart/2008/layout/AlternatingHexagons"/>
     <dgm:cxn modelId="{EEC49384-A240-254C-BE93-A15D32C439E4}" srcId="{D389C988-7627-5D46-85DD-36AF85E1821F}" destId="{44307A25-21DA-8641-A152-7B0F11BB0206}" srcOrd="0" destOrd="0" parTransId="{48AB0D45-5116-1943-BCC6-64323D750381}" sibTransId="{E5B449BF-9F6B-524F-AE8B-0D6AAE0B4FA9}"/>
-    <dgm:cxn modelId="{1A807796-02E0-B941-98E8-5B3F7C8C00FA}" type="presOf" srcId="{E5B449BF-9F6B-524F-AE8B-0D6AAE0B4FA9}" destId="{BE22729E-5C2B-7B47-9BC8-078A62C52558}" srcOrd="0" destOrd="0" presId="urn:microsoft.com/office/officeart/2008/layout/AlternatingHexagons"/>
     <dgm:cxn modelId="{EBB3A59B-FE00-794D-8E01-FCF6F66074F9}" srcId="{D389C988-7627-5D46-85DD-36AF85E1821F}" destId="{A68E1DAE-C568-B943-8E39-54B547F4362E}" srcOrd="1" destOrd="0" parTransId="{EB99F327-56FF-3440-B09B-07A92AA9ABF1}" sibTransId="{2CB72D69-0B9B-744E-AC71-4AAA5C7B9592}"/>
-    <dgm:cxn modelId="{571865BD-6616-7A45-B736-144908F982CE}" type="presOf" srcId="{F26F501F-077A-3646-918F-8E28FFCC9FFD}" destId="{A5B3C67B-0429-0449-8237-5B0D691A2EC0}" srcOrd="0" destOrd="0" presId="urn:microsoft.com/office/officeart/2008/layout/AlternatingHexagons"/>
+    <dgm:cxn modelId="{3A1B35AF-EC14-554B-B3DA-41909F208725}" type="presOf" srcId="{A68E1DAE-C568-B943-8E39-54B547F4362E}" destId="{96C67DEE-A3AE-C947-B553-8005FB7E2048}" srcOrd="0" destOrd="0" presId="urn:microsoft.com/office/officeart/2008/layout/AlternatingHexagons"/>
+    <dgm:cxn modelId="{FB4593C3-600C-5947-8DF8-5DD7DB08B27F}" type="presOf" srcId="{7E8F775F-C90F-3743-B482-F9B4162338E0}" destId="{A32FA285-6EDB-5144-B691-99F614A64C94}" srcOrd="0" destOrd="0" presId="urn:microsoft.com/office/officeart/2008/layout/AlternatingHexagons"/>
+    <dgm:cxn modelId="{5CD613CD-76F8-EF4F-9ED9-F17644E49CC0}" type="presOf" srcId="{2CB72D69-0B9B-744E-AC71-4AAA5C7B9592}" destId="{65C2C3F5-B5A7-E442-B0EA-4007918E81E9}" srcOrd="0" destOrd="0" presId="urn:microsoft.com/office/officeart/2008/layout/AlternatingHexagons"/>
     <dgm:cxn modelId="{229D1EE3-BA21-6C40-BE08-9DD36A8BEAA6}" srcId="{D389C988-7627-5D46-85DD-36AF85E1821F}" destId="{F26F501F-077A-3646-918F-8E28FFCC9FFD}" srcOrd="2" destOrd="0" parTransId="{907A9845-9FA0-7942-8A83-8703AF2EF2B0}" sibTransId="{7E8F775F-C90F-3743-B482-F9B4162338E0}"/>
-    <dgm:cxn modelId="{E5C164E7-4335-7248-BCD8-54C2F8C79148}" type="presOf" srcId="{7E8F775F-C90F-3743-B482-F9B4162338E0}" destId="{241A42D5-8F4F-EC42-8F5A-9E434D117700}" srcOrd="0" destOrd="0" presId="urn:microsoft.com/office/officeart/2008/layout/AlternatingHexagons"/>
-    <dgm:cxn modelId="{9F2F46FC-A331-1749-A4BC-67BB25F170F3}" type="presOf" srcId="{2CB72D69-0B9B-744E-AC71-4AAA5C7B9592}" destId="{47CA118B-57D7-9745-BF2B-375D4474BF80}" srcOrd="0" destOrd="0" presId="urn:microsoft.com/office/officeart/2008/layout/AlternatingHexagons"/>
-    <dgm:cxn modelId="{8603BF96-567C-1542-A9AF-9ADA85B3E4E6}" type="presParOf" srcId="{659F352A-AA8E-C343-A713-5D769FD18D73}" destId="{C9B67791-C58C-F848-9DD4-31F7D9ECFAA9}" srcOrd="0" destOrd="0" presId="urn:microsoft.com/office/officeart/2008/layout/AlternatingHexagons"/>
-    <dgm:cxn modelId="{97FD4C70-6458-5349-8876-71685CC709A0}" type="presParOf" srcId="{C9B67791-C58C-F848-9DD4-31F7D9ECFAA9}" destId="{0A8BF750-9C02-6342-B7E8-64E203F0C9E1}" srcOrd="0" destOrd="0" presId="urn:microsoft.com/office/officeart/2008/layout/AlternatingHexagons"/>
-    <dgm:cxn modelId="{437CFB62-73CA-1042-B992-EA7B9A2B2F1F}" type="presParOf" srcId="{C9B67791-C58C-F848-9DD4-31F7D9ECFAA9}" destId="{C347CAC7-70CA-FB40-9842-8C106AF124D4}" srcOrd="1" destOrd="0" presId="urn:microsoft.com/office/officeart/2008/layout/AlternatingHexagons"/>
-    <dgm:cxn modelId="{44965441-7661-AB4A-BD37-257EDC12A366}" type="presParOf" srcId="{C9B67791-C58C-F848-9DD4-31F7D9ECFAA9}" destId="{A91850E6-D5B7-1E44-AD54-19399156A32B}" srcOrd="2" destOrd="0" presId="urn:microsoft.com/office/officeart/2008/layout/AlternatingHexagons"/>
-    <dgm:cxn modelId="{6693353B-ED66-094D-8B83-B0AF566E2C7F}" type="presParOf" srcId="{C9B67791-C58C-F848-9DD4-31F7D9ECFAA9}" destId="{067568CB-027D-6D44-BBB9-AAE0AD04D409}" srcOrd="3" destOrd="0" presId="urn:microsoft.com/office/officeart/2008/layout/AlternatingHexagons"/>
-    <dgm:cxn modelId="{C2AE05D6-1A6F-9B46-A0AF-E5EB5840D715}" type="presParOf" srcId="{C9B67791-C58C-F848-9DD4-31F7D9ECFAA9}" destId="{BE22729E-5C2B-7B47-9BC8-078A62C52558}" srcOrd="4" destOrd="0" presId="urn:microsoft.com/office/officeart/2008/layout/AlternatingHexagons"/>
-    <dgm:cxn modelId="{E9D5A728-14D8-D640-9622-452BBFC9BEBA}" type="presParOf" srcId="{659F352A-AA8E-C343-A713-5D769FD18D73}" destId="{3037FE9C-7E90-A346-B872-520365994942}" srcOrd="1" destOrd="0" presId="urn:microsoft.com/office/officeart/2008/layout/AlternatingHexagons"/>
-    <dgm:cxn modelId="{377F080E-CBA1-8445-B186-1A3012B0EB76}" type="presParOf" srcId="{659F352A-AA8E-C343-A713-5D769FD18D73}" destId="{115778EF-E1B0-0040-9D2D-11C179743FBC}" srcOrd="2" destOrd="0" presId="urn:microsoft.com/office/officeart/2008/layout/AlternatingHexagons"/>
-    <dgm:cxn modelId="{17CDF6AA-EC91-6A49-B462-32A0B79DE4DE}" type="presParOf" srcId="{115778EF-E1B0-0040-9D2D-11C179743FBC}" destId="{75B7554C-58CD-0040-B9E2-57CAFBF8E184}" srcOrd="0" destOrd="0" presId="urn:microsoft.com/office/officeart/2008/layout/AlternatingHexagons"/>
-    <dgm:cxn modelId="{3226F9D8-7CE0-1B4F-9861-5B86D2BE1E45}" type="presParOf" srcId="{115778EF-E1B0-0040-9D2D-11C179743FBC}" destId="{02BE8325-2C3E-244F-995F-38049B66B679}" srcOrd="1" destOrd="0" presId="urn:microsoft.com/office/officeart/2008/layout/AlternatingHexagons"/>
-    <dgm:cxn modelId="{5FA59124-50B3-7547-A215-B995E89DEA52}" type="presParOf" srcId="{115778EF-E1B0-0040-9D2D-11C179743FBC}" destId="{AA182D99-672C-EC47-895A-116D3CBDC908}" srcOrd="2" destOrd="0" presId="urn:microsoft.com/office/officeart/2008/layout/AlternatingHexagons"/>
-    <dgm:cxn modelId="{6E2A0AC8-EE85-F74E-B79F-0EE3E8BF99D7}" type="presParOf" srcId="{115778EF-E1B0-0040-9D2D-11C179743FBC}" destId="{D3D56EED-67FF-A04D-A233-D66855DEEC2F}" srcOrd="3" destOrd="0" presId="urn:microsoft.com/office/officeart/2008/layout/AlternatingHexagons"/>
-    <dgm:cxn modelId="{526201D0-0C1E-D744-827E-08F434C71E65}" type="presParOf" srcId="{115778EF-E1B0-0040-9D2D-11C179743FBC}" destId="{47CA118B-57D7-9745-BF2B-375D4474BF80}" srcOrd="4" destOrd="0" presId="urn:microsoft.com/office/officeart/2008/layout/AlternatingHexagons"/>
-    <dgm:cxn modelId="{B8E548C8-0C35-7244-A9D0-64D36064F496}" type="presParOf" srcId="{659F352A-AA8E-C343-A713-5D769FD18D73}" destId="{3A0B2E66-3903-5C4E-B45C-FAE9079D99B5}" srcOrd="3" destOrd="0" presId="urn:microsoft.com/office/officeart/2008/layout/AlternatingHexagons"/>
-    <dgm:cxn modelId="{5A60FADF-537A-1042-8F09-05ED7348BC17}" type="presParOf" srcId="{659F352A-AA8E-C343-A713-5D769FD18D73}" destId="{DF0DD1F9-6DA7-934A-A245-F1415E1B053B}" srcOrd="4" destOrd="0" presId="urn:microsoft.com/office/officeart/2008/layout/AlternatingHexagons"/>
-    <dgm:cxn modelId="{E9621D76-8941-C34A-91CB-9BA63CD056D7}" type="presParOf" srcId="{DF0DD1F9-6DA7-934A-A245-F1415E1B053B}" destId="{A5B3C67B-0429-0449-8237-5B0D691A2EC0}" srcOrd="0" destOrd="0" presId="urn:microsoft.com/office/officeart/2008/layout/AlternatingHexagons"/>
-    <dgm:cxn modelId="{101C063E-3D1B-6B48-8C10-EFFAEB3BDA84}" type="presParOf" srcId="{DF0DD1F9-6DA7-934A-A245-F1415E1B053B}" destId="{177E9386-E57E-0640-AEE0-B0DB2E98A84B}" srcOrd="1" destOrd="0" presId="urn:microsoft.com/office/officeart/2008/layout/AlternatingHexagons"/>
-    <dgm:cxn modelId="{AF635201-0734-8D4E-8184-A3A0F0CDF146}" type="presParOf" srcId="{DF0DD1F9-6DA7-934A-A245-F1415E1B053B}" destId="{1C01F6D6-99EC-B847-A692-8D3D03432277}" srcOrd="2" destOrd="0" presId="urn:microsoft.com/office/officeart/2008/layout/AlternatingHexagons"/>
-    <dgm:cxn modelId="{1169B831-A8FF-E64B-A798-F435D96B5D54}" type="presParOf" srcId="{DF0DD1F9-6DA7-934A-A245-F1415E1B053B}" destId="{4BAE7C92-4F70-5744-A63C-433C9F0AE7C7}" srcOrd="3" destOrd="0" presId="urn:microsoft.com/office/officeart/2008/layout/AlternatingHexagons"/>
-    <dgm:cxn modelId="{AA3EFE5A-8FE6-8F43-9451-ACCCAF68E896}" type="presParOf" srcId="{DF0DD1F9-6DA7-934A-A245-F1415E1B053B}" destId="{241A42D5-8F4F-EC42-8F5A-9E434D117700}" srcOrd="4" destOrd="0" presId="urn:microsoft.com/office/officeart/2008/layout/AlternatingHexagons"/>
+    <dgm:cxn modelId="{BA7F23F9-DEC2-8B4D-991F-85636C995D9B}" type="presOf" srcId="{F26F501F-077A-3646-918F-8E28FFCC9FFD}" destId="{2A11075B-21D4-7547-88B1-E65CB0D3C14A}" srcOrd="0" destOrd="0" presId="urn:microsoft.com/office/officeart/2008/layout/AlternatingHexagons"/>
+    <dgm:cxn modelId="{1C68672F-7A73-7646-ABF4-8F705AA3D744}" type="presParOf" srcId="{80839045-9976-FC4F-9EED-7CDC3228FE3A}" destId="{6F27A634-8E15-C44E-B807-77EC45C93E6C}" srcOrd="0" destOrd="0" presId="urn:microsoft.com/office/officeart/2008/layout/AlternatingHexagons"/>
+    <dgm:cxn modelId="{691A6ED1-4434-C84D-B700-AB7578303A0F}" type="presParOf" srcId="{6F27A634-8E15-C44E-B807-77EC45C93E6C}" destId="{846F4FEE-BD61-C241-92C1-A44F05B476B9}" srcOrd="0" destOrd="0" presId="urn:microsoft.com/office/officeart/2008/layout/AlternatingHexagons"/>
+    <dgm:cxn modelId="{5D5A04AC-FFA0-9046-8DC9-73ECC45B2A17}" type="presParOf" srcId="{6F27A634-8E15-C44E-B807-77EC45C93E6C}" destId="{C7762E11-9D54-6E4E-B221-C3D8EEEFD7C6}" srcOrd="1" destOrd="0" presId="urn:microsoft.com/office/officeart/2008/layout/AlternatingHexagons"/>
+    <dgm:cxn modelId="{291D1165-317C-5F48-8857-E4BE69FEAD33}" type="presParOf" srcId="{6F27A634-8E15-C44E-B807-77EC45C93E6C}" destId="{73760677-6A09-8848-8387-019509FF103D}" srcOrd="2" destOrd="0" presId="urn:microsoft.com/office/officeart/2008/layout/AlternatingHexagons"/>
+    <dgm:cxn modelId="{25EA1FD2-7E5B-CD41-8DBC-E2044EDD0538}" type="presParOf" srcId="{6F27A634-8E15-C44E-B807-77EC45C93E6C}" destId="{2DF2C6F3-D748-E541-A61A-719439816775}" srcOrd="3" destOrd="0" presId="urn:microsoft.com/office/officeart/2008/layout/AlternatingHexagons"/>
+    <dgm:cxn modelId="{F369A5AA-B23D-2C4D-A6D7-1EA75D85253A}" type="presParOf" srcId="{6F27A634-8E15-C44E-B807-77EC45C93E6C}" destId="{4DAF30E9-0105-BD4D-B3D9-73FF67EBDFDB}" srcOrd="4" destOrd="0" presId="urn:microsoft.com/office/officeart/2008/layout/AlternatingHexagons"/>
+    <dgm:cxn modelId="{37F7BBB2-6D77-2E40-A198-BF3025098736}" type="presParOf" srcId="{80839045-9976-FC4F-9EED-7CDC3228FE3A}" destId="{B3EA450E-52B8-B74C-A152-C253A9277617}" srcOrd="1" destOrd="0" presId="urn:microsoft.com/office/officeart/2008/layout/AlternatingHexagons"/>
+    <dgm:cxn modelId="{5C615C9A-6ED2-DF4E-8A27-68B1A273128D}" type="presParOf" srcId="{80839045-9976-FC4F-9EED-7CDC3228FE3A}" destId="{6B5324C4-5B56-A54C-8827-5A411A4EC28F}" srcOrd="2" destOrd="0" presId="urn:microsoft.com/office/officeart/2008/layout/AlternatingHexagons"/>
+    <dgm:cxn modelId="{79F3B780-8A85-8F44-95AF-AD27C5A21831}" type="presParOf" srcId="{6B5324C4-5B56-A54C-8827-5A411A4EC28F}" destId="{96C67DEE-A3AE-C947-B553-8005FB7E2048}" srcOrd="0" destOrd="0" presId="urn:microsoft.com/office/officeart/2008/layout/AlternatingHexagons"/>
+    <dgm:cxn modelId="{8C2CA301-4AEE-B34A-9B0B-79C627B561D0}" type="presParOf" srcId="{6B5324C4-5B56-A54C-8827-5A411A4EC28F}" destId="{26222AA6-48C7-EB4D-9727-B591B886BA18}" srcOrd="1" destOrd="0" presId="urn:microsoft.com/office/officeart/2008/layout/AlternatingHexagons"/>
+    <dgm:cxn modelId="{CAB04D23-6179-FA46-8B2D-BFF03B4FB6F5}" type="presParOf" srcId="{6B5324C4-5B56-A54C-8827-5A411A4EC28F}" destId="{2301BEBC-85D0-2F45-8C44-075EE82EF7A9}" srcOrd="2" destOrd="0" presId="urn:microsoft.com/office/officeart/2008/layout/AlternatingHexagons"/>
+    <dgm:cxn modelId="{13B669AC-F48F-4145-8CF7-2CCC268E8A7E}" type="presParOf" srcId="{6B5324C4-5B56-A54C-8827-5A411A4EC28F}" destId="{AB92A271-E24A-1646-B14B-5D97DDD7B59E}" srcOrd="3" destOrd="0" presId="urn:microsoft.com/office/officeart/2008/layout/AlternatingHexagons"/>
+    <dgm:cxn modelId="{ED5252DA-F8E1-CC44-9D5B-A477E1904B9D}" type="presParOf" srcId="{6B5324C4-5B56-A54C-8827-5A411A4EC28F}" destId="{65C2C3F5-B5A7-E442-B0EA-4007918E81E9}" srcOrd="4" destOrd="0" presId="urn:microsoft.com/office/officeart/2008/layout/AlternatingHexagons"/>
+    <dgm:cxn modelId="{5BA5E637-51AD-1449-A825-6120D9DCA1CD}" type="presParOf" srcId="{80839045-9976-FC4F-9EED-7CDC3228FE3A}" destId="{AF1547C8-D6CE-374B-8C07-F93CE1D0A848}" srcOrd="3" destOrd="0" presId="urn:microsoft.com/office/officeart/2008/layout/AlternatingHexagons"/>
+    <dgm:cxn modelId="{066AB80F-9861-AE4F-ADAE-DA2F5C9BB210}" type="presParOf" srcId="{80839045-9976-FC4F-9EED-7CDC3228FE3A}" destId="{A8E3F23A-31C4-2E47-AED2-5BF9922A9782}" srcOrd="4" destOrd="0" presId="urn:microsoft.com/office/officeart/2008/layout/AlternatingHexagons"/>
+    <dgm:cxn modelId="{C61D4669-FF9B-9D4D-946F-2D81A0F30E48}" type="presParOf" srcId="{A8E3F23A-31C4-2E47-AED2-5BF9922A9782}" destId="{2A11075B-21D4-7547-88B1-E65CB0D3C14A}" srcOrd="0" destOrd="0" presId="urn:microsoft.com/office/officeart/2008/layout/AlternatingHexagons"/>
+    <dgm:cxn modelId="{14B17D5A-3600-C040-882E-33AB71186912}" type="presParOf" srcId="{A8E3F23A-31C4-2E47-AED2-5BF9922A9782}" destId="{30FDCA0B-52BB-CA44-85F2-F5113BA553A9}" srcOrd="1" destOrd="0" presId="urn:microsoft.com/office/officeart/2008/layout/AlternatingHexagons"/>
+    <dgm:cxn modelId="{141C5DA6-D4F6-7440-8047-A3E9C0B0543E}" type="presParOf" srcId="{A8E3F23A-31C4-2E47-AED2-5BF9922A9782}" destId="{71C2C8A6-E6E4-C647-803A-9FE296AC9912}" srcOrd="2" destOrd="0" presId="urn:microsoft.com/office/officeart/2008/layout/AlternatingHexagons"/>
+    <dgm:cxn modelId="{8AC759F2-F01D-1349-9631-5199B55E025F}" type="presParOf" srcId="{A8E3F23A-31C4-2E47-AED2-5BF9922A9782}" destId="{BAE5B17B-C003-7A49-BB7B-2855538495BA}" srcOrd="3" destOrd="0" presId="urn:microsoft.com/office/officeart/2008/layout/AlternatingHexagons"/>
+    <dgm:cxn modelId="{103EA19C-EABF-5347-8F85-F4E995ACEF12}" type="presParOf" srcId="{A8E3F23A-31C4-2E47-AED2-5BF9922A9782}" destId="{A32FA285-6EDB-5144-B691-99F614A64C94}" srcOrd="4" destOrd="0" presId="urn:microsoft.com/office/officeart/2008/layout/AlternatingHexagons"/>
   </dgm:cxnLst>
   <dgm:bg/>
   <dgm:whole/>
@@ -3467,7 +3631,7 @@
 <dgm:dataModel xmlns:dgm="http://schemas.openxmlformats.org/drawingml/2006/diagram" xmlns:a="http://schemas.openxmlformats.org/drawingml/2006/main">
   <dgm:ptLst>
     <dgm:pt modelId="{D389C988-7627-5D46-85DD-36AF85E1821F}" type="doc">
-      <dgm:prSet loTypeId="urn:microsoft.com/office/officeart/2008/layout/AlternatingHexagons" loCatId="" qsTypeId="urn:microsoft.com/office/officeart/2005/8/quickstyle/simple4" qsCatId="simple" csTypeId="urn:microsoft.com/office/officeart/2005/8/colors/accent0_3" csCatId="mainScheme" phldr="1"/>
+      <dgm:prSet loTypeId="urn:microsoft.com/office/officeart/2008/layout/AlternatingHexagons" loCatId="" qsTypeId="urn:microsoft.com/office/officeart/2005/8/quickstyle/simple5" qsCatId="simple" csTypeId="urn:microsoft.com/office/officeart/2005/8/colors/colorful1" csCatId="colorful" phldr="1"/>
       <dgm:spPr/>
       <dgm:t>
         <a:bodyPr/>
@@ -3523,43 +3687,39 @@
       </dgm:t>
     </dgm:pt>
     <dgm:pt modelId="{F26F501F-077A-3646-918F-8E28FFCC9FFD}">
-      <dgm:prSet custT="1"/>
+      <dgm:prSet/>
       <dgm:spPr/>
       <dgm:t>
         <a:bodyPr/>
         <a:lstStyle/>
         <a:p>
           <a:r>
-            <a:rPr lang="el-GR" sz="800" b="1" i="0" dirty="0"/>
+            <a:rPr lang="el-GR" b="1" i="0"/>
             <a:t>τ</a:t>
           </a:r>
           <a:r>
-            <a:rPr lang="en-US" sz="800" b="1" i="0" baseline="-25000" dirty="0"/>
+            <a:rPr lang="en-US" b="1" i="0" baseline="-25000"/>
             <a:t>N</a:t>
           </a:r>
           <a:r>
-            <a:rPr lang="en-US" sz="800" b="1" i="0" dirty="0"/>
+            <a:rPr lang="en-US" b="1" i="0"/>
             <a:t>(</a:t>
           </a:r>
           <a:r>
-            <a:rPr lang="el-GR" sz="800" b="1" i="0" dirty="0"/>
+            <a:rPr lang="el-GR" b="1" i="0"/>
             <a:t>τ</a:t>
           </a:r>
           <a:r>
-            <a:rPr lang="en-US" sz="800" b="1" i="0" baseline="-25000" dirty="0"/>
+            <a:rPr lang="en-US" b="1" i="0" baseline="-25000"/>
             <a:t>F</a:t>
           </a:r>
           <a:r>
-            <a:rPr lang="en-US" sz="800" b="1" i="0" dirty="0"/>
+            <a:rPr lang="en-US" b="1" i="0"/>
             <a:t>)</a:t>
           </a:r>
           <a:r>
-            <a:rPr lang="en-US" sz="800" dirty="0"/>
-            <a:t>- </a:t>
-          </a:r>
-          <a:r>
-            <a:rPr lang="en-US" sz="700" dirty="0"/>
-            <a:t>Hybrids</a:t>
+            <a:rPr lang="en-US"/>
+            <a:t>- Hybrids</a:t>
           </a:r>
         </a:p>
       </dgm:t>
@@ -3631,7 +3791,7 @@
         </a:p>
       </dgm:t>
     </dgm:pt>
-    <dgm:pt modelId="{659F352A-AA8E-C343-A713-5D769FD18D73}" type="pres">
+    <dgm:pt modelId="{80839045-9976-FC4F-9EED-7CDC3228FE3A}" type="pres">
       <dgm:prSet presAssocID="{D389C988-7627-5D46-85DD-36AF85E1821F}" presName="Name0" presStyleCnt="0">
         <dgm:presLayoutVars>
           <dgm:chMax/>
@@ -3642,11 +3802,11 @@
       </dgm:prSet>
       <dgm:spPr/>
     </dgm:pt>
-    <dgm:pt modelId="{C9B67791-C58C-F848-9DD4-31F7D9ECFAA9}" type="pres">
+    <dgm:pt modelId="{6F27A634-8E15-C44E-B807-77EC45C93E6C}" type="pres">
       <dgm:prSet presAssocID="{44307A25-21DA-8641-A152-7B0F11BB0206}" presName="composite" presStyleCnt="0"/>
       <dgm:spPr/>
     </dgm:pt>
-    <dgm:pt modelId="{0A8BF750-9C02-6342-B7E8-64E203F0C9E1}" type="pres">
+    <dgm:pt modelId="{846F4FEE-BD61-C241-92C1-A44F05B476B9}" type="pres">
       <dgm:prSet presAssocID="{44307A25-21DA-8641-A152-7B0F11BB0206}" presName="Parent1" presStyleLbl="node1" presStyleIdx="0" presStyleCnt="6">
         <dgm:presLayoutVars>
           <dgm:chMax val="1"/>
@@ -3656,7 +3816,7 @@
       </dgm:prSet>
       <dgm:spPr/>
     </dgm:pt>
-    <dgm:pt modelId="{C347CAC7-70CA-FB40-9842-8C106AF124D4}" type="pres">
+    <dgm:pt modelId="{C7762E11-9D54-6E4E-B221-C3D8EEEFD7C6}" type="pres">
       <dgm:prSet presAssocID="{44307A25-21DA-8641-A152-7B0F11BB0206}" presName="Childtext1" presStyleLbl="revTx" presStyleIdx="0" presStyleCnt="3">
         <dgm:presLayoutVars>
           <dgm:chMax val="0"/>
@@ -3666,27 +3826,27 @@
       </dgm:prSet>
       <dgm:spPr/>
     </dgm:pt>
-    <dgm:pt modelId="{A91850E6-D5B7-1E44-AD54-19399156A32B}" type="pres">
+    <dgm:pt modelId="{73760677-6A09-8848-8387-019509FF103D}" type="pres">
       <dgm:prSet presAssocID="{44307A25-21DA-8641-A152-7B0F11BB0206}" presName="BalanceSpacing" presStyleCnt="0"/>
       <dgm:spPr/>
     </dgm:pt>
-    <dgm:pt modelId="{067568CB-027D-6D44-BBB9-AAE0AD04D409}" type="pres">
+    <dgm:pt modelId="{2DF2C6F3-D748-E541-A61A-719439816775}" type="pres">
       <dgm:prSet presAssocID="{44307A25-21DA-8641-A152-7B0F11BB0206}" presName="BalanceSpacing1" presStyleCnt="0"/>
       <dgm:spPr/>
     </dgm:pt>
-    <dgm:pt modelId="{BE22729E-5C2B-7B47-9BC8-078A62C52558}" type="pres">
+    <dgm:pt modelId="{4DAF30E9-0105-BD4D-B3D9-73FF67EBDFDB}" type="pres">
       <dgm:prSet presAssocID="{E5B449BF-9F6B-524F-AE8B-0D6AAE0B4FA9}" presName="Accent1Text" presStyleLbl="node1" presStyleIdx="1" presStyleCnt="6"/>
       <dgm:spPr/>
     </dgm:pt>
-    <dgm:pt modelId="{3037FE9C-7E90-A346-B872-520365994942}" type="pres">
+    <dgm:pt modelId="{B3EA450E-52B8-B74C-A152-C253A9277617}" type="pres">
       <dgm:prSet presAssocID="{E5B449BF-9F6B-524F-AE8B-0D6AAE0B4FA9}" presName="spaceBetweenRectangles" presStyleCnt="0"/>
       <dgm:spPr/>
     </dgm:pt>
-    <dgm:pt modelId="{115778EF-E1B0-0040-9D2D-11C179743FBC}" type="pres">
+    <dgm:pt modelId="{6B5324C4-5B56-A54C-8827-5A411A4EC28F}" type="pres">
       <dgm:prSet presAssocID="{A68E1DAE-C568-B943-8E39-54B547F4362E}" presName="composite" presStyleCnt="0"/>
       <dgm:spPr/>
     </dgm:pt>
-    <dgm:pt modelId="{75B7554C-58CD-0040-B9E2-57CAFBF8E184}" type="pres">
+    <dgm:pt modelId="{96C67DEE-A3AE-C947-B553-8005FB7E2048}" type="pres">
       <dgm:prSet presAssocID="{A68E1DAE-C568-B943-8E39-54B547F4362E}" presName="Parent1" presStyleLbl="node1" presStyleIdx="2" presStyleCnt="6">
         <dgm:presLayoutVars>
           <dgm:chMax val="1"/>
@@ -3696,7 +3856,7 @@
       </dgm:prSet>
       <dgm:spPr/>
     </dgm:pt>
-    <dgm:pt modelId="{02BE8325-2C3E-244F-995F-38049B66B679}" type="pres">
+    <dgm:pt modelId="{26222AA6-48C7-EB4D-9727-B591B886BA18}" type="pres">
       <dgm:prSet presAssocID="{A68E1DAE-C568-B943-8E39-54B547F4362E}" presName="Childtext1" presStyleLbl="revTx" presStyleIdx="1" presStyleCnt="3">
         <dgm:presLayoutVars>
           <dgm:chMax val="0"/>
@@ -3706,27 +3866,27 @@
       </dgm:prSet>
       <dgm:spPr/>
     </dgm:pt>
-    <dgm:pt modelId="{AA182D99-672C-EC47-895A-116D3CBDC908}" type="pres">
+    <dgm:pt modelId="{2301BEBC-85D0-2F45-8C44-075EE82EF7A9}" type="pres">
       <dgm:prSet presAssocID="{A68E1DAE-C568-B943-8E39-54B547F4362E}" presName="BalanceSpacing" presStyleCnt="0"/>
       <dgm:spPr/>
     </dgm:pt>
-    <dgm:pt modelId="{D3D56EED-67FF-A04D-A233-D66855DEEC2F}" type="pres">
+    <dgm:pt modelId="{AB92A271-E24A-1646-B14B-5D97DDD7B59E}" type="pres">
       <dgm:prSet presAssocID="{A68E1DAE-C568-B943-8E39-54B547F4362E}" presName="BalanceSpacing1" presStyleCnt="0"/>
       <dgm:spPr/>
     </dgm:pt>
-    <dgm:pt modelId="{47CA118B-57D7-9745-BF2B-375D4474BF80}" type="pres">
+    <dgm:pt modelId="{65C2C3F5-B5A7-E442-B0EA-4007918E81E9}" type="pres">
       <dgm:prSet presAssocID="{2CB72D69-0B9B-744E-AC71-4AAA5C7B9592}" presName="Accent1Text" presStyleLbl="node1" presStyleIdx="3" presStyleCnt="6"/>
       <dgm:spPr/>
     </dgm:pt>
-    <dgm:pt modelId="{3A0B2E66-3903-5C4E-B45C-FAE9079D99B5}" type="pres">
+    <dgm:pt modelId="{AF1547C8-D6CE-374B-8C07-F93CE1D0A848}" type="pres">
       <dgm:prSet presAssocID="{2CB72D69-0B9B-744E-AC71-4AAA5C7B9592}" presName="spaceBetweenRectangles" presStyleCnt="0"/>
       <dgm:spPr/>
     </dgm:pt>
-    <dgm:pt modelId="{DF0DD1F9-6DA7-934A-A245-F1415E1B053B}" type="pres">
+    <dgm:pt modelId="{A8E3F23A-31C4-2E47-AED2-5BF9922A9782}" type="pres">
       <dgm:prSet presAssocID="{F26F501F-077A-3646-918F-8E28FFCC9FFD}" presName="composite" presStyleCnt="0"/>
       <dgm:spPr/>
     </dgm:pt>
-    <dgm:pt modelId="{A5B3C67B-0429-0449-8237-5B0D691A2EC0}" type="pres">
+    <dgm:pt modelId="{2A11075B-21D4-7547-88B1-E65CB0D3C14A}" type="pres">
       <dgm:prSet presAssocID="{F26F501F-077A-3646-918F-8E28FFCC9FFD}" presName="Parent1" presStyleLbl="node1" presStyleIdx="4" presStyleCnt="6">
         <dgm:presLayoutVars>
           <dgm:chMax val="1"/>
@@ -3736,7 +3896,7 @@
       </dgm:prSet>
       <dgm:spPr/>
     </dgm:pt>
-    <dgm:pt modelId="{177E9386-E57E-0640-AEE0-B0DB2E98A84B}" type="pres">
+    <dgm:pt modelId="{30FDCA0B-52BB-CA44-85F2-F5113BA553A9}" type="pres">
       <dgm:prSet presAssocID="{F26F501F-077A-3646-918F-8E28FFCC9FFD}" presName="Childtext1" presStyleLbl="revTx" presStyleIdx="2" presStyleCnt="3">
         <dgm:presLayoutVars>
           <dgm:chMax val="0"/>
@@ -3746,50 +3906,50 @@
       </dgm:prSet>
       <dgm:spPr/>
     </dgm:pt>
-    <dgm:pt modelId="{1C01F6D6-99EC-B847-A692-8D3D03432277}" type="pres">
+    <dgm:pt modelId="{71C2C8A6-E6E4-C647-803A-9FE296AC9912}" type="pres">
       <dgm:prSet presAssocID="{F26F501F-077A-3646-918F-8E28FFCC9FFD}" presName="BalanceSpacing" presStyleCnt="0"/>
       <dgm:spPr/>
     </dgm:pt>
-    <dgm:pt modelId="{4BAE7C92-4F70-5744-A63C-433C9F0AE7C7}" type="pres">
+    <dgm:pt modelId="{BAE5B17B-C003-7A49-BB7B-2855538495BA}" type="pres">
       <dgm:prSet presAssocID="{F26F501F-077A-3646-918F-8E28FFCC9FFD}" presName="BalanceSpacing1" presStyleCnt="0"/>
       <dgm:spPr/>
     </dgm:pt>
-    <dgm:pt modelId="{241A42D5-8F4F-EC42-8F5A-9E434D117700}" type="pres">
+    <dgm:pt modelId="{A32FA285-6EDB-5144-B691-99F614A64C94}" type="pres">
       <dgm:prSet presAssocID="{7E8F775F-C90F-3743-B482-F9B4162338E0}" presName="Accent1Text" presStyleLbl="node1" presStyleIdx="5" presStyleCnt="6"/>
       <dgm:spPr/>
     </dgm:pt>
   </dgm:ptLst>
   <dgm:cxnLst>
-    <dgm:cxn modelId="{20C4682E-4CDF-EE47-BF61-9488A18E000D}" type="presOf" srcId="{A68E1DAE-C568-B943-8E39-54B547F4362E}" destId="{75B7554C-58CD-0040-B9E2-57CAFBF8E184}" srcOrd="0" destOrd="0" presId="urn:microsoft.com/office/officeart/2008/layout/AlternatingHexagons"/>
-    <dgm:cxn modelId="{3F76DC3B-4C28-8747-999F-495433B5FAF5}" type="presOf" srcId="{44307A25-21DA-8641-A152-7B0F11BB0206}" destId="{0A8BF750-9C02-6342-B7E8-64E203F0C9E1}" srcOrd="0" destOrd="0" presId="urn:microsoft.com/office/officeart/2008/layout/AlternatingHexagons"/>
-    <dgm:cxn modelId="{3E710D49-CAAB-7F48-849B-8A2425CF13D2}" type="presOf" srcId="{D389C988-7627-5D46-85DD-36AF85E1821F}" destId="{659F352A-AA8E-C343-A713-5D769FD18D73}" srcOrd="0" destOrd="0" presId="urn:microsoft.com/office/officeart/2008/layout/AlternatingHexagons"/>
+    <dgm:cxn modelId="{D5F23D25-5B48-BA42-8F6E-12275A8C5194}" type="presOf" srcId="{D389C988-7627-5D46-85DD-36AF85E1821F}" destId="{80839045-9976-FC4F-9EED-7CDC3228FE3A}" srcOrd="0" destOrd="0" presId="urn:microsoft.com/office/officeart/2008/layout/AlternatingHexagons"/>
+    <dgm:cxn modelId="{EE8B8D3C-0767-2D40-A810-AD8E0D9958C3}" type="presOf" srcId="{E5B449BF-9F6B-524F-AE8B-0D6AAE0B4FA9}" destId="{4DAF30E9-0105-BD4D-B3D9-73FF67EBDFDB}" srcOrd="0" destOrd="0" presId="urn:microsoft.com/office/officeart/2008/layout/AlternatingHexagons"/>
+    <dgm:cxn modelId="{CBFBD362-9643-0041-882A-ECA328DCB65E}" type="presOf" srcId="{44307A25-21DA-8641-A152-7B0F11BB0206}" destId="{846F4FEE-BD61-C241-92C1-A44F05B476B9}" srcOrd="0" destOrd="0" presId="urn:microsoft.com/office/officeart/2008/layout/AlternatingHexagons"/>
     <dgm:cxn modelId="{EEC49384-A240-254C-BE93-A15D32C439E4}" srcId="{D389C988-7627-5D46-85DD-36AF85E1821F}" destId="{44307A25-21DA-8641-A152-7B0F11BB0206}" srcOrd="0" destOrd="0" parTransId="{48AB0D45-5116-1943-BCC6-64323D750381}" sibTransId="{E5B449BF-9F6B-524F-AE8B-0D6AAE0B4FA9}"/>
-    <dgm:cxn modelId="{1A807796-02E0-B941-98E8-5B3F7C8C00FA}" type="presOf" srcId="{E5B449BF-9F6B-524F-AE8B-0D6AAE0B4FA9}" destId="{BE22729E-5C2B-7B47-9BC8-078A62C52558}" srcOrd="0" destOrd="0" presId="urn:microsoft.com/office/officeart/2008/layout/AlternatingHexagons"/>
     <dgm:cxn modelId="{EBB3A59B-FE00-794D-8E01-FCF6F66074F9}" srcId="{D389C988-7627-5D46-85DD-36AF85E1821F}" destId="{A68E1DAE-C568-B943-8E39-54B547F4362E}" srcOrd="1" destOrd="0" parTransId="{EB99F327-56FF-3440-B09B-07A92AA9ABF1}" sibTransId="{2CB72D69-0B9B-744E-AC71-4AAA5C7B9592}"/>
-    <dgm:cxn modelId="{571865BD-6616-7A45-B736-144908F982CE}" type="presOf" srcId="{F26F501F-077A-3646-918F-8E28FFCC9FFD}" destId="{A5B3C67B-0429-0449-8237-5B0D691A2EC0}" srcOrd="0" destOrd="0" presId="urn:microsoft.com/office/officeart/2008/layout/AlternatingHexagons"/>
+    <dgm:cxn modelId="{3A1B35AF-EC14-554B-B3DA-41909F208725}" type="presOf" srcId="{A68E1DAE-C568-B943-8E39-54B547F4362E}" destId="{96C67DEE-A3AE-C947-B553-8005FB7E2048}" srcOrd="0" destOrd="0" presId="urn:microsoft.com/office/officeart/2008/layout/AlternatingHexagons"/>
+    <dgm:cxn modelId="{FB4593C3-600C-5947-8DF8-5DD7DB08B27F}" type="presOf" srcId="{7E8F775F-C90F-3743-B482-F9B4162338E0}" destId="{A32FA285-6EDB-5144-B691-99F614A64C94}" srcOrd="0" destOrd="0" presId="urn:microsoft.com/office/officeart/2008/layout/AlternatingHexagons"/>
+    <dgm:cxn modelId="{5CD613CD-76F8-EF4F-9ED9-F17644E49CC0}" type="presOf" srcId="{2CB72D69-0B9B-744E-AC71-4AAA5C7B9592}" destId="{65C2C3F5-B5A7-E442-B0EA-4007918E81E9}" srcOrd="0" destOrd="0" presId="urn:microsoft.com/office/officeart/2008/layout/AlternatingHexagons"/>
     <dgm:cxn modelId="{229D1EE3-BA21-6C40-BE08-9DD36A8BEAA6}" srcId="{D389C988-7627-5D46-85DD-36AF85E1821F}" destId="{F26F501F-077A-3646-918F-8E28FFCC9FFD}" srcOrd="2" destOrd="0" parTransId="{907A9845-9FA0-7942-8A83-8703AF2EF2B0}" sibTransId="{7E8F775F-C90F-3743-B482-F9B4162338E0}"/>
-    <dgm:cxn modelId="{E5C164E7-4335-7248-BCD8-54C2F8C79148}" type="presOf" srcId="{7E8F775F-C90F-3743-B482-F9B4162338E0}" destId="{241A42D5-8F4F-EC42-8F5A-9E434D117700}" srcOrd="0" destOrd="0" presId="urn:microsoft.com/office/officeart/2008/layout/AlternatingHexagons"/>
-    <dgm:cxn modelId="{9F2F46FC-A331-1749-A4BC-67BB25F170F3}" type="presOf" srcId="{2CB72D69-0B9B-744E-AC71-4AAA5C7B9592}" destId="{47CA118B-57D7-9745-BF2B-375D4474BF80}" srcOrd="0" destOrd="0" presId="urn:microsoft.com/office/officeart/2008/layout/AlternatingHexagons"/>
-    <dgm:cxn modelId="{8603BF96-567C-1542-A9AF-9ADA85B3E4E6}" type="presParOf" srcId="{659F352A-AA8E-C343-A713-5D769FD18D73}" destId="{C9B67791-C58C-F848-9DD4-31F7D9ECFAA9}" srcOrd="0" destOrd="0" presId="urn:microsoft.com/office/officeart/2008/layout/AlternatingHexagons"/>
-    <dgm:cxn modelId="{97FD4C70-6458-5349-8876-71685CC709A0}" type="presParOf" srcId="{C9B67791-C58C-F848-9DD4-31F7D9ECFAA9}" destId="{0A8BF750-9C02-6342-B7E8-64E203F0C9E1}" srcOrd="0" destOrd="0" presId="urn:microsoft.com/office/officeart/2008/layout/AlternatingHexagons"/>
-    <dgm:cxn modelId="{437CFB62-73CA-1042-B992-EA7B9A2B2F1F}" type="presParOf" srcId="{C9B67791-C58C-F848-9DD4-31F7D9ECFAA9}" destId="{C347CAC7-70CA-FB40-9842-8C106AF124D4}" srcOrd="1" destOrd="0" presId="urn:microsoft.com/office/officeart/2008/layout/AlternatingHexagons"/>
-    <dgm:cxn modelId="{44965441-7661-AB4A-BD37-257EDC12A366}" type="presParOf" srcId="{C9B67791-C58C-F848-9DD4-31F7D9ECFAA9}" destId="{A91850E6-D5B7-1E44-AD54-19399156A32B}" srcOrd="2" destOrd="0" presId="urn:microsoft.com/office/officeart/2008/layout/AlternatingHexagons"/>
-    <dgm:cxn modelId="{6693353B-ED66-094D-8B83-B0AF566E2C7F}" type="presParOf" srcId="{C9B67791-C58C-F848-9DD4-31F7D9ECFAA9}" destId="{067568CB-027D-6D44-BBB9-AAE0AD04D409}" srcOrd="3" destOrd="0" presId="urn:microsoft.com/office/officeart/2008/layout/AlternatingHexagons"/>
-    <dgm:cxn modelId="{C2AE05D6-1A6F-9B46-A0AF-E5EB5840D715}" type="presParOf" srcId="{C9B67791-C58C-F848-9DD4-31F7D9ECFAA9}" destId="{BE22729E-5C2B-7B47-9BC8-078A62C52558}" srcOrd="4" destOrd="0" presId="urn:microsoft.com/office/officeart/2008/layout/AlternatingHexagons"/>
-    <dgm:cxn modelId="{E9D5A728-14D8-D640-9622-452BBFC9BEBA}" type="presParOf" srcId="{659F352A-AA8E-C343-A713-5D769FD18D73}" destId="{3037FE9C-7E90-A346-B872-520365994942}" srcOrd="1" destOrd="0" presId="urn:microsoft.com/office/officeart/2008/layout/AlternatingHexagons"/>
-    <dgm:cxn modelId="{377F080E-CBA1-8445-B186-1A3012B0EB76}" type="presParOf" srcId="{659F352A-AA8E-C343-A713-5D769FD18D73}" destId="{115778EF-E1B0-0040-9D2D-11C179743FBC}" srcOrd="2" destOrd="0" presId="urn:microsoft.com/office/officeart/2008/layout/AlternatingHexagons"/>
-    <dgm:cxn modelId="{17CDF6AA-EC91-6A49-B462-32A0B79DE4DE}" type="presParOf" srcId="{115778EF-E1B0-0040-9D2D-11C179743FBC}" destId="{75B7554C-58CD-0040-B9E2-57CAFBF8E184}" srcOrd="0" destOrd="0" presId="urn:microsoft.com/office/officeart/2008/layout/AlternatingHexagons"/>
-    <dgm:cxn modelId="{3226F9D8-7CE0-1B4F-9861-5B86D2BE1E45}" type="presParOf" srcId="{115778EF-E1B0-0040-9D2D-11C179743FBC}" destId="{02BE8325-2C3E-244F-995F-38049B66B679}" srcOrd="1" destOrd="0" presId="urn:microsoft.com/office/officeart/2008/layout/AlternatingHexagons"/>
-    <dgm:cxn modelId="{5FA59124-50B3-7547-A215-B995E89DEA52}" type="presParOf" srcId="{115778EF-E1B0-0040-9D2D-11C179743FBC}" destId="{AA182D99-672C-EC47-895A-116D3CBDC908}" srcOrd="2" destOrd="0" presId="urn:microsoft.com/office/officeart/2008/layout/AlternatingHexagons"/>
-    <dgm:cxn modelId="{6E2A0AC8-EE85-F74E-B79F-0EE3E8BF99D7}" type="presParOf" srcId="{115778EF-E1B0-0040-9D2D-11C179743FBC}" destId="{D3D56EED-67FF-A04D-A233-D66855DEEC2F}" srcOrd="3" destOrd="0" presId="urn:microsoft.com/office/officeart/2008/layout/AlternatingHexagons"/>
-    <dgm:cxn modelId="{526201D0-0C1E-D744-827E-08F434C71E65}" type="presParOf" srcId="{115778EF-E1B0-0040-9D2D-11C179743FBC}" destId="{47CA118B-57D7-9745-BF2B-375D4474BF80}" srcOrd="4" destOrd="0" presId="urn:microsoft.com/office/officeart/2008/layout/AlternatingHexagons"/>
-    <dgm:cxn modelId="{B8E548C8-0C35-7244-A9D0-64D36064F496}" type="presParOf" srcId="{659F352A-AA8E-C343-A713-5D769FD18D73}" destId="{3A0B2E66-3903-5C4E-B45C-FAE9079D99B5}" srcOrd="3" destOrd="0" presId="urn:microsoft.com/office/officeart/2008/layout/AlternatingHexagons"/>
-    <dgm:cxn modelId="{5A60FADF-537A-1042-8F09-05ED7348BC17}" type="presParOf" srcId="{659F352A-AA8E-C343-A713-5D769FD18D73}" destId="{DF0DD1F9-6DA7-934A-A245-F1415E1B053B}" srcOrd="4" destOrd="0" presId="urn:microsoft.com/office/officeart/2008/layout/AlternatingHexagons"/>
-    <dgm:cxn modelId="{E9621D76-8941-C34A-91CB-9BA63CD056D7}" type="presParOf" srcId="{DF0DD1F9-6DA7-934A-A245-F1415E1B053B}" destId="{A5B3C67B-0429-0449-8237-5B0D691A2EC0}" srcOrd="0" destOrd="0" presId="urn:microsoft.com/office/officeart/2008/layout/AlternatingHexagons"/>
-    <dgm:cxn modelId="{101C063E-3D1B-6B48-8C10-EFFAEB3BDA84}" type="presParOf" srcId="{DF0DD1F9-6DA7-934A-A245-F1415E1B053B}" destId="{177E9386-E57E-0640-AEE0-B0DB2E98A84B}" srcOrd="1" destOrd="0" presId="urn:microsoft.com/office/officeart/2008/layout/AlternatingHexagons"/>
-    <dgm:cxn modelId="{AF635201-0734-8D4E-8184-A3A0F0CDF146}" type="presParOf" srcId="{DF0DD1F9-6DA7-934A-A245-F1415E1B053B}" destId="{1C01F6D6-99EC-B847-A692-8D3D03432277}" srcOrd="2" destOrd="0" presId="urn:microsoft.com/office/officeart/2008/layout/AlternatingHexagons"/>
-    <dgm:cxn modelId="{1169B831-A8FF-E64B-A798-F435D96B5D54}" type="presParOf" srcId="{DF0DD1F9-6DA7-934A-A245-F1415E1B053B}" destId="{4BAE7C92-4F70-5744-A63C-433C9F0AE7C7}" srcOrd="3" destOrd="0" presId="urn:microsoft.com/office/officeart/2008/layout/AlternatingHexagons"/>
-    <dgm:cxn modelId="{AA3EFE5A-8FE6-8F43-9451-ACCCAF68E896}" type="presParOf" srcId="{DF0DD1F9-6DA7-934A-A245-F1415E1B053B}" destId="{241A42D5-8F4F-EC42-8F5A-9E434D117700}" srcOrd="4" destOrd="0" presId="urn:microsoft.com/office/officeart/2008/layout/AlternatingHexagons"/>
+    <dgm:cxn modelId="{BA7F23F9-DEC2-8B4D-991F-85636C995D9B}" type="presOf" srcId="{F26F501F-077A-3646-918F-8E28FFCC9FFD}" destId="{2A11075B-21D4-7547-88B1-E65CB0D3C14A}" srcOrd="0" destOrd="0" presId="urn:microsoft.com/office/officeart/2008/layout/AlternatingHexagons"/>
+    <dgm:cxn modelId="{1C68672F-7A73-7646-ABF4-8F705AA3D744}" type="presParOf" srcId="{80839045-9976-FC4F-9EED-7CDC3228FE3A}" destId="{6F27A634-8E15-C44E-B807-77EC45C93E6C}" srcOrd="0" destOrd="0" presId="urn:microsoft.com/office/officeart/2008/layout/AlternatingHexagons"/>
+    <dgm:cxn modelId="{691A6ED1-4434-C84D-B700-AB7578303A0F}" type="presParOf" srcId="{6F27A634-8E15-C44E-B807-77EC45C93E6C}" destId="{846F4FEE-BD61-C241-92C1-A44F05B476B9}" srcOrd="0" destOrd="0" presId="urn:microsoft.com/office/officeart/2008/layout/AlternatingHexagons"/>
+    <dgm:cxn modelId="{5D5A04AC-FFA0-9046-8DC9-73ECC45B2A17}" type="presParOf" srcId="{6F27A634-8E15-C44E-B807-77EC45C93E6C}" destId="{C7762E11-9D54-6E4E-B221-C3D8EEEFD7C6}" srcOrd="1" destOrd="0" presId="urn:microsoft.com/office/officeart/2008/layout/AlternatingHexagons"/>
+    <dgm:cxn modelId="{291D1165-317C-5F48-8857-E4BE69FEAD33}" type="presParOf" srcId="{6F27A634-8E15-C44E-B807-77EC45C93E6C}" destId="{73760677-6A09-8848-8387-019509FF103D}" srcOrd="2" destOrd="0" presId="urn:microsoft.com/office/officeart/2008/layout/AlternatingHexagons"/>
+    <dgm:cxn modelId="{25EA1FD2-7E5B-CD41-8DBC-E2044EDD0538}" type="presParOf" srcId="{6F27A634-8E15-C44E-B807-77EC45C93E6C}" destId="{2DF2C6F3-D748-E541-A61A-719439816775}" srcOrd="3" destOrd="0" presId="urn:microsoft.com/office/officeart/2008/layout/AlternatingHexagons"/>
+    <dgm:cxn modelId="{F369A5AA-B23D-2C4D-A6D7-1EA75D85253A}" type="presParOf" srcId="{6F27A634-8E15-C44E-B807-77EC45C93E6C}" destId="{4DAF30E9-0105-BD4D-B3D9-73FF67EBDFDB}" srcOrd="4" destOrd="0" presId="urn:microsoft.com/office/officeart/2008/layout/AlternatingHexagons"/>
+    <dgm:cxn modelId="{37F7BBB2-6D77-2E40-A198-BF3025098736}" type="presParOf" srcId="{80839045-9976-FC4F-9EED-7CDC3228FE3A}" destId="{B3EA450E-52B8-B74C-A152-C253A9277617}" srcOrd="1" destOrd="0" presId="urn:microsoft.com/office/officeart/2008/layout/AlternatingHexagons"/>
+    <dgm:cxn modelId="{5C615C9A-6ED2-DF4E-8A27-68B1A273128D}" type="presParOf" srcId="{80839045-9976-FC4F-9EED-7CDC3228FE3A}" destId="{6B5324C4-5B56-A54C-8827-5A411A4EC28F}" srcOrd="2" destOrd="0" presId="urn:microsoft.com/office/officeart/2008/layout/AlternatingHexagons"/>
+    <dgm:cxn modelId="{79F3B780-8A85-8F44-95AF-AD27C5A21831}" type="presParOf" srcId="{6B5324C4-5B56-A54C-8827-5A411A4EC28F}" destId="{96C67DEE-A3AE-C947-B553-8005FB7E2048}" srcOrd="0" destOrd="0" presId="urn:microsoft.com/office/officeart/2008/layout/AlternatingHexagons"/>
+    <dgm:cxn modelId="{8C2CA301-4AEE-B34A-9B0B-79C627B561D0}" type="presParOf" srcId="{6B5324C4-5B56-A54C-8827-5A411A4EC28F}" destId="{26222AA6-48C7-EB4D-9727-B591B886BA18}" srcOrd="1" destOrd="0" presId="urn:microsoft.com/office/officeart/2008/layout/AlternatingHexagons"/>
+    <dgm:cxn modelId="{CAB04D23-6179-FA46-8B2D-BFF03B4FB6F5}" type="presParOf" srcId="{6B5324C4-5B56-A54C-8827-5A411A4EC28F}" destId="{2301BEBC-85D0-2F45-8C44-075EE82EF7A9}" srcOrd="2" destOrd="0" presId="urn:microsoft.com/office/officeart/2008/layout/AlternatingHexagons"/>
+    <dgm:cxn modelId="{13B669AC-F48F-4145-8CF7-2CCC268E8A7E}" type="presParOf" srcId="{6B5324C4-5B56-A54C-8827-5A411A4EC28F}" destId="{AB92A271-E24A-1646-B14B-5D97DDD7B59E}" srcOrd="3" destOrd="0" presId="urn:microsoft.com/office/officeart/2008/layout/AlternatingHexagons"/>
+    <dgm:cxn modelId="{ED5252DA-F8E1-CC44-9D5B-A477E1904B9D}" type="presParOf" srcId="{6B5324C4-5B56-A54C-8827-5A411A4EC28F}" destId="{65C2C3F5-B5A7-E442-B0EA-4007918E81E9}" srcOrd="4" destOrd="0" presId="urn:microsoft.com/office/officeart/2008/layout/AlternatingHexagons"/>
+    <dgm:cxn modelId="{5BA5E637-51AD-1449-A825-6120D9DCA1CD}" type="presParOf" srcId="{80839045-9976-FC4F-9EED-7CDC3228FE3A}" destId="{AF1547C8-D6CE-374B-8C07-F93CE1D0A848}" srcOrd="3" destOrd="0" presId="urn:microsoft.com/office/officeart/2008/layout/AlternatingHexagons"/>
+    <dgm:cxn modelId="{066AB80F-9861-AE4F-ADAE-DA2F5C9BB210}" type="presParOf" srcId="{80839045-9976-FC4F-9EED-7CDC3228FE3A}" destId="{A8E3F23A-31C4-2E47-AED2-5BF9922A9782}" srcOrd="4" destOrd="0" presId="urn:microsoft.com/office/officeart/2008/layout/AlternatingHexagons"/>
+    <dgm:cxn modelId="{C61D4669-FF9B-9D4D-946F-2D81A0F30E48}" type="presParOf" srcId="{A8E3F23A-31C4-2E47-AED2-5BF9922A9782}" destId="{2A11075B-21D4-7547-88B1-E65CB0D3C14A}" srcOrd="0" destOrd="0" presId="urn:microsoft.com/office/officeart/2008/layout/AlternatingHexagons"/>
+    <dgm:cxn modelId="{14B17D5A-3600-C040-882E-33AB71186912}" type="presParOf" srcId="{A8E3F23A-31C4-2E47-AED2-5BF9922A9782}" destId="{30FDCA0B-52BB-CA44-85F2-F5113BA553A9}" srcOrd="1" destOrd="0" presId="urn:microsoft.com/office/officeart/2008/layout/AlternatingHexagons"/>
+    <dgm:cxn modelId="{141C5DA6-D4F6-7440-8047-A3E9C0B0543E}" type="presParOf" srcId="{A8E3F23A-31C4-2E47-AED2-5BF9922A9782}" destId="{71C2C8A6-E6E4-C647-803A-9FE296AC9912}" srcOrd="2" destOrd="0" presId="urn:microsoft.com/office/officeart/2008/layout/AlternatingHexagons"/>
+    <dgm:cxn modelId="{8AC759F2-F01D-1349-9631-5199B55E025F}" type="presParOf" srcId="{A8E3F23A-31C4-2E47-AED2-5BF9922A9782}" destId="{BAE5B17B-C003-7A49-BB7B-2855538495BA}" srcOrd="3" destOrd="0" presId="urn:microsoft.com/office/officeart/2008/layout/AlternatingHexagons"/>
+    <dgm:cxn modelId="{103EA19C-EABF-5347-8F85-F4E995ACEF12}" type="presParOf" srcId="{A8E3F23A-31C4-2E47-AED2-5BF9922A9782}" destId="{A32FA285-6EDB-5144-B691-99F614A64C94}" srcOrd="4" destOrd="0" presId="urn:microsoft.com/office/officeart/2008/layout/AlternatingHexagons"/>
   </dgm:cxnLst>
   <dgm:bg/>
   <dgm:whole/>
@@ -4283,6 +4443,42 @@
         </a:p>
       </dgm:t>
     </dgm:pt>
+    <dgm:pt modelId="{B26DD026-D66C-4E45-9D70-250FF71D84BC}">
+      <dgm:prSet/>
+      <dgm:spPr/>
+      <dgm:t>
+        <a:bodyPr/>
+        <a:lstStyle/>
+        <a:p>
+          <a:r>
+            <a:rPr lang="en-US" dirty="0"/>
+            <a:t>Tools for browsing, contributing and building</a:t>
+          </a:r>
+        </a:p>
+      </dgm:t>
+    </dgm:pt>
+    <dgm:pt modelId="{81E9F40A-FB47-584F-BF79-1A55936A7450}" type="parTrans" cxnId="{09626870-1AEC-374D-8FFE-B5653C35A272}">
+      <dgm:prSet/>
+      <dgm:spPr/>
+      <dgm:t>
+        <a:bodyPr/>
+        <a:lstStyle/>
+        <a:p>
+          <a:endParaRPr lang="en-US"/>
+        </a:p>
+      </dgm:t>
+    </dgm:pt>
+    <dgm:pt modelId="{61409ADE-0EB7-CA44-AC92-5AA5F4201AC2}" type="sibTrans" cxnId="{09626870-1AEC-374D-8FFE-B5653C35A272}">
+      <dgm:prSet/>
+      <dgm:spPr/>
+      <dgm:t>
+        <a:bodyPr/>
+        <a:lstStyle/>
+        <a:p>
+          <a:endParaRPr lang="en-US"/>
+        </a:p>
+      </dgm:t>
+    </dgm:pt>
     <dgm:pt modelId="{41D8357B-C9D5-A641-857F-7E9D568CAD51}" type="pres">
       <dgm:prSet presAssocID="{24940AAF-36D4-494E-B2D0-A7A15AB34D26}" presName="linear" presStyleCnt="0">
         <dgm:presLayoutVars>
@@ -4357,6 +4553,7 @@
     <dgm:cxn modelId="{8153325E-F083-4B46-B1F8-234A7809ED8C}" type="presOf" srcId="{CD5F12BA-6620-4E88-9EDD-0AC9036B2B63}" destId="{71DB470C-E196-6445-AF9C-1D368A2BBEC8}" srcOrd="0" destOrd="2" presId="urn:microsoft.com/office/officeart/2005/8/layout/vList2"/>
     <dgm:cxn modelId="{F24A6C69-723D-4A44-A1B4-F1313F6BBDF5}" type="presOf" srcId="{5D0EA91D-B832-4E2C-95B6-3BD806133A1F}" destId="{BA18133D-C58B-7448-A5E4-1CBB860FEAEA}" srcOrd="0" destOrd="1" presId="urn:microsoft.com/office/officeart/2005/8/layout/vList2"/>
     <dgm:cxn modelId="{0D905A70-A939-4419-8984-6935AA4A2EE2}" srcId="{D6352F91-BACC-4F7A-BDEA-B7360C5FF8BC}" destId="{0C4EC3CB-F551-4F13-94C3-A9329B7D04A7}" srcOrd="0" destOrd="0" parTransId="{076C2DA8-5B62-4CF9-B677-2530DFB8566A}" sibTransId="{BD908BF1-80C7-439B-8874-DE030E55D76F}"/>
+    <dgm:cxn modelId="{09626870-1AEC-374D-8FFE-B5653C35A272}" srcId="{D6352F91-BACC-4F7A-BDEA-B7360C5FF8BC}" destId="{B26DD026-D66C-4E45-9D70-250FF71D84BC}" srcOrd="2" destOrd="0" parTransId="{81E9F40A-FB47-584F-BF79-1A55936A7450}" sibTransId="{61409ADE-0EB7-CA44-AC92-5AA5F4201AC2}"/>
     <dgm:cxn modelId="{BB8E4983-7819-4519-8520-953BDAB074EF}" srcId="{75375EB8-26AF-4EA8-B70A-0B8F8F8DB59C}" destId="{748E588A-6794-4DDB-A47C-39AA61E6FACF}" srcOrd="1" destOrd="0" parTransId="{286C61B4-DA0B-4AEE-B115-B23587569358}" sibTransId="{62EA6452-B085-44E9-BBC4-4DB9347D0FB9}"/>
     <dgm:cxn modelId="{491B1985-BA30-4895-91D0-D0FA0307D54B}" srcId="{7CD1A2B4-5E33-4EB5-8367-480E61368B56}" destId="{A0375CA9-5900-49F5-8727-7D9B450E5AA0}" srcOrd="0" destOrd="0" parTransId="{9C4A9298-8F49-4C9C-BF5A-578D2861BBE3}" sibTransId="{8D222659-B55E-41EE-88D2-B297228938B6}"/>
     <dgm:cxn modelId="{F187978D-2C3E-BE40-8EAE-FBFF6F3EE27F}" type="presOf" srcId="{7CD1A2B4-5E33-4EB5-8367-480E61368B56}" destId="{71DB470C-E196-6445-AF9C-1D368A2BBEC8}" srcOrd="0" destOrd="4" presId="urn:microsoft.com/office/officeart/2005/8/layout/vList2"/>
@@ -4370,6 +4567,7 @@
     <dgm:cxn modelId="{232D30AE-8F1D-8B47-B300-8BD0ECC5ADED}" type="presOf" srcId="{E3512EE2-AF6C-4AE4-889D-040C9142CEAD}" destId="{71DB470C-E196-6445-AF9C-1D368A2BBEC8}" srcOrd="0" destOrd="3" presId="urn:microsoft.com/office/officeart/2005/8/layout/vList2"/>
     <dgm:cxn modelId="{D406C5B6-D275-A344-808D-5CE9B442387B}" type="presOf" srcId="{A6F997FC-D02E-49FF-A88D-EBAC47B9DE97}" destId="{D37A2BEE-DB9F-FF43-A669-524709ECD0CF}" srcOrd="0" destOrd="0" presId="urn:microsoft.com/office/officeart/2005/8/layout/vList2"/>
     <dgm:cxn modelId="{A10E2AC0-2840-EC43-9B35-C57EB120564F}" type="presOf" srcId="{24940AAF-36D4-494E-B2D0-A7A15AB34D26}" destId="{41D8357B-C9D5-A641-857F-7E9D568CAD51}" srcOrd="0" destOrd="0" presId="urn:microsoft.com/office/officeart/2005/8/layout/vList2"/>
+    <dgm:cxn modelId="{49E607DC-14AC-B544-87A5-8D71B1FFEE9B}" type="presOf" srcId="{B26DD026-D66C-4E45-9D70-250FF71D84BC}" destId="{71DB470C-E196-6445-AF9C-1D368A2BBEC8}" srcOrd="0" destOrd="6" presId="urn:microsoft.com/office/officeart/2005/8/layout/vList2"/>
     <dgm:cxn modelId="{86E819DD-CB33-7045-90F2-3B3C5C7CC4BC}" type="presOf" srcId="{748E588A-6794-4DDB-A47C-39AA61E6FACF}" destId="{6826576F-F8DF-1849-B88F-72EBC3E776F9}" srcOrd="0" destOrd="1" presId="urn:microsoft.com/office/officeart/2005/8/layout/vList2"/>
     <dgm:cxn modelId="{E8C200F2-B1AE-46C3-9080-3FF4437637B3}" srcId="{A6F997FC-D02E-49FF-A88D-EBAC47B9DE97}" destId="{5D0EA91D-B832-4E2C-95B6-3BD806133A1F}" srcOrd="1" destOrd="0" parTransId="{C7DDFB2B-65F7-4607-8C16-7507B9BBE057}" sibTransId="{B3BB19AF-1807-4E2D-96D6-228E2830F92B}"/>
     <dgm:cxn modelId="{297C8C32-3F59-8645-ADBD-3A3A584F2E42}" type="presParOf" srcId="{41D8357B-C9D5-A641-857F-7E9D568CAD51}" destId="{DED3C7A9-F391-094E-8700-F5CA5598FAB0}" srcOrd="0" destOrd="0" presId="urn:microsoft.com/office/officeart/2005/8/layout/vList2"/>
@@ -4856,15 +5054,15 @@
       <dsp:cNvGrpSpPr/>
     </dsp:nvGrpSpPr>
     <dsp:grpSpPr/>
-    <dsp:sp modelId="{0A8BF750-9C02-6342-B7E8-64E203F0C9E1}">
+    <dsp:sp modelId="{846F4FEE-BD61-C241-92C1-A44F05B476B9}">
       <dsp:nvSpPr>
         <dsp:cNvPr id="0" name=""/>
         <dsp:cNvSpPr/>
       </dsp:nvSpPr>
       <dsp:spPr>
         <a:xfrm rot="5400000">
-          <a:off x="2127732" y="43209"/>
-          <a:ext cx="658036" cy="572491"/>
+          <a:off x="2309495" y="77731"/>
+          <a:ext cx="1178618" cy="1025398"/>
         </a:xfrm>
         <a:prstGeom prst="hexagon">
           <a:avLst>
@@ -4875,7 +5073,7 @@
         <a:gradFill rotWithShape="0">
           <a:gsLst>
             <a:gs pos="0">
-              <a:schemeClr val="dk2">
+              <a:schemeClr val="accent2">
                 <a:hueOff val="0"/>
                 <a:satOff val="0"/>
                 <a:lumOff val="0"/>
@@ -4886,7 +5084,7 @@
               </a:schemeClr>
             </a:gs>
             <a:gs pos="50000">
-              <a:schemeClr val="dk2">
+              <a:schemeClr val="accent2">
                 <a:hueOff val="0"/>
                 <a:satOff val="0"/>
                 <a:lumOff val="0"/>
@@ -4897,7 +5095,7 @@
               </a:schemeClr>
             </a:gs>
             <a:gs pos="100000">
-              <a:schemeClr val="dk2">
+              <a:schemeClr val="accent2">
                 <a:hueOff val="0"/>
                 <a:satOff val="0"/>
                 <a:lumOff val="0"/>
@@ -4913,7 +5111,13 @@
         <a:ln>
           <a:noFill/>
         </a:ln>
-        <a:effectLst/>
+        <a:effectLst>
+          <a:outerShdw blurRad="57150" dist="19050" dir="5400000" algn="ctr" rotWithShape="0">
+            <a:srgbClr val="000000">
+              <a:alpha val="63000"/>
+            </a:srgbClr>
+          </a:outerShdw>
+        </a:effectLst>
       </dsp:spPr>
       <dsp:style>
         <a:lnRef idx="0">
@@ -4922,7 +5126,7 @@
         <a:fillRef idx="3">
           <a:scrgbClr r="0" g="0" b="0"/>
         </a:fillRef>
-        <a:effectRef idx="2">
+        <a:effectRef idx="3">
           <a:scrgbClr r="0" g="0" b="0"/>
         </a:effectRef>
         <a:fontRef idx="minor">
@@ -4930,12 +5134,12 @@
         </a:fontRef>
       </dsp:style>
       <dsp:txBody>
-        <a:bodyPr spcFirstLastPara="0" vert="horz" wrap="square" lIns="26670" tIns="26670" rIns="26670" bIns="26670" numCol="1" spcCol="1270" anchor="ctr" anchorCtr="0">
+        <a:bodyPr spcFirstLastPara="0" vert="horz" wrap="square" lIns="49530" tIns="49530" rIns="49530" bIns="49530" numCol="1" spcCol="1270" anchor="ctr" anchorCtr="0">
           <a:noAutofit/>
         </a:bodyPr>
         <a:lstStyle/>
         <a:p>
-          <a:pPr marL="0" lvl="0" indent="0" algn="ctr" defTabSz="311150">
+          <a:pPr marL="0" lvl="0" indent="0" algn="ctr" defTabSz="577850">
             <a:lnSpc>
               <a:spcPct val="90000"/>
             </a:lnSpc>
@@ -4952,14 +5156,14 @@
               <m:sSub>
                 <m:sSubPr>
                   <m:ctrlPr>
-                    <a:rPr lang="en-US" sz="700" i="1" kern="1200" smtClean="0">
+                    <a:rPr lang="en-US" sz="1300" i="1" kern="1200" smtClean="0">
                       <a:latin typeface="Cambria Math" panose="02040503050406030204" pitchFamily="18" charset="0"/>
                     </a:rPr>
                   </m:ctrlPr>
                 </m:sSubPr>
                 <m:e>
                   <m:r>
-                    <a:rPr lang="en-US" sz="700" i="1" kern="1200" smtClean="0">
+                    <a:rPr lang="en-US" sz="1300" i="1" kern="1200" smtClean="0">
                       <a:latin typeface="Cambria Math" panose="02040503050406030204" pitchFamily="18" charset="0"/>
                       <a:ea typeface="Cambria Math" panose="02040503050406030204" pitchFamily="18" charset="0"/>
                     </a:rPr>
@@ -4971,7 +5175,7 @@
                     <m:rPr>
                       <m:sty m:val="p"/>
                     </m:rPr>
-                    <a:rPr lang="el-GR" sz="700" i="1" kern="1200" smtClean="0">
+                    <a:rPr lang="el-GR" sz="1300" i="1" kern="1200" smtClean="0">
                       <a:latin typeface="Cambria Math" panose="02040503050406030204" pitchFamily="18" charset="0"/>
                       <a:ea typeface="Cambria Math" panose="02040503050406030204" pitchFamily="18" charset="0"/>
                     </a:rPr>
@@ -4982,25 +5186,25 @@
             </m:oMath>
           </a14:m>
           <a:r>
-            <a:rPr lang="en-US" sz="700" kern="1200" dirty="0"/>
+            <a:rPr lang="en-US" sz="1300" kern="1200" dirty="0"/>
             <a:t> - Fungible</a:t>
           </a:r>
         </a:p>
       </dsp:txBody>
       <dsp:txXfrm rot="-5400000">
-        <a:off x="2259717" y="102981"/>
-        <a:ext cx="394065" cy="452948"/>
+        <a:off x="2545896" y="184789"/>
+        <a:ext cx="705816" cy="811282"/>
       </dsp:txXfrm>
     </dsp:sp>
-    <dsp:sp modelId="{C347CAC7-70CA-FB40-9842-8C106AF124D4}">
+    <dsp:sp modelId="{C7762E11-9D54-6E4E-B221-C3D8EEEFD7C6}">
       <dsp:nvSpPr>
         <dsp:cNvPr id="0" name=""/>
         <dsp:cNvSpPr/>
       </dsp:nvSpPr>
       <dsp:spPr>
         <a:xfrm>
-          <a:off x="2760368" y="132044"/>
-          <a:ext cx="734368" cy="394821"/>
+          <a:off x="3442619" y="236844"/>
+          <a:ext cx="1315338" cy="707171"/>
         </a:xfrm>
         <a:prstGeom prst="rect">
           <a:avLst/>
@@ -5024,15 +5228,15 @@
         <a:fontRef idx="minor"/>
       </dsp:style>
     </dsp:sp>
-    <dsp:sp modelId="{BE22729E-5C2B-7B47-9BC8-078A62C52558}">
+    <dsp:sp modelId="{4DAF30E9-0105-BD4D-B3D9-73FF67EBDFDB}">
       <dsp:nvSpPr>
         <dsp:cNvPr id="0" name=""/>
         <dsp:cNvSpPr/>
       </dsp:nvSpPr>
       <dsp:spPr>
         <a:xfrm rot="5400000">
-          <a:off x="1509441" y="43209"/>
-          <a:ext cx="658036" cy="572491"/>
+          <a:off x="1202065" y="77731"/>
+          <a:ext cx="1178618" cy="1025398"/>
         </a:xfrm>
         <a:prstGeom prst="hexagon">
           <a:avLst>
@@ -5043,7 +5247,7 @@
         <a:gradFill rotWithShape="0">
           <a:gsLst>
             <a:gs pos="0">
-              <a:schemeClr val="dk2">
+              <a:schemeClr val="accent3">
                 <a:hueOff val="0"/>
                 <a:satOff val="0"/>
                 <a:lumOff val="0"/>
@@ -5054,7 +5258,7 @@
               </a:schemeClr>
             </a:gs>
             <a:gs pos="50000">
-              <a:schemeClr val="dk2">
+              <a:schemeClr val="accent3">
                 <a:hueOff val="0"/>
                 <a:satOff val="0"/>
                 <a:lumOff val="0"/>
@@ -5065,7 +5269,7 @@
               </a:schemeClr>
             </a:gs>
             <a:gs pos="100000">
-              <a:schemeClr val="dk2">
+              <a:schemeClr val="accent3">
                 <a:hueOff val="0"/>
                 <a:satOff val="0"/>
                 <a:lumOff val="0"/>
@@ -5081,7 +5285,13 @@
         <a:ln>
           <a:noFill/>
         </a:ln>
-        <a:effectLst/>
+        <a:effectLst>
+          <a:outerShdw blurRad="57150" dist="19050" dir="5400000" algn="ctr" rotWithShape="0">
+            <a:srgbClr val="000000">
+              <a:alpha val="63000"/>
+            </a:srgbClr>
+          </a:outerShdw>
+        </a:effectLst>
       </dsp:spPr>
       <dsp:style>
         <a:lnRef idx="0">
@@ -5090,7 +5300,7 @@
         <a:fillRef idx="3">
           <a:scrgbClr r="0" g="0" b="0"/>
         </a:fillRef>
-        <a:effectRef idx="2">
+        <a:effectRef idx="3">
           <a:scrgbClr r="0" g="0" b="0"/>
         </a:effectRef>
         <a:fontRef idx="minor">
@@ -5103,7 +5313,7 @@
         </a:bodyPr>
         <a:lstStyle/>
         <a:p>
-          <a:pPr marL="0" lvl="0" indent="0" algn="ctr" defTabSz="1422400">
+          <a:pPr marL="0" lvl="0" indent="0" algn="ctr" defTabSz="1600200">
             <a:lnSpc>
               <a:spcPct val="90000"/>
             </a:lnSpc>
@@ -5115,23 +5325,23 @@
             </a:spcAft>
             <a:buNone/>
           </a:pPr>
-          <a:endParaRPr lang="en-US" sz="3200" kern="1200"/>
+          <a:endParaRPr lang="en-US" sz="3600" kern="1200"/>
         </a:p>
       </dsp:txBody>
       <dsp:txXfrm rot="-5400000">
-        <a:off x="1641426" y="102981"/>
-        <a:ext cx="394065" cy="452948"/>
+        <a:off x="1438466" y="184789"/>
+        <a:ext cx="705816" cy="811282"/>
       </dsp:txXfrm>
     </dsp:sp>
-    <dsp:sp modelId="{75B7554C-58CD-0040-B9E2-57CAFBF8E184}">
+    <dsp:sp modelId="{96C67DEE-A3AE-C947-B553-8005FB7E2048}">
       <dsp:nvSpPr>
         <dsp:cNvPr id="0" name=""/>
         <dsp:cNvSpPr/>
       </dsp:nvSpPr>
       <dsp:spPr>
         <a:xfrm rot="5400000">
-          <a:off x="1817402" y="601751"/>
-          <a:ext cx="658036" cy="572491"/>
+          <a:off x="1753658" y="1078142"/>
+          <a:ext cx="1178618" cy="1025398"/>
         </a:xfrm>
         <a:prstGeom prst="hexagon">
           <a:avLst>
@@ -5142,7 +5352,7 @@
         <a:gradFill rotWithShape="0">
           <a:gsLst>
             <a:gs pos="0">
-              <a:schemeClr val="dk2">
+              <a:schemeClr val="accent4">
                 <a:hueOff val="0"/>
                 <a:satOff val="0"/>
                 <a:lumOff val="0"/>
@@ -5153,7 +5363,7 @@
               </a:schemeClr>
             </a:gs>
             <a:gs pos="50000">
-              <a:schemeClr val="dk2">
+              <a:schemeClr val="accent4">
                 <a:hueOff val="0"/>
                 <a:satOff val="0"/>
                 <a:lumOff val="0"/>
@@ -5164,7 +5374,7 @@
               </a:schemeClr>
             </a:gs>
             <a:gs pos="100000">
-              <a:schemeClr val="dk2">
+              <a:schemeClr val="accent4">
                 <a:hueOff val="0"/>
                 <a:satOff val="0"/>
                 <a:lumOff val="0"/>
@@ -5180,7 +5390,13 @@
         <a:ln>
           <a:noFill/>
         </a:ln>
-        <a:effectLst/>
+        <a:effectLst>
+          <a:outerShdw blurRad="57150" dist="19050" dir="5400000" algn="ctr" rotWithShape="0">
+            <a:srgbClr val="000000">
+              <a:alpha val="63000"/>
+            </a:srgbClr>
+          </a:outerShdw>
+        </a:effectLst>
       </dsp:spPr>
       <dsp:style>
         <a:lnRef idx="0">
@@ -5189,7 +5405,7 @@
         <a:fillRef idx="3">
           <a:scrgbClr r="0" g="0" b="0"/>
         </a:fillRef>
-        <a:effectRef idx="2">
+        <a:effectRef idx="3">
           <a:scrgbClr r="0" g="0" b="0"/>
         </a:effectRef>
         <a:fontRef idx="minor">
@@ -5197,12 +5413,12 @@
         </a:fontRef>
       </dsp:style>
       <dsp:txBody>
-        <a:bodyPr spcFirstLastPara="0" vert="horz" wrap="square" lIns="26670" tIns="26670" rIns="26670" bIns="26670" numCol="1" spcCol="1270" anchor="ctr" anchorCtr="0">
+        <a:bodyPr spcFirstLastPara="0" vert="horz" wrap="square" lIns="49530" tIns="49530" rIns="49530" bIns="49530" numCol="1" spcCol="1270" anchor="ctr" anchorCtr="0">
           <a:noAutofit/>
         </a:bodyPr>
         <a:lstStyle/>
         <a:p>
-          <a:pPr marL="0" lvl="0" indent="0" algn="ctr" defTabSz="311150">
+          <a:pPr marL="0" lvl="0" indent="0" algn="ctr" defTabSz="577850">
             <a:lnSpc>
               <a:spcPct val="90000"/>
             </a:lnSpc>
@@ -5219,14 +5435,14 @@
               <m:sSub>
                 <m:sSubPr>
                   <m:ctrlPr>
-                    <a:rPr lang="en-US" sz="700" i="1" kern="1200" smtClean="0">
+                    <a:rPr lang="en-US" sz="1300" i="1" kern="1200" smtClean="0">
                       <a:latin typeface="Cambria Math" panose="02040503050406030204" pitchFamily="18" charset="0"/>
                     </a:rPr>
                   </m:ctrlPr>
                 </m:sSubPr>
                 <m:e>
                   <m:r>
-                    <a:rPr lang="en-US" sz="700" i="1" kern="1200" smtClean="0">
+                    <a:rPr lang="en-US" sz="1300" i="1" kern="1200" smtClean="0">
                       <a:latin typeface="Cambria Math" panose="02040503050406030204" pitchFamily="18" charset="0"/>
                       <a:ea typeface="Cambria Math" panose="02040503050406030204" pitchFamily="18" charset="0"/>
                     </a:rPr>
@@ -5238,7 +5454,7 @@
                     <m:rPr>
                       <m:sty m:val="p"/>
                     </m:rPr>
-                    <a:rPr lang="el-GR" sz="700" i="1" kern="1200" smtClean="0">
+                    <a:rPr lang="el-GR" sz="1300" i="1" kern="1200" smtClean="0">
                       <a:latin typeface="Cambria Math" panose="02040503050406030204" pitchFamily="18" charset="0"/>
                       <a:ea typeface="Cambria Math" panose="02040503050406030204" pitchFamily="18" charset="0"/>
                     </a:rPr>
@@ -5249,25 +5465,25 @@
             </m:oMath>
           </a14:m>
           <a:r>
-            <a:rPr lang="en-US" sz="700" kern="1200" dirty="0"/>
+            <a:rPr lang="en-US" sz="1300" kern="1200" dirty="0"/>
             <a:t>- Non-fungible</a:t>
           </a:r>
         </a:p>
       </dsp:txBody>
       <dsp:txXfrm rot="-5400000">
-        <a:off x="1949387" y="661523"/>
-        <a:ext cx="394065" cy="452948"/>
+        <a:off x="1990059" y="1185200"/>
+        <a:ext cx="705816" cy="811282"/>
       </dsp:txXfrm>
     </dsp:sp>
-    <dsp:sp modelId="{02BE8325-2C3E-244F-995F-38049B66B679}">
+    <dsp:sp modelId="{26222AA6-48C7-EB4D-9727-B591B886BA18}">
       <dsp:nvSpPr>
         <dsp:cNvPr id="0" name=""/>
         <dsp:cNvSpPr/>
       </dsp:nvSpPr>
       <dsp:spPr>
         <a:xfrm>
-          <a:off x="1125806" y="690586"/>
-          <a:ext cx="710679" cy="394821"/>
+          <a:off x="514930" y="1237256"/>
+          <a:ext cx="1272908" cy="707171"/>
         </a:xfrm>
         <a:prstGeom prst="rect">
           <a:avLst/>
@@ -5291,15 +5507,15 @@
         <a:fontRef idx="minor"/>
       </dsp:style>
     </dsp:sp>
-    <dsp:sp modelId="{47CA118B-57D7-9745-BF2B-375D4474BF80}">
+    <dsp:sp modelId="{65C2C3F5-B5A7-E442-B0EA-4007918E81E9}">
       <dsp:nvSpPr>
         <dsp:cNvPr id="0" name=""/>
         <dsp:cNvSpPr/>
       </dsp:nvSpPr>
       <dsp:spPr>
         <a:xfrm rot="5400000">
-          <a:off x="2435693" y="601751"/>
-          <a:ext cx="658036" cy="572491"/>
+          <a:off x="2861088" y="1078142"/>
+          <a:ext cx="1178618" cy="1025398"/>
         </a:xfrm>
         <a:prstGeom prst="hexagon">
           <a:avLst>
@@ -5310,7 +5526,7 @@
         <a:gradFill rotWithShape="0">
           <a:gsLst>
             <a:gs pos="0">
-              <a:schemeClr val="dk2">
+              <a:schemeClr val="accent5">
                 <a:hueOff val="0"/>
                 <a:satOff val="0"/>
                 <a:lumOff val="0"/>
@@ -5321,7 +5537,7 @@
               </a:schemeClr>
             </a:gs>
             <a:gs pos="50000">
-              <a:schemeClr val="dk2">
+              <a:schemeClr val="accent5">
                 <a:hueOff val="0"/>
                 <a:satOff val="0"/>
                 <a:lumOff val="0"/>
@@ -5332,7 +5548,7 @@
               </a:schemeClr>
             </a:gs>
             <a:gs pos="100000">
-              <a:schemeClr val="dk2">
+              <a:schemeClr val="accent5">
                 <a:hueOff val="0"/>
                 <a:satOff val="0"/>
                 <a:lumOff val="0"/>
@@ -5348,7 +5564,13 @@
         <a:ln>
           <a:noFill/>
         </a:ln>
-        <a:effectLst/>
+        <a:effectLst>
+          <a:outerShdw blurRad="57150" dist="19050" dir="5400000" algn="ctr" rotWithShape="0">
+            <a:srgbClr val="000000">
+              <a:alpha val="63000"/>
+            </a:srgbClr>
+          </a:outerShdw>
+        </a:effectLst>
       </dsp:spPr>
       <dsp:style>
         <a:lnRef idx="0">
@@ -5357,7 +5579,7 @@
         <a:fillRef idx="3">
           <a:scrgbClr r="0" g="0" b="0"/>
         </a:fillRef>
-        <a:effectRef idx="2">
+        <a:effectRef idx="3">
           <a:scrgbClr r="0" g="0" b="0"/>
         </a:effectRef>
         <a:fontRef idx="minor">
@@ -5370,7 +5592,7 @@
         </a:bodyPr>
         <a:lstStyle/>
         <a:p>
-          <a:pPr marL="0" lvl="0" indent="0" algn="ctr" defTabSz="1422400">
+          <a:pPr marL="0" lvl="0" indent="0" algn="ctr" defTabSz="1600200">
             <a:lnSpc>
               <a:spcPct val="90000"/>
             </a:lnSpc>
@@ -5382,23 +5604,23 @@
             </a:spcAft>
             <a:buNone/>
           </a:pPr>
-          <a:endParaRPr lang="en-US" sz="3200" kern="1200"/>
+          <a:endParaRPr lang="en-US" sz="3600" kern="1200"/>
         </a:p>
       </dsp:txBody>
       <dsp:txXfrm rot="-5400000">
-        <a:off x="2567678" y="661523"/>
-        <a:ext cx="394065" cy="452948"/>
+        <a:off x="3097489" y="1185200"/>
+        <a:ext cx="705816" cy="811282"/>
       </dsp:txXfrm>
     </dsp:sp>
-    <dsp:sp modelId="{A5B3C67B-0429-0449-8237-5B0D691A2EC0}">
+    <dsp:sp modelId="{2A11075B-21D4-7547-88B1-E65CB0D3C14A}">
       <dsp:nvSpPr>
         <dsp:cNvPr id="0" name=""/>
         <dsp:cNvSpPr/>
       </dsp:nvSpPr>
       <dsp:spPr>
         <a:xfrm rot="5400000">
-          <a:off x="2127732" y="1160292"/>
-          <a:ext cx="658036" cy="572491"/>
+          <a:off x="2309495" y="2078554"/>
+          <a:ext cx="1178618" cy="1025398"/>
         </a:xfrm>
         <a:prstGeom prst="hexagon">
           <a:avLst>
@@ -5409,7 +5631,7 @@
         <a:gradFill rotWithShape="0">
           <a:gsLst>
             <a:gs pos="0">
-              <a:schemeClr val="dk2">
+              <a:schemeClr val="accent6">
                 <a:hueOff val="0"/>
                 <a:satOff val="0"/>
                 <a:lumOff val="0"/>
@@ -5420,7 +5642,7 @@
               </a:schemeClr>
             </a:gs>
             <a:gs pos="50000">
-              <a:schemeClr val="dk2">
+              <a:schemeClr val="accent6">
                 <a:hueOff val="0"/>
                 <a:satOff val="0"/>
                 <a:lumOff val="0"/>
@@ -5431,7 +5653,7 @@
               </a:schemeClr>
             </a:gs>
             <a:gs pos="100000">
-              <a:schemeClr val="dk2">
+              <a:schemeClr val="accent6">
                 <a:hueOff val="0"/>
                 <a:satOff val="0"/>
                 <a:lumOff val="0"/>
@@ -5447,7 +5669,13 @@
         <a:ln>
           <a:noFill/>
         </a:ln>
-        <a:effectLst/>
+        <a:effectLst>
+          <a:outerShdw blurRad="57150" dist="19050" dir="5400000" algn="ctr" rotWithShape="0">
+            <a:srgbClr val="000000">
+              <a:alpha val="63000"/>
+            </a:srgbClr>
+          </a:outerShdw>
+        </a:effectLst>
       </dsp:spPr>
       <dsp:style>
         <a:lnRef idx="0">
@@ -5456,7 +5684,7 @@
         <a:fillRef idx="3">
           <a:scrgbClr r="0" g="0" b="0"/>
         </a:fillRef>
-        <a:effectRef idx="2">
+        <a:effectRef idx="3">
           <a:scrgbClr r="0" g="0" b="0"/>
         </a:effectRef>
         <a:fontRef idx="minor">
@@ -5464,12 +5692,12 @@
         </a:fontRef>
       </dsp:style>
       <dsp:txBody>
-        <a:bodyPr spcFirstLastPara="0" vert="horz" wrap="square" lIns="30480" tIns="30480" rIns="30480" bIns="30480" numCol="1" spcCol="1270" anchor="ctr" anchorCtr="0">
+        <a:bodyPr spcFirstLastPara="0" vert="horz" wrap="square" lIns="49530" tIns="49530" rIns="49530" bIns="49530" numCol="1" spcCol="1270" anchor="ctr" anchorCtr="0">
           <a:noAutofit/>
         </a:bodyPr>
         <a:lstStyle/>
         <a:p>
-          <a:pPr marL="0" lvl="0" indent="0" algn="ctr" defTabSz="355600">
+          <a:pPr marL="0" lvl="0" indent="0" algn="ctr" defTabSz="577850">
             <a:lnSpc>
               <a:spcPct val="90000"/>
             </a:lnSpc>
@@ -5482,53 +5710,49 @@
             <a:buNone/>
           </a:pPr>
           <a:r>
-            <a:rPr lang="el-GR" sz="800" b="1" i="0" kern="1200" dirty="0"/>
+            <a:rPr lang="el-GR" sz="1300" b="1" i="0" kern="1200"/>
             <a:t>τ</a:t>
           </a:r>
           <a:r>
-            <a:rPr lang="en-US" sz="800" b="1" i="0" kern="1200" baseline="-25000" dirty="0"/>
+            <a:rPr lang="en-US" sz="1300" b="1" i="0" kern="1200" baseline="-25000"/>
             <a:t>N</a:t>
           </a:r>
           <a:r>
-            <a:rPr lang="en-US" sz="800" b="1" i="0" kern="1200" dirty="0"/>
+            <a:rPr lang="en-US" sz="1300" b="1" i="0" kern="1200"/>
             <a:t>(</a:t>
           </a:r>
           <a:r>
-            <a:rPr lang="el-GR" sz="800" b="1" i="0" kern="1200" dirty="0"/>
+            <a:rPr lang="el-GR" sz="1300" b="1" i="0" kern="1200"/>
             <a:t>τ</a:t>
           </a:r>
           <a:r>
-            <a:rPr lang="en-US" sz="800" b="1" i="0" kern="1200" baseline="-25000" dirty="0"/>
+            <a:rPr lang="en-US" sz="1300" b="1" i="0" kern="1200" baseline="-25000"/>
             <a:t>F</a:t>
           </a:r>
           <a:r>
-            <a:rPr lang="en-US" sz="800" b="1" i="0" kern="1200" dirty="0"/>
+            <a:rPr lang="en-US" sz="1300" b="1" i="0" kern="1200"/>
             <a:t>)</a:t>
           </a:r>
           <a:r>
-            <a:rPr lang="en-US" sz="800" kern="1200" dirty="0"/>
-            <a:t>- </a:t>
-          </a:r>
-          <a:r>
-            <a:rPr lang="en-US" sz="700" kern="1200" dirty="0"/>
-            <a:t>Hybrids</a:t>
+            <a:rPr lang="en-US" sz="1300" kern="1200"/>
+            <a:t>- Hybrids</a:t>
           </a:r>
         </a:p>
       </dsp:txBody>
       <dsp:txXfrm rot="-5400000">
-        <a:off x="2259717" y="1220064"/>
-        <a:ext cx="394065" cy="452948"/>
+        <a:off x="2545896" y="2185612"/>
+        <a:ext cx="705816" cy="811282"/>
       </dsp:txXfrm>
     </dsp:sp>
-    <dsp:sp modelId="{177E9386-E57E-0640-AEE0-B0DB2E98A84B}">
+    <dsp:sp modelId="{30FDCA0B-52BB-CA44-85F2-F5113BA553A9}">
       <dsp:nvSpPr>
         <dsp:cNvPr id="0" name=""/>
         <dsp:cNvSpPr/>
       </dsp:nvSpPr>
       <dsp:spPr>
         <a:xfrm>
-          <a:off x="2760368" y="1249127"/>
-          <a:ext cx="734368" cy="394821"/>
+          <a:off x="3442619" y="2237667"/>
+          <a:ext cx="1315338" cy="707171"/>
         </a:xfrm>
         <a:prstGeom prst="rect">
           <a:avLst/>
@@ -5552,15 +5776,15 @@
         <a:fontRef idx="minor"/>
       </dsp:style>
     </dsp:sp>
-    <dsp:sp modelId="{241A42D5-8F4F-EC42-8F5A-9E434D117700}">
+    <dsp:sp modelId="{A32FA285-6EDB-5144-B691-99F614A64C94}">
       <dsp:nvSpPr>
         <dsp:cNvPr id="0" name=""/>
         <dsp:cNvSpPr/>
       </dsp:nvSpPr>
       <dsp:spPr>
         <a:xfrm rot="5400000">
-          <a:off x="1509441" y="1160292"/>
-          <a:ext cx="658036" cy="572491"/>
+          <a:off x="1202065" y="2078554"/>
+          <a:ext cx="1178618" cy="1025398"/>
         </a:xfrm>
         <a:prstGeom prst="hexagon">
           <a:avLst>
@@ -5571,7 +5795,7 @@
         <a:gradFill rotWithShape="0">
           <a:gsLst>
             <a:gs pos="0">
-              <a:schemeClr val="dk2">
+              <a:schemeClr val="accent2">
                 <a:hueOff val="0"/>
                 <a:satOff val="0"/>
                 <a:lumOff val="0"/>
@@ -5582,7 +5806,7 @@
               </a:schemeClr>
             </a:gs>
             <a:gs pos="50000">
-              <a:schemeClr val="dk2">
+              <a:schemeClr val="accent2">
                 <a:hueOff val="0"/>
                 <a:satOff val="0"/>
                 <a:lumOff val="0"/>
@@ -5593,7 +5817,7 @@
               </a:schemeClr>
             </a:gs>
             <a:gs pos="100000">
-              <a:schemeClr val="dk2">
+              <a:schemeClr val="accent2">
                 <a:hueOff val="0"/>
                 <a:satOff val="0"/>
                 <a:lumOff val="0"/>
@@ -5609,7 +5833,13 @@
         <a:ln>
           <a:noFill/>
         </a:ln>
-        <a:effectLst/>
+        <a:effectLst>
+          <a:outerShdw blurRad="57150" dist="19050" dir="5400000" algn="ctr" rotWithShape="0">
+            <a:srgbClr val="000000">
+              <a:alpha val="63000"/>
+            </a:srgbClr>
+          </a:outerShdw>
+        </a:effectLst>
       </dsp:spPr>
       <dsp:style>
         <a:lnRef idx="0">
@@ -5618,7 +5848,7 @@
         <a:fillRef idx="3">
           <a:scrgbClr r="0" g="0" b="0"/>
         </a:fillRef>
-        <a:effectRef idx="2">
+        <a:effectRef idx="3">
           <a:scrgbClr r="0" g="0" b="0"/>
         </a:effectRef>
         <a:fontRef idx="minor">
@@ -5631,7 +5861,7 @@
         </a:bodyPr>
         <a:lstStyle/>
         <a:p>
-          <a:pPr marL="0" lvl="0" indent="0" algn="ctr" defTabSz="1422400">
+          <a:pPr marL="0" lvl="0" indent="0" algn="ctr" defTabSz="1600200">
             <a:lnSpc>
               <a:spcPct val="90000"/>
             </a:lnSpc>
@@ -5643,12 +5873,12 @@
             </a:spcAft>
             <a:buNone/>
           </a:pPr>
-          <a:endParaRPr lang="en-US" sz="3200" kern="1200"/>
+          <a:endParaRPr lang="en-US" sz="3600" kern="1200"/>
         </a:p>
       </dsp:txBody>
       <dsp:txXfrm rot="-5400000">
-        <a:off x="1641426" y="1220064"/>
-        <a:ext cx="394065" cy="452948"/>
+        <a:off x="1438466" y="2185612"/>
+        <a:ext cx="705816" cy="811282"/>
       </dsp:txXfrm>
     </dsp:sp>
   </dsp:spTree>
@@ -5670,7 +5900,7 @@
       </dsp:nvSpPr>
       <dsp:spPr>
         <a:xfrm>
-          <a:off x="0" y="303192"/>
+          <a:off x="0" y="129312"/>
           <a:ext cx="6513603" cy="575639"/>
         </a:xfrm>
         <a:prstGeom prst="roundRect">
@@ -5758,7 +5988,7 @@
         </a:p>
       </dsp:txBody>
       <dsp:txXfrm>
-        <a:off x="28100" y="331292"/>
+        <a:off x="28100" y="157412"/>
         <a:ext cx="6457403" cy="519439"/>
       </dsp:txXfrm>
     </dsp:sp>
@@ -5769,8 +5999,8 @@
       </dsp:nvSpPr>
       <dsp:spPr>
         <a:xfrm>
-          <a:off x="0" y="878832"/>
-          <a:ext cx="6513603" cy="2235600"/>
+          <a:off x="0" y="704952"/>
+          <a:ext cx="6513603" cy="2583360"/>
         </a:xfrm>
         <a:prstGeom prst="rect">
           <a:avLst/>
@@ -5906,10 +6136,28 @@
             <a:t>Link to known implementations, code and references</a:t>
           </a:r>
         </a:p>
+        <a:p>
+          <a:pPr marL="171450" lvl="1" indent="-171450" algn="l" defTabSz="844550">
+            <a:lnSpc>
+              <a:spcPct val="90000"/>
+            </a:lnSpc>
+            <a:spcBef>
+              <a:spcPct val="0"/>
+            </a:spcBef>
+            <a:spcAft>
+              <a:spcPct val="20000"/>
+            </a:spcAft>
+            <a:buChar char="•"/>
+          </a:pPr>
+          <a:r>
+            <a:rPr lang="en-US" sz="1900" kern="1200" dirty="0"/>
+            <a:t>Tools for browsing, contributing and building</a:t>
+          </a:r>
+        </a:p>
       </dsp:txBody>
       <dsp:txXfrm>
-        <a:off x="0" y="878832"/>
-        <a:ext cx="6513603" cy="2235600"/>
+        <a:off x="0" y="704952"/>
+        <a:ext cx="6513603" cy="2583360"/>
       </dsp:txXfrm>
     </dsp:sp>
     <dsp:sp modelId="{D37A2BEE-DB9F-FF43-A669-524709ECD0CF}">
@@ -5919,7 +6167,7 @@
       </dsp:nvSpPr>
       <dsp:spPr>
         <a:xfrm>
-          <a:off x="0" y="3114433"/>
+          <a:off x="0" y="3288313"/>
           <a:ext cx="6513603" cy="575639"/>
         </a:xfrm>
         <a:prstGeom prst="roundRect">
@@ -6007,7 +6255,7 @@
         </a:p>
       </dsp:txBody>
       <dsp:txXfrm>
-        <a:off x="28100" y="3142533"/>
+        <a:off x="28100" y="3316413"/>
         <a:ext cx="6457403" cy="519439"/>
       </dsp:txXfrm>
     </dsp:sp>
@@ -6018,7 +6266,7 @@
       </dsp:nvSpPr>
       <dsp:spPr>
         <a:xfrm>
-          <a:off x="0" y="3690073"/>
+          <a:off x="0" y="3863953"/>
           <a:ext cx="6513603" cy="658260"/>
         </a:xfrm>
         <a:prstGeom prst="rect">
@@ -6085,7 +6333,7 @@
         </a:p>
       </dsp:txBody>
       <dsp:txXfrm>
-        <a:off x="0" y="3690073"/>
+        <a:off x="0" y="3863953"/>
         <a:ext cx="6513603" cy="658260"/>
       </dsp:txXfrm>
     </dsp:sp>
@@ -6096,7 +6344,7 @@
       </dsp:nvSpPr>
       <dsp:spPr>
         <a:xfrm>
-          <a:off x="0" y="4348333"/>
+          <a:off x="0" y="4522213"/>
           <a:ext cx="6513603" cy="575639"/>
         </a:xfrm>
         <a:prstGeom prst="roundRect">
@@ -6184,7 +6432,7 @@
         </a:p>
       </dsp:txBody>
       <dsp:txXfrm>
-        <a:off x="28100" y="4376433"/>
+        <a:off x="28100" y="4550313"/>
         <a:ext cx="6457403" cy="519439"/>
       </dsp:txXfrm>
     </dsp:sp>
@@ -6195,7 +6443,7 @@
       </dsp:nvSpPr>
       <dsp:spPr>
         <a:xfrm>
-          <a:off x="0" y="4923973"/>
+          <a:off x="0" y="5097853"/>
           <a:ext cx="6513603" cy="658260"/>
         </a:xfrm>
         <a:prstGeom prst="rect">
@@ -6262,7 +6510,7 @@
         </a:p>
       </dsp:txBody>
       <dsp:txXfrm>
-        <a:off x="0" y="4923973"/>
+        <a:off x="0" y="5097853"/>
         <a:ext cx="6513603" cy="658260"/>
       </dsp:txXfrm>
     </dsp:sp>
@@ -8092,11 +8340,11 @@
 </file>
 
 <file path=ppt/diagrams/quickStyle2.xml><?xml version="1.0" encoding="utf-8"?>
-<dgm:styleDef xmlns:dgm="http://schemas.openxmlformats.org/drawingml/2006/diagram" xmlns:a="http://schemas.openxmlformats.org/drawingml/2006/main" uniqueId="urn:microsoft.com/office/officeart/2005/8/quickstyle/simple4">
+<dgm:styleDef xmlns:dgm="http://schemas.openxmlformats.org/drawingml/2006/diagram" xmlns:a="http://schemas.openxmlformats.org/drawingml/2006/main" uniqueId="urn:microsoft.com/office/officeart/2005/8/quickstyle/simple5">
   <dgm:title val=""/>
   <dgm:desc val=""/>
   <dgm:catLst>
-    <dgm:cat type="simple" pri="10400"/>
+    <dgm:cat type="simple" pri="10500"/>
   </dgm:catLst>
   <dgm:scene3d>
     <a:camera prst="orthographicFront"/>
@@ -8116,7 +8364,7 @@
       <a:fillRef idx="3">
         <a:scrgbClr r="0" g="0" b="0"/>
       </a:fillRef>
-      <a:effectRef idx="2">
+      <a:effectRef idx="3">
         <a:scrgbClr r="0" g="0" b="0"/>
       </a:effectRef>
       <a:fontRef idx="minor">
@@ -8132,13 +8380,13 @@
     <dgm:sp3d/>
     <dgm:txPr/>
     <dgm:style>
-      <a:lnRef idx="1">
+      <a:lnRef idx="0">
         <a:scrgbClr r="0" g="0" b="0"/>
       </a:lnRef>
       <a:fillRef idx="3">
         <a:scrgbClr r="0" g="0" b="0"/>
       </a:fillRef>
-      <a:effectRef idx="2">
+      <a:effectRef idx="3">
         <a:scrgbClr r="0" g="0" b="0"/>
       </a:effectRef>
       <a:fontRef idx="minor">
@@ -8160,7 +8408,7 @@
       <a:fillRef idx="3">
         <a:scrgbClr r="0" g="0" b="0"/>
       </a:fillRef>
-      <a:effectRef idx="0">
+      <a:effectRef idx="3">
         <a:scrgbClr r="0" g="0" b="0"/>
       </a:effectRef>
       <a:fontRef idx="minor">
@@ -8182,7 +8430,7 @@
       <a:fillRef idx="3">
         <a:scrgbClr r="0" g="0" b="0"/>
       </a:fillRef>
-      <a:effectRef idx="2">
+      <a:effectRef idx="3">
         <a:scrgbClr r="0" g="0" b="0"/>
       </a:effectRef>
       <a:fontRef idx="minor">
@@ -8204,7 +8452,7 @@
       <a:fillRef idx="3">
         <a:scrgbClr r="0" g="0" b="0"/>
       </a:fillRef>
-      <a:effectRef idx="2">
+      <a:effectRef idx="3">
         <a:scrgbClr r="0" g="0" b="0"/>
       </a:effectRef>
       <a:fontRef idx="minor">
@@ -8226,7 +8474,7 @@
       <a:fillRef idx="3">
         <a:scrgbClr r="0" g="0" b="0"/>
       </a:fillRef>
-      <a:effectRef idx="2">
+      <a:effectRef idx="3">
         <a:scrgbClr r="0" g="0" b="0"/>
       </a:effectRef>
       <a:fontRef idx="minor">
@@ -8248,7 +8496,7 @@
       <a:fillRef idx="3">
         <a:scrgbClr r="0" g="0" b="0"/>
       </a:fillRef>
-      <a:effectRef idx="2">
+      <a:effectRef idx="3">
         <a:scrgbClr r="0" g="0" b="0"/>
       </a:effectRef>
       <a:fontRef idx="minor">
@@ -8270,7 +8518,7 @@
       <a:fillRef idx="3">
         <a:scrgbClr r="0" g="0" b="0"/>
       </a:fillRef>
-      <a:effectRef idx="2">
+      <a:effectRef idx="3">
         <a:scrgbClr r="0" g="0" b="0"/>
       </a:effectRef>
       <a:fontRef idx="minor">
@@ -8292,7 +8540,7 @@
       <a:fillRef idx="1">
         <a:scrgbClr r="0" g="0" b="0"/>
       </a:fillRef>
-      <a:effectRef idx="2">
+      <a:effectRef idx="3">
         <a:scrgbClr r="0" g="0" b="0"/>
       </a:effectRef>
       <a:fontRef idx="minor"/>
@@ -8312,7 +8560,7 @@
       <a:fillRef idx="1">
         <a:scrgbClr r="0" g="0" b="0"/>
       </a:fillRef>
-      <a:effectRef idx="2">
+      <a:effectRef idx="3">
         <a:scrgbClr r="0" g="0" b="0"/>
       </a:effectRef>
       <a:fontRef idx="minor"/>
@@ -8332,7 +8580,7 @@
       <a:fillRef idx="1">
         <a:scrgbClr r="0" g="0" b="0"/>
       </a:fillRef>
-      <a:effectRef idx="2">
+      <a:effectRef idx="3">
         <a:scrgbClr r="0" g="0" b="0"/>
       </a:effectRef>
       <a:fontRef idx="minor"/>
@@ -8352,7 +8600,7 @@
       <a:fillRef idx="3">
         <a:scrgbClr r="0" g="0" b="0"/>
       </a:fillRef>
-      <a:effectRef idx="2">
+      <a:effectRef idx="3">
         <a:scrgbClr r="0" g="0" b="0"/>
       </a:effectRef>
       <a:fontRef idx="minor">
@@ -8374,7 +8622,7 @@
       <a:fillRef idx="3">
         <a:scrgbClr r="0" g="0" b="0"/>
       </a:fillRef>
-      <a:effectRef idx="2">
+      <a:effectRef idx="3">
         <a:scrgbClr r="0" g="0" b="0"/>
       </a:effectRef>
       <a:fontRef idx="minor">
@@ -8396,7 +8644,7 @@
       <a:fillRef idx="3">
         <a:scrgbClr r="0" g="0" b="0"/>
       </a:fillRef>
-      <a:effectRef idx="2">
+      <a:effectRef idx="3">
         <a:scrgbClr r="0" g="0" b="0"/>
       </a:effectRef>
       <a:fontRef idx="minor">
@@ -8432,10 +8680,10 @@
     <dgm:sp3d/>
     <dgm:txPr/>
     <dgm:style>
-      <a:lnRef idx="2">
+      <a:lnRef idx="1">
         <a:scrgbClr r="0" g="0" b="0"/>
       </a:lnRef>
-      <a:fillRef idx="1">
+      <a:fillRef idx="0">
         <a:scrgbClr r="0" g="0" b="0"/>
       </a:fillRef>
       <a:effectRef idx="1">
@@ -8458,7 +8706,7 @@
       <a:fillRef idx="3">
         <a:scrgbClr r="0" g="0" b="0"/>
       </a:fillRef>
-      <a:effectRef idx="2">
+      <a:effectRef idx="3">
         <a:scrgbClr r="0" g="0" b="0"/>
       </a:effectRef>
       <a:fontRef idx="minor">
@@ -8480,7 +8728,7 @@
       <a:fillRef idx="3">
         <a:scrgbClr r="0" g="0" b="0"/>
       </a:fillRef>
-      <a:effectRef idx="2">
+      <a:effectRef idx="3">
         <a:scrgbClr r="0" g="0" b="0"/>
       </a:effectRef>
       <a:fontRef idx="minor">
@@ -8502,7 +8750,7 @@
       <a:fillRef idx="3">
         <a:scrgbClr r="0" g="0" b="0"/>
       </a:fillRef>
-      <a:effectRef idx="2">
+      <a:effectRef idx="3">
         <a:scrgbClr r="0" g="0" b="0"/>
       </a:effectRef>
       <a:fontRef idx="minor">
@@ -8524,7 +8772,7 @@
       <a:fillRef idx="3">
         <a:scrgbClr r="0" g="0" b="0"/>
       </a:fillRef>
-      <a:effectRef idx="2">
+      <a:effectRef idx="3">
         <a:scrgbClr r="0" g="0" b="0"/>
       </a:effectRef>
       <a:fontRef idx="minor">
@@ -8546,7 +8794,7 @@
       <a:fillRef idx="3">
         <a:scrgbClr r="0" g="0" b="0"/>
       </a:fillRef>
-      <a:effectRef idx="2">
+      <a:effectRef idx="3">
         <a:scrgbClr r="0" g="0" b="0"/>
       </a:effectRef>
       <a:fontRef idx="minor">
@@ -8568,7 +8816,7 @@
       <a:fillRef idx="3">
         <a:scrgbClr r="0" g="0" b="0"/>
       </a:fillRef>
-      <a:effectRef idx="2">
+      <a:effectRef idx="3">
         <a:scrgbClr r="0" g="0" b="0"/>
       </a:effectRef>
       <a:fontRef idx="minor">
@@ -8590,7 +8838,7 @@
       <a:fillRef idx="3">
         <a:scrgbClr r="0" g="0" b="0"/>
       </a:fillRef>
-      <a:effectRef idx="2">
+      <a:effectRef idx="3">
         <a:scrgbClr r="0" g="0" b="0"/>
       </a:effectRef>
       <a:fontRef idx="minor">
@@ -8606,13 +8854,13 @@
     <dgm:sp3d/>
     <dgm:txPr/>
     <dgm:style>
-      <a:lnRef idx="1">
+      <a:lnRef idx="0">
         <a:scrgbClr r="0" g="0" b="0"/>
       </a:lnRef>
       <a:fillRef idx="3">
         <a:scrgbClr r="0" g="0" b="0"/>
       </a:fillRef>
-      <a:effectRef idx="2">
+      <a:effectRef idx="3">
         <a:scrgbClr r="0" g="0" b="0"/>
       </a:effectRef>
       <a:fontRef idx="minor">
@@ -8628,13 +8876,13 @@
     <dgm:sp3d/>
     <dgm:txPr/>
     <dgm:style>
-      <a:lnRef idx="1">
+      <a:lnRef idx="0">
         <a:scrgbClr r="0" g="0" b="0"/>
       </a:lnRef>
       <a:fillRef idx="3">
         <a:scrgbClr r="0" g="0" b="0"/>
       </a:fillRef>
-      <a:effectRef idx="2">
+      <a:effectRef idx="3">
         <a:scrgbClr r="0" g="0" b="0"/>
       </a:effectRef>
       <a:fontRef idx="minor">
@@ -8650,7 +8898,7 @@
     <dgm:sp3d/>
     <dgm:txPr/>
     <dgm:style>
-      <a:lnRef idx="1">
+      <a:lnRef idx="2">
         <a:scrgbClr r="0" g="0" b="0"/>
       </a:lnRef>
       <a:fillRef idx="0">
@@ -8670,7 +8918,7 @@
     <dgm:sp3d/>
     <dgm:txPr/>
     <dgm:style>
-      <a:lnRef idx="1">
+      <a:lnRef idx="2">
         <a:scrgbClr r="0" g="0" b="0"/>
       </a:lnRef>
       <a:fillRef idx="0">
@@ -8690,7 +8938,7 @@
     <dgm:sp3d/>
     <dgm:txPr/>
     <dgm:style>
-      <a:lnRef idx="1">
+      <a:lnRef idx="2">
         <a:scrgbClr r="0" g="0" b="0"/>
       </a:lnRef>
       <a:fillRef idx="0">
@@ -8710,7 +8958,7 @@
     <dgm:sp3d/>
     <dgm:txPr/>
     <dgm:style>
-      <a:lnRef idx="1">
+      <a:lnRef idx="2">
         <a:scrgbClr r="0" g="0" b="0"/>
       </a:lnRef>
       <a:fillRef idx="0">
@@ -8736,7 +8984,7 @@
       <a:fillRef idx="1">
         <a:scrgbClr r="0" g="0" b="0"/>
       </a:fillRef>
-      <a:effectRef idx="0">
+      <a:effectRef idx="2">
         <a:scrgbClr r="0" g="0" b="0"/>
       </a:effectRef>
       <a:fontRef idx="minor"/>
@@ -8756,7 +9004,7 @@
       <a:fillRef idx="1">
         <a:scrgbClr r="0" g="0" b="0"/>
       </a:fillRef>
-      <a:effectRef idx="0">
+      <a:effectRef idx="2">
         <a:scrgbClr r="0" g="0" b="0"/>
       </a:effectRef>
       <a:fontRef idx="minor"/>
@@ -8776,7 +9024,7 @@
       <a:fillRef idx="1">
         <a:scrgbClr r="0" g="0" b="0"/>
       </a:fillRef>
-      <a:effectRef idx="0">
+      <a:effectRef idx="2">
         <a:scrgbClr r="0" g="0" b="0"/>
       </a:effectRef>
       <a:fontRef idx="minor"/>
@@ -8816,7 +9064,7 @@
       <a:fillRef idx="1">
         <a:scrgbClr r="0" g="0" b="0"/>
       </a:fillRef>
-      <a:effectRef idx="0">
+      <a:effectRef idx="2">
         <a:scrgbClr r="0" g="0" b="0"/>
       </a:effectRef>
       <a:fontRef idx="minor"/>
@@ -8836,7 +9084,7 @@
       <a:fillRef idx="1">
         <a:scrgbClr r="0" g="0" b="0"/>
       </a:fillRef>
-      <a:effectRef idx="0">
+      <a:effectRef idx="2">
         <a:scrgbClr r="0" g="0" b="0"/>
       </a:effectRef>
       <a:fontRef idx="minor"/>
@@ -8856,7 +9104,7 @@
       <a:fillRef idx="1">
         <a:scrgbClr r="0" g="0" b="0"/>
       </a:fillRef>
-      <a:effectRef idx="0">
+      <a:effectRef idx="3">
         <a:scrgbClr r="0" g="0" b="0"/>
       </a:effectRef>
       <a:fontRef idx="minor"/>
@@ -8876,7 +9124,7 @@
       <a:fillRef idx="1">
         <a:scrgbClr r="0" g="0" b="0"/>
       </a:fillRef>
-      <a:effectRef idx="0">
+      <a:effectRef idx="3">
         <a:scrgbClr r="0" g="0" b="0"/>
       </a:effectRef>
       <a:fontRef idx="minor"/>
@@ -8896,7 +9144,7 @@
       <a:fillRef idx="1">
         <a:scrgbClr r="0" g="0" b="0"/>
       </a:fillRef>
-      <a:effectRef idx="0">
+      <a:effectRef idx="2">
         <a:scrgbClr r="0" g="0" b="0"/>
       </a:effectRef>
       <a:fontRef idx="minor"/>
@@ -8916,7 +9164,7 @@
       <a:fillRef idx="1">
         <a:scrgbClr r="0" g="0" b="0"/>
       </a:fillRef>
-      <a:effectRef idx="0">
+      <a:effectRef idx="2">
         <a:scrgbClr r="0" g="0" b="0"/>
       </a:effectRef>
       <a:fontRef idx="minor"/>
@@ -8936,7 +9184,7 @@
       <a:fillRef idx="1">
         <a:scrgbClr r="0" g="0" b="0"/>
       </a:fillRef>
-      <a:effectRef idx="0">
+      <a:effectRef idx="2">
         <a:scrgbClr r="0" g="0" b="0"/>
       </a:effectRef>
       <a:fontRef idx="minor"/>
@@ -8956,7 +9204,7 @@
       <a:fillRef idx="1">
         <a:scrgbClr r="0" g="0" b="0"/>
       </a:fillRef>
-      <a:effectRef idx="0">
+      <a:effectRef idx="2">
         <a:scrgbClr r="0" g="0" b="0"/>
       </a:effectRef>
       <a:fontRef idx="minor"/>
@@ -8976,7 +9224,7 @@
       <a:fillRef idx="1">
         <a:scrgbClr r="0" g="0" b="0"/>
       </a:fillRef>
-      <a:effectRef idx="0">
+      <a:effectRef idx="2">
         <a:scrgbClr r="0" g="0" b="0"/>
       </a:effectRef>
       <a:fontRef idx="minor"/>
@@ -8996,7 +9244,7 @@
       <a:fillRef idx="1">
         <a:scrgbClr r="0" g="0" b="0"/>
       </a:fillRef>
-      <a:effectRef idx="0">
+      <a:effectRef idx="2">
         <a:scrgbClr r="0" g="0" b="0"/>
       </a:effectRef>
       <a:fontRef idx="minor"/>
@@ -9016,7 +9264,7 @@
       <a:fillRef idx="1">
         <a:scrgbClr r="0" g="0" b="0"/>
       </a:fillRef>
-      <a:effectRef idx="0">
+      <a:effectRef idx="2">
         <a:scrgbClr r="0" g="0" b="0"/>
       </a:effectRef>
       <a:fontRef idx="minor"/>
@@ -9056,7 +9304,7 @@
       <a:fillRef idx="1">
         <a:scrgbClr r="0" g="0" b="0"/>
       </a:fillRef>
-      <a:effectRef idx="2">
+      <a:effectRef idx="3">
         <a:scrgbClr r="0" g="0" b="0"/>
       </a:effectRef>
       <a:fontRef idx="minor"/>
@@ -9096,7 +9344,7 @@
       <a:fillRef idx="3">
         <a:scrgbClr r="0" g="0" b="0"/>
       </a:fillRef>
-      <a:effectRef idx="2">
+      <a:effectRef idx="3">
         <a:scrgbClr r="0" g="0" b="0"/>
       </a:effectRef>
       <a:fontRef idx="minor"/>
@@ -10241,7 +10489,7 @@
           <a:p>
             <a:fld id="{A013F9EE-546F-F94B-AA97-D1AE3791A433}" type="datetimeFigureOut">
               <a:rPr lang="en-US" smtClean="0"/>
-              <a:t>5/12/19</a:t>
+              <a:t>6/1/19</a:t>
             </a:fld>
             <a:endParaRPr lang="en-US"/>
           </a:p>
@@ -11480,7 +11728,7 @@
           <a:p>
             <a:fld id="{8FB96D9D-38FC-CC46-A0CB-E098219B0086}" type="datetime1">
               <a:rPr lang="en-US" smtClean="0"/>
-              <a:t>5/12/19</a:t>
+              <a:t>6/1/19</a:t>
             </a:fld>
             <a:endParaRPr lang="en-US"/>
           </a:p>
@@ -11813,7 +12061,7 @@
           <a:p>
             <a:fld id="{942A70B8-4309-F34F-96D0-97FCD407878B}" type="datetime1">
               <a:rPr lang="en-US" smtClean="0"/>
-              <a:t>5/12/19</a:t>
+              <a:t>6/1/19</a:t>
             </a:fld>
             <a:endParaRPr lang="en-US"/>
           </a:p>
@@ -12024,7 +12272,7 @@
           <a:p>
             <a:fld id="{89C80109-A0CB-5341-BC57-ABFEFDDC8893}" type="datetime1">
               <a:rPr lang="en-US" smtClean="0"/>
-              <a:t>5/12/19</a:t>
+              <a:t>6/1/19</a:t>
             </a:fld>
             <a:endParaRPr lang="en-US"/>
           </a:p>
@@ -12225,7 +12473,7 @@
           <a:p>
             <a:fld id="{BAA7B42C-993D-274B-B3BA-F75F4CCEEEC2}" type="datetime1">
               <a:rPr lang="en-US" smtClean="0"/>
-              <a:t>5/12/19</a:t>
+              <a:t>6/1/19</a:t>
             </a:fld>
             <a:endParaRPr lang="en-US"/>
           </a:p>
@@ -12508,7 +12756,7 @@
           <a:p>
             <a:fld id="{8F5AFB48-8B18-D340-A907-4693B63406A7}" type="datetime1">
               <a:rPr lang="en-US" smtClean="0"/>
-              <a:t>5/12/19</a:t>
+              <a:t>6/1/19</a:t>
             </a:fld>
             <a:endParaRPr lang="en-US"/>
           </a:p>
@@ -12782,7 +13030,7 @@
           <a:p>
             <a:fld id="{79170321-5248-5D47-965E-40E4540BD6B0}" type="datetime1">
               <a:rPr lang="en-US" smtClean="0"/>
-              <a:t>5/12/19</a:t>
+              <a:t>6/1/19</a:t>
             </a:fld>
             <a:endParaRPr lang="en-US"/>
           </a:p>
@@ -13197,7 +13445,7 @@
           <a:p>
             <a:fld id="{E8E7030F-BB52-314F-94F2-2E12B55397BB}" type="datetime1">
               <a:rPr lang="en-US" smtClean="0"/>
-              <a:t>5/12/19</a:t>
+              <a:t>6/1/19</a:t>
             </a:fld>
             <a:endParaRPr lang="en-US"/>
           </a:p>
@@ -13341,7 +13589,7 @@
           <a:p>
             <a:fld id="{C27E58A0-BB55-0148-878B-2816E139BA78}" type="datetime1">
               <a:rPr lang="en-US" smtClean="0"/>
-              <a:t>5/12/19</a:t>
+              <a:t>6/1/19</a:t>
             </a:fld>
             <a:endParaRPr lang="en-US"/>
           </a:p>
@@ -13457,7 +13705,7 @@
           <a:p>
             <a:fld id="{5116CE3B-2606-EB4F-B179-D486B484EF6E}" type="datetime1">
               <a:rPr lang="en-US" smtClean="0"/>
-              <a:t>5/12/19</a:t>
+              <a:t>6/1/19</a:t>
             </a:fld>
             <a:endParaRPr lang="en-US"/>
           </a:p>
@@ -13771,7 +14019,7 @@
           <a:p>
             <a:fld id="{89F1CDCB-590D-CB49-8A9B-46077D7ADF33}" type="datetime1">
               <a:rPr lang="en-US" smtClean="0"/>
-              <a:t>5/12/19</a:t>
+              <a:t>6/1/19</a:t>
             </a:fld>
             <a:endParaRPr lang="en-US"/>
           </a:p>
@@ -14062,7 +14310,7 @@
           <a:p>
             <a:fld id="{7D96C9D8-BC1D-4648-B77D-F9F743ABE8E0}" type="datetime1">
               <a:rPr lang="en-US" smtClean="0"/>
-              <a:t>5/12/19</a:t>
+              <a:t>6/1/19</a:t>
             </a:fld>
             <a:endParaRPr lang="en-US"/>
           </a:p>
@@ -14306,7 +14554,7 @@
           <a:p>
             <a:fld id="{6AA11AF7-B255-CD4A-98A8-E461D6BAC0E7}" type="datetime1">
               <a:rPr lang="en-US" smtClean="0"/>
-              <a:t>5/12/19</a:t>
+              <a:t>6/1/19</a:t>
             </a:fld>
             <a:endParaRPr lang="en-US"/>
           </a:p>
@@ -15426,10 +15674,7 @@
     <p:bg>
       <p:bgPr>
         <a:solidFill>
-          <a:schemeClr val="bg1">
-            <a:tint val="95000"/>
-            <a:satMod val="170000"/>
-          </a:schemeClr>
+          <a:schemeClr val="bg1"/>
         </a:solidFill>
         <a:effectLst/>
       </p:bgPr>
@@ -15450,79 +15695,7 @@
       </p:grpSpPr>
       <p:pic>
         <p:nvPicPr>
-          <p:cNvPr id="17" name="Picture 16" descr="A close up of a logo&#10;&#10;Description automatically generated">
-            <a:extLst>
-              <a:ext uri="{FF2B5EF4-FFF2-40B4-BE49-F238E27FC236}">
-                <a16:creationId xmlns:a16="http://schemas.microsoft.com/office/drawing/2014/main" id="{35338384-D688-724E-A67A-3C633E3ED446}"/>
-              </a:ext>
-            </a:extLst>
-          </p:cNvPr>
-          <p:cNvPicPr>
-            <a:picLocks noChangeAspect="1"/>
-          </p:cNvPicPr>
-          <p:nvPr/>
-        </p:nvPicPr>
-        <p:blipFill rotWithShape="1">
-          <a:blip r:embed="rId2"/>
-          <a:srcRect t="11818" r="1" b="9325"/>
-          <a:stretch/>
-        </p:blipFill>
-        <p:spPr>
-          <a:xfrm>
-            <a:off x="6185051" y="10"/>
-            <a:ext cx="5997632" cy="6857990"/>
-          </a:xfrm>
-          <a:custGeom>
-            <a:avLst/>
-            <a:gdLst>
-              <a:gd name="connsiteX0" fmla="*/ 0 w 5997632"/>
-              <a:gd name="connsiteY0" fmla="*/ 0 h 6858000"/>
-              <a:gd name="connsiteX1" fmla="*/ 5997632 w 5997632"/>
-              <a:gd name="connsiteY1" fmla="*/ 0 h 6858000"/>
-              <a:gd name="connsiteX2" fmla="*/ 5997632 w 5997632"/>
-              <a:gd name="connsiteY2" fmla="*/ 6858000 h 6858000"/>
-              <a:gd name="connsiteX3" fmla="*/ 3178693 w 5997632"/>
-              <a:gd name="connsiteY3" fmla="*/ 6858000 h 6858000"/>
-            </a:gdLst>
-            <a:ahLst/>
-            <a:cxnLst>
-              <a:cxn ang="0">
-                <a:pos x="connsiteX0" y="connsiteY0"/>
-              </a:cxn>
-              <a:cxn ang="0">
-                <a:pos x="connsiteX1" y="connsiteY1"/>
-              </a:cxn>
-              <a:cxn ang="0">
-                <a:pos x="connsiteX2" y="connsiteY2"/>
-              </a:cxn>
-              <a:cxn ang="0">
-                <a:pos x="connsiteX3" y="connsiteY3"/>
-              </a:cxn>
-            </a:cxnLst>
-            <a:rect l="l" t="t" r="r" b="b"/>
-            <a:pathLst>
-              <a:path w="5997632" h="6858000">
-                <a:moveTo>
-                  <a:pt x="0" y="0"/>
-                </a:moveTo>
-                <a:lnTo>
-                  <a:pt x="5997632" y="0"/>
-                </a:lnTo>
-                <a:lnTo>
-                  <a:pt x="5997632" y="6858000"/>
-                </a:lnTo>
-                <a:lnTo>
-                  <a:pt x="3178693" y="6858000"/>
-                </a:lnTo>
-                <a:close/>
-              </a:path>
-            </a:pathLst>
-          </a:custGeom>
-        </p:spPr>
-      </p:pic>
-      <p:pic>
-        <p:nvPicPr>
-          <p:cNvPr id="15" name="Picture 14" descr="A screenshot of a cell phone&#10;&#10;Description automatically generated">
+          <p:cNvPr id="15" name="Picture 14">
             <a:extLst>
               <a:ext uri="{FF2B5EF4-FFF2-40B4-BE49-F238E27FC236}">
                 <a16:creationId xmlns:a16="http://schemas.microsoft.com/office/drawing/2014/main" id="{990E77E7-880B-0842-9C2A-2300A1FACF5C}"/>
@@ -15535,77 +15708,124 @@
           <p:nvPr/>
         </p:nvPicPr>
         <p:blipFill rotWithShape="1">
-          <a:blip r:embed="rId3"/>
-          <a:srcRect t="6184" r="-2" b="16276"/>
+          <a:blip r:embed="rId2">
+            <a:duotone>
+              <a:prstClr val="black"/>
+              <a:schemeClr val="tx2">
+                <a:tint val="45000"/>
+                <a:satMod val="400000"/>
+              </a:schemeClr>
+            </a:duotone>
+            <a:alphaModFix amt="35000"/>
+          </a:blip>
+          <a:srcRect t="24038" b="8415"/>
           <a:stretch/>
         </p:blipFill>
         <p:spPr>
           <a:xfrm>
-            <a:off x="-1" y="10"/>
-            <a:ext cx="9141744" cy="6857990"/>
+            <a:off x="-17" y="10"/>
+            <a:ext cx="12192000" cy="6855948"/>
           </a:xfrm>
-          <a:custGeom>
+          <a:prstGeom prst="rect">
             <a:avLst/>
-            <a:gdLst>
-              <a:gd name="connsiteX0" fmla="*/ 0 w 9141744"/>
-              <a:gd name="connsiteY0" fmla="*/ 0 h 6863485"/>
-              <a:gd name="connsiteX1" fmla="*/ 5963051 w 9141744"/>
-              <a:gd name="connsiteY1" fmla="*/ 0 h 6863485"/>
-              <a:gd name="connsiteX2" fmla="*/ 9141744 w 9141744"/>
-              <a:gd name="connsiteY2" fmla="*/ 6863485 h 6863485"/>
-              <a:gd name="connsiteX3" fmla="*/ 0 w 9141744"/>
-              <a:gd name="connsiteY3" fmla="*/ 6863485 h 6863485"/>
-              <a:gd name="connsiteX4" fmla="*/ 0 w 9141744"/>
-              <a:gd name="connsiteY4" fmla="*/ 0 h 6863485"/>
-            </a:gdLst>
-            <a:ahLst/>
-            <a:cxnLst>
-              <a:cxn ang="0">
-                <a:pos x="connsiteX0" y="connsiteY0"/>
-              </a:cxn>
-              <a:cxn ang="0">
-                <a:pos x="connsiteX1" y="connsiteY1"/>
-              </a:cxn>
-              <a:cxn ang="0">
-                <a:pos x="connsiteX2" y="connsiteY2"/>
-              </a:cxn>
-              <a:cxn ang="0">
-                <a:pos x="connsiteX3" y="connsiteY3"/>
-              </a:cxn>
-              <a:cxn ang="0">
-                <a:pos x="connsiteX4" y="connsiteY4"/>
-              </a:cxn>
-            </a:cxnLst>
-            <a:rect l="l" t="t" r="r" b="b"/>
-            <a:pathLst>
-              <a:path w="9141744" h="6863485">
-                <a:moveTo>
-                  <a:pt x="0" y="0"/>
-                </a:moveTo>
-                <a:lnTo>
-                  <a:pt x="5963051" y="0"/>
-                </a:lnTo>
-                <a:lnTo>
-                  <a:pt x="9141744" y="6863485"/>
-                </a:lnTo>
-                <a:lnTo>
-                  <a:pt x="0" y="6863485"/>
-                </a:lnTo>
-                <a:lnTo>
-                  <a:pt x="0" y="0"/>
-                </a:lnTo>
-                <a:close/>
-              </a:path>
-            </a:pathLst>
-          </a:custGeom>
+          </a:prstGeom>
         </p:spPr>
       </p:pic>
       <p:sp>
         <p:nvSpPr>
-          <p:cNvPr id="80" name="Freeform: Shape 65">
+          <p:cNvPr id="2" name="Title 1">
             <a:extLst>
               <a:ext uri="{FF2B5EF4-FFF2-40B4-BE49-F238E27FC236}">
-                <a16:creationId xmlns:a16="http://schemas.microsoft.com/office/drawing/2014/main" id="{37FEB674-D811-4FFE-A878-29D0C0ED18D4}"/>
+                <a16:creationId xmlns:a16="http://schemas.microsoft.com/office/drawing/2014/main" id="{D60C78ED-154C-3E41-9035-5C44B0742163}"/>
+              </a:ext>
+            </a:extLst>
+          </p:cNvPr>
+          <p:cNvSpPr>
+            <a:spLocks noGrp="1"/>
+          </p:cNvSpPr>
+          <p:nvPr>
+            <p:ph type="title"/>
+          </p:nvPr>
+        </p:nvSpPr>
+        <p:spPr>
+          <a:xfrm>
+            <a:off x="801098" y="1396289"/>
+            <a:ext cx="5277333" cy="1325563"/>
+          </a:xfrm>
+        </p:spPr>
+        <p:txBody>
+          <a:bodyPr>
+            <a:normAutofit/>
+          </a:bodyPr>
+          <a:lstStyle/>
+          <a:p>
+            <a:r>
+              <a:rPr lang="en-US" sz="2800" u="sng" dirty="0"/>
+              <a:t>Composition Framework</a:t>
+            </a:r>
+            <a:br>
+              <a:rPr lang="en-US" sz="2800" dirty="0"/>
+            </a:br>
+            <a:r>
+              <a:rPr lang="en-US" sz="2800" dirty="0"/>
+              <a:t>Syntax, Definition &amp; Messages: Types, Properties &amp; Behaviors</a:t>
+            </a:r>
+            <a:endParaRPr lang="en-US" sz="2800"/>
+          </a:p>
+        </p:txBody>
+      </p:sp>
+      <p:sp>
+        <p:nvSpPr>
+          <p:cNvPr id="3" name="Footer Placeholder 2">
+            <a:extLst>
+              <a:ext uri="{FF2B5EF4-FFF2-40B4-BE49-F238E27FC236}">
+                <a16:creationId xmlns:a16="http://schemas.microsoft.com/office/drawing/2014/main" id="{ACC39D90-E9D0-D444-8E6C-464073F00E92}"/>
+              </a:ext>
+            </a:extLst>
+          </p:cNvPr>
+          <p:cNvSpPr>
+            <a:spLocks noGrp="1"/>
+          </p:cNvSpPr>
+          <p:nvPr>
+            <p:ph type="ftr" sz="quarter" idx="11"/>
+          </p:nvPr>
+        </p:nvSpPr>
+        <p:spPr>
+          <a:xfrm>
+            <a:off x="762001" y="6199632"/>
+            <a:ext cx="5006336" cy="365125"/>
+          </a:xfrm>
+        </p:spPr>
+        <p:txBody>
+          <a:bodyPr>
+            <a:normAutofit/>
+          </a:bodyPr>
+          <a:lstStyle/>
+          <a:p>
+            <a:pPr algn="l">
+              <a:spcAft>
+                <a:spcPts val="600"/>
+              </a:spcAft>
+            </a:pPr>
+            <a:r>
+              <a:rPr lang="en-US" sz="1100">
+                <a:solidFill>
+                  <a:schemeClr val="tx1">
+                    <a:alpha val="80000"/>
+                  </a:schemeClr>
+                </a:solidFill>
+              </a:rPr>
+              <a:t>©2019 Token Taxonomy Initiative .  All Rights Reserved.  </a:t>
+            </a:r>
+          </a:p>
+        </p:txBody>
+      </p:sp>
+      <p:sp>
+        <p:nvSpPr>
+          <p:cNvPr id="85" name="Freeform 49">
+            <a:extLst>
+              <a:ext uri="{FF2B5EF4-FFF2-40B4-BE49-F238E27FC236}">
+                <a16:creationId xmlns:a16="http://schemas.microsoft.com/office/drawing/2014/main" id="{EF9B8DF2-C3F5-49A2-94D2-F7B65A0F1F15}"/>
               </a:ext>
               <a:ext uri="{C183D7F6-B498-43B3-948B-1728B52AA6E4}">
                 <adec:decorative xmlns:adec="http://schemas.microsoft.com/office/drawing/2017/decorative" val="1"/>
@@ -15624,25 +15844,35 @@
           </p:nvPr>
         </p:nvSpPr>
         <p:spPr>
-          <a:xfrm>
-            <a:off x="0" y="1773847"/>
-            <a:ext cx="6434783" cy="3310306"/>
+          <a:xfrm flipH="1">
+            <a:off x="6713914" y="581159"/>
+            <a:ext cx="5478085" cy="6276841"/>
           </a:xfrm>
           <a:custGeom>
             <a:avLst/>
             <a:gdLst>
-              <a:gd name="connsiteX0" fmla="*/ 0 w 6434783"/>
-              <a:gd name="connsiteY0" fmla="*/ 0 h 3310306"/>
-              <a:gd name="connsiteX1" fmla="*/ 3829872 w 6434783"/>
-              <a:gd name="connsiteY1" fmla="*/ 0 h 3310306"/>
-              <a:gd name="connsiteX2" fmla="*/ 4896100 w 6434783"/>
-              <a:gd name="connsiteY2" fmla="*/ 0 h 3310306"/>
-              <a:gd name="connsiteX3" fmla="*/ 4901677 w 6434783"/>
-              <a:gd name="connsiteY3" fmla="*/ 0 h 3310306"/>
-              <a:gd name="connsiteX4" fmla="*/ 6434783 w 6434783"/>
-              <a:gd name="connsiteY4" fmla="*/ 3310306 h 3310306"/>
-              <a:gd name="connsiteX5" fmla="*/ 0 w 6434783"/>
-              <a:gd name="connsiteY5" fmla="*/ 3310306 h 3310306"/>
+              <a:gd name="connsiteX0" fmla="*/ 2178155 w 5478085"/>
+              <a:gd name="connsiteY0" fmla="*/ 0 h 6276841"/>
+              <a:gd name="connsiteX1" fmla="*/ 5478085 w 5478085"/>
+              <a:gd name="connsiteY1" fmla="*/ 3299930 h 6276841"/>
+              <a:gd name="connsiteX2" fmla="*/ 3751098 w 5478085"/>
+              <a:gd name="connsiteY2" fmla="*/ 6201577 h 6276841"/>
+              <a:gd name="connsiteX3" fmla="*/ 3594858 w 5478085"/>
+              <a:gd name="connsiteY3" fmla="*/ 6276841 h 6276841"/>
+              <a:gd name="connsiteX4" fmla="*/ 761453 w 5478085"/>
+              <a:gd name="connsiteY4" fmla="*/ 6276841 h 6276841"/>
+              <a:gd name="connsiteX5" fmla="*/ 605213 w 5478085"/>
+              <a:gd name="connsiteY5" fmla="*/ 6201577 h 6276841"/>
+              <a:gd name="connsiteX6" fmla="*/ 79093 w 5478085"/>
+              <a:gd name="connsiteY6" fmla="*/ 5846317 h 6276841"/>
+              <a:gd name="connsiteX7" fmla="*/ 0 w 5478085"/>
+              <a:gd name="connsiteY7" fmla="*/ 5774432 h 6276841"/>
+              <a:gd name="connsiteX8" fmla="*/ 0 w 5478085"/>
+              <a:gd name="connsiteY8" fmla="*/ 825429 h 6276841"/>
+              <a:gd name="connsiteX9" fmla="*/ 79093 w 5478085"/>
+              <a:gd name="connsiteY9" fmla="*/ 753544 h 6276841"/>
+              <a:gd name="connsiteX10" fmla="*/ 2178155 w 5478085"/>
+              <a:gd name="connsiteY10" fmla="*/ 0 h 6276841"/>
             </a:gdLst>
             <a:ahLst/>
             <a:cxnLst>
@@ -15664,40 +15894,76 @@
               <a:cxn ang="0">
                 <a:pos x="connsiteX5" y="connsiteY5"/>
               </a:cxn>
+              <a:cxn ang="0">
+                <a:pos x="connsiteX6" y="connsiteY6"/>
+              </a:cxn>
+              <a:cxn ang="0">
+                <a:pos x="connsiteX7" y="connsiteY7"/>
+              </a:cxn>
+              <a:cxn ang="0">
+                <a:pos x="connsiteX8" y="connsiteY8"/>
+              </a:cxn>
+              <a:cxn ang="0">
+                <a:pos x="connsiteX9" y="connsiteY9"/>
+              </a:cxn>
+              <a:cxn ang="0">
+                <a:pos x="connsiteX10" y="connsiteY10"/>
+              </a:cxn>
             </a:cxnLst>
             <a:rect l="l" t="t" r="r" b="b"/>
             <a:pathLst>
-              <a:path w="6434783" h="3310306">
+              <a:path w="5478085" h="6276841">
                 <a:moveTo>
-                  <a:pt x="0" y="0"/>
+                  <a:pt x="2178155" y="0"/>
                 </a:moveTo>
+                <a:cubicBezTo>
+                  <a:pt x="4000656" y="0"/>
+                  <a:pt x="5478085" y="1477429"/>
+                  <a:pt x="5478085" y="3299930"/>
+                </a:cubicBezTo>
+                <a:cubicBezTo>
+                  <a:pt x="5478085" y="4552900"/>
+                  <a:pt x="4779769" y="5642769"/>
+                  <a:pt x="3751098" y="6201577"/>
+                </a:cubicBezTo>
                 <a:lnTo>
-                  <a:pt x="3829872" y="0"/>
+                  <a:pt x="3594858" y="6276841"/>
                 </a:lnTo>
                 <a:lnTo>
-                  <a:pt x="4896100" y="0"/>
+                  <a:pt x="761453" y="6276841"/>
                 </a:lnTo>
                 <a:lnTo>
-                  <a:pt x="4901677" y="0"/>
+                  <a:pt x="605213" y="6201577"/>
+                </a:lnTo>
+                <a:cubicBezTo>
+                  <a:pt x="418182" y="6099975"/>
+                  <a:pt x="242071" y="5980818"/>
+                  <a:pt x="79093" y="5846317"/>
+                </a:cubicBezTo>
+                <a:lnTo>
+                  <a:pt x="0" y="5774432"/>
                 </a:lnTo>
                 <a:lnTo>
-                  <a:pt x="6434783" y="3310306"/>
+                  <a:pt x="0" y="825429"/>
                 </a:lnTo>
                 <a:lnTo>
-                  <a:pt x="0" y="3310306"/>
+                  <a:pt x="79093" y="753544"/>
                 </a:lnTo>
+                <a:cubicBezTo>
+                  <a:pt x="649516" y="282789"/>
+                  <a:pt x="1380811" y="0"/>
+                  <a:pt x="2178155" y="0"/>
+                </a:cubicBezTo>
                 <a:close/>
               </a:path>
             </a:pathLst>
           </a:custGeom>
           <a:solidFill>
-            <a:schemeClr val="bg1">
-              <a:lumMod val="85000"/>
-              <a:lumOff val="15000"/>
-              <a:alpha val="88000"/>
-            </a:schemeClr>
+            <a:srgbClr val="FFFFFF">
+              <a:alpha val="80000"/>
+            </a:srgbClr>
           </a:solidFill>
-          <a:ln>
+          <a:ln w="31750">
             <a:noFill/>
           </a:ln>
         </p:spPr>
@@ -15757,51 +16023,144 @@
           </a:p>
         </p:txBody>
       </p:sp>
-      <p:sp>
-        <p:nvSpPr>
-          <p:cNvPr id="2" name="Title 1">
+      <p:pic>
+        <p:nvPicPr>
+          <p:cNvPr id="17" name="Picture 16" descr="A close up of a logo&#10;&#10;Description automatically generated">
             <a:extLst>
               <a:ext uri="{FF2B5EF4-FFF2-40B4-BE49-F238E27FC236}">
-                <a16:creationId xmlns:a16="http://schemas.microsoft.com/office/drawing/2014/main" id="{D60C78ED-154C-3E41-9035-5C44B0742163}"/>
+                <a16:creationId xmlns:a16="http://schemas.microsoft.com/office/drawing/2014/main" id="{35338384-D688-724E-A67A-3C633E3ED446}"/>
               </a:ext>
             </a:extLst>
           </p:cNvPr>
-          <p:cNvSpPr>
-            <a:spLocks noGrp="1"/>
-          </p:cNvSpPr>
-          <p:nvPr>
-            <p:ph type="title"/>
-          </p:nvPr>
-        </p:nvSpPr>
+          <p:cNvPicPr>
+            <a:picLocks noChangeAspect="1"/>
+          </p:cNvPicPr>
+          <p:nvPr/>
+        </p:nvPicPr>
+        <p:blipFill rotWithShape="1">
+          <a:blip r:embed="rId3"/>
+          <a:srcRect t="11566" r="2" b="9074"/>
+          <a:stretch/>
+        </p:blipFill>
         <p:spPr>
           <a:xfrm>
-            <a:off x="465514" y="1773847"/>
-            <a:ext cx="4620544" cy="1307909"/>
+            <a:off x="6893342" y="760562"/>
+            <a:ext cx="5298683" cy="6097438"/>
           </a:xfrm>
+          <a:custGeom>
+            <a:avLst/>
+            <a:gdLst>
+              <a:gd name="connsiteX0" fmla="*/ 3120528 w 5298683"/>
+              <a:gd name="connsiteY0" fmla="*/ 0 h 6097438"/>
+              <a:gd name="connsiteX1" fmla="*/ 5105473 w 5298683"/>
+              <a:gd name="connsiteY1" fmla="*/ 712577 h 6097438"/>
+              <a:gd name="connsiteX2" fmla="*/ 5298683 w 5298683"/>
+              <a:gd name="connsiteY2" fmla="*/ 888178 h 6097438"/>
+              <a:gd name="connsiteX3" fmla="*/ 5298683 w 5298683"/>
+              <a:gd name="connsiteY3" fmla="*/ 5352876 h 6097438"/>
+              <a:gd name="connsiteX4" fmla="*/ 5105473 w 5298683"/>
+              <a:gd name="connsiteY4" fmla="*/ 5528477 h 6097438"/>
+              <a:gd name="connsiteX5" fmla="*/ 4335177 w 5298683"/>
+              <a:gd name="connsiteY5" fmla="*/ 5995828 h 6097438"/>
+              <a:gd name="connsiteX6" fmla="*/ 4057556 w 5298683"/>
+              <a:gd name="connsiteY6" fmla="*/ 6097438 h 6097438"/>
+              <a:gd name="connsiteX7" fmla="*/ 2183499 w 5298683"/>
+              <a:gd name="connsiteY7" fmla="*/ 6097438 h 6097438"/>
+              <a:gd name="connsiteX8" fmla="*/ 1905878 w 5298683"/>
+              <a:gd name="connsiteY8" fmla="*/ 5995828 h 6097438"/>
+              <a:gd name="connsiteX9" fmla="*/ 0 w 5298683"/>
+              <a:gd name="connsiteY9" fmla="*/ 3120527 h 6097438"/>
+              <a:gd name="connsiteX10" fmla="*/ 3120528 w 5298683"/>
+              <a:gd name="connsiteY10" fmla="*/ 0 h 6097438"/>
+            </a:gdLst>
+            <a:ahLst/>
+            <a:cxnLst>
+              <a:cxn ang="0">
+                <a:pos x="connsiteX0" y="connsiteY0"/>
+              </a:cxn>
+              <a:cxn ang="0">
+                <a:pos x="connsiteX1" y="connsiteY1"/>
+              </a:cxn>
+              <a:cxn ang="0">
+                <a:pos x="connsiteX2" y="connsiteY2"/>
+              </a:cxn>
+              <a:cxn ang="0">
+                <a:pos x="connsiteX3" y="connsiteY3"/>
+              </a:cxn>
+              <a:cxn ang="0">
+                <a:pos x="connsiteX4" y="connsiteY4"/>
+              </a:cxn>
+              <a:cxn ang="0">
+                <a:pos x="connsiteX5" y="connsiteY5"/>
+              </a:cxn>
+              <a:cxn ang="0">
+                <a:pos x="connsiteX6" y="connsiteY6"/>
+              </a:cxn>
+              <a:cxn ang="0">
+                <a:pos x="connsiteX7" y="connsiteY7"/>
+              </a:cxn>
+              <a:cxn ang="0">
+                <a:pos x="connsiteX8" y="connsiteY8"/>
+              </a:cxn>
+              <a:cxn ang="0">
+                <a:pos x="connsiteX9" y="connsiteY9"/>
+              </a:cxn>
+              <a:cxn ang="0">
+                <a:pos x="connsiteX10" y="connsiteY10"/>
+              </a:cxn>
+            </a:cxnLst>
+            <a:rect l="l" t="t" r="r" b="b"/>
+            <a:pathLst>
+              <a:path w="5298683" h="6097438">
+                <a:moveTo>
+                  <a:pt x="3120528" y="0"/>
+                </a:moveTo>
+                <a:cubicBezTo>
+                  <a:pt x="3874524" y="0"/>
+                  <a:pt x="4566062" y="267415"/>
+                  <a:pt x="5105473" y="712577"/>
+                </a:cubicBezTo>
+                <a:lnTo>
+                  <a:pt x="5298683" y="888178"/>
+                </a:lnTo>
+                <a:lnTo>
+                  <a:pt x="5298683" y="5352876"/>
+                </a:lnTo>
+                <a:lnTo>
+                  <a:pt x="5105473" y="5528477"/>
+                </a:lnTo>
+                <a:cubicBezTo>
+                  <a:pt x="4874296" y="5719261"/>
+                  <a:pt x="4615179" y="5877397"/>
+                  <a:pt x="4335177" y="5995828"/>
+                </a:cubicBezTo>
+                <a:lnTo>
+                  <a:pt x="4057556" y="6097438"/>
+                </a:lnTo>
+                <a:lnTo>
+                  <a:pt x="2183499" y="6097438"/>
+                </a:lnTo>
+                <a:lnTo>
+                  <a:pt x="1905878" y="5995828"/>
+                </a:lnTo>
+                <a:cubicBezTo>
+                  <a:pt x="785873" y="5522106"/>
+                  <a:pt x="0" y="4413092"/>
+                  <a:pt x="0" y="3120527"/>
+                </a:cubicBezTo>
+                <a:cubicBezTo>
+                  <a:pt x="0" y="1397108"/>
+                  <a:pt x="1397108" y="0"/>
+                  <a:pt x="3120528" y="0"/>
+                </a:cubicBezTo>
+                <a:close/>
+              </a:path>
+            </a:pathLst>
+          </a:custGeom>
         </p:spPr>
-        <p:txBody>
-          <a:bodyPr>
-            <a:normAutofit/>
-          </a:bodyPr>
-          <a:lstStyle/>
-          <a:p>
-            <a:pPr algn="ctr"/>
-            <a:r>
-              <a:rPr lang="en-US" sz="2800" u="sng" dirty="0"/>
-              <a:t>Composition Framework</a:t>
-            </a:r>
-            <a:br>
-              <a:rPr lang="en-US" sz="2800" dirty="0"/>
-            </a:br>
-            <a:r>
-              <a:rPr lang="en-US" sz="2800" dirty="0"/>
-              <a:t>Syntax, Definition &amp; Messages: Types, Properties &amp; Behaviors</a:t>
-            </a:r>
-          </a:p>
-        </p:txBody>
-      </p:sp>
-      <mc:AlternateContent xmlns:mc="http://schemas.openxmlformats.org/markup-compatibility/2006" xmlns:a14="http://schemas.microsoft.com/office/drawing/2010/main">
-        <mc:Choice Requires="a14">
+      </p:pic>
+      <mc:AlternateContent xmlns:mc="http://schemas.openxmlformats.org/markup-compatibility/2006">
+        <mc:Choice xmlns:a14="http://schemas.microsoft.com/office/drawing/2010/main" Requires="a14">
           <p:graphicFrame>
             <p:nvGraphicFramePr>
               <p:cNvPr id="12" name="Diagram 11">
@@ -15815,14 +16174,14 @@
               <p:nvPr>
                 <p:extLst>
                   <p:ext uri="{D42A27DB-BD31-4B8C-83A1-F6EECF244321}">
-                    <p14:modId xmlns:p14="http://schemas.microsoft.com/office/powerpoint/2010/main" val="2940340602"/>
+                    <p14:modId xmlns:p14="http://schemas.microsoft.com/office/powerpoint/2010/main" val="600882030"/>
                   </p:ext>
                 </p:extLst>
               </p:nvPr>
             </p:nvGraphicFramePr>
             <p:xfrm>
-              <a:off x="618064" y="3081756"/>
-              <a:ext cx="4620544" cy="1775994"/>
+              <a:off x="805543" y="2871982"/>
+              <a:ext cx="5272888" cy="3181684"/>
             </p:xfrm>
             <a:graphic>
               <a:graphicData uri="http://schemas.openxmlformats.org/drawingml/2006/diagram">
@@ -15831,7 +16190,7 @@
             </a:graphic>
           </p:graphicFrame>
         </mc:Choice>
-        <mc:Fallback xmlns="">
+        <mc:Fallback>
           <p:graphicFrame>
             <p:nvGraphicFramePr>
               <p:cNvPr id="12" name="Diagram 11">
@@ -15845,51 +16204,23 @@
               <p:nvPr>
                 <p:extLst>
                   <p:ext uri="{D42A27DB-BD31-4B8C-83A1-F6EECF244321}">
-                    <p14:modId xmlns:p14="http://schemas.microsoft.com/office/powerpoint/2010/main" val="2940340602"/>
+                    <p14:modId xmlns:p14="http://schemas.microsoft.com/office/powerpoint/2010/main" val="600882030"/>
                   </p:ext>
                 </p:extLst>
               </p:nvPr>
             </p:nvGraphicFramePr>
             <p:xfrm>
-              <a:off x="618064" y="3081756"/>
-              <a:ext cx="4620544" cy="1775994"/>
+              <a:off x="805543" y="2871982"/>
+              <a:ext cx="5272888" cy="3181684"/>
             </p:xfrm>
             <a:graphic>
               <a:graphicData uri="http://schemas.openxmlformats.org/drawingml/2006/diagram">
-                <dgm:relIds xmlns:dgm="http://schemas.openxmlformats.org/drawingml/2006/diagram" xmlns:r="http://schemas.openxmlformats.org/officeDocument/2006/relationships" r:dm="rId9" r:lo="rId10" r:qs="rId11" r:cs="rId12"/>
+                <dgm:relIds xmlns:dgm="http://schemas.openxmlformats.org/drawingml/2006/diagram" xmlns:r="http://schemas.openxmlformats.org/officeDocument/2006/relationships" r:dm="rId9" r:lo="rId5" r:qs="rId6" r:cs="rId7"/>
               </a:graphicData>
             </a:graphic>
           </p:graphicFrame>
         </mc:Fallback>
       </mc:AlternateContent>
-      <p:sp>
-        <p:nvSpPr>
-          <p:cNvPr id="3" name="Footer Placeholder 2">
-            <a:extLst>
-              <a:ext uri="{FF2B5EF4-FFF2-40B4-BE49-F238E27FC236}">
-                <a16:creationId xmlns:a16="http://schemas.microsoft.com/office/drawing/2014/main" id="{ACC39D90-E9D0-D444-8E6C-464073F00E92}"/>
-              </a:ext>
-            </a:extLst>
-          </p:cNvPr>
-          <p:cNvSpPr>
-            <a:spLocks noGrp="1"/>
-          </p:cNvSpPr>
-          <p:nvPr>
-            <p:ph type="ftr" sz="quarter" idx="11"/>
-          </p:nvPr>
-        </p:nvSpPr>
-        <p:spPr/>
-        <p:txBody>
-          <a:bodyPr/>
-          <a:lstStyle/>
-          <a:p>
-            <a:r>
-              <a:rPr lang="en-US" dirty="0"/>
-              <a:t>©2019 Token Taxonomy Initiative .  All Rights Reserved.  </a:t>
-            </a:r>
-          </a:p>
-        </p:txBody>
-      </p:sp>
     </p:spTree>
     <p:extLst>
       <p:ext uri="{BB962C8B-B14F-4D97-AF65-F5344CB8AC3E}">
@@ -16863,7 +17194,7 @@
     <p:bg>
       <p:bgPr>
         <a:solidFill>
-          <a:schemeClr val="bg1"/>
+          <a:srgbClr val="FFFFFF"/>
         </a:solidFill>
         <a:effectLst/>
       </p:bgPr>
@@ -16884,10 +17215,10 @@
       </p:grpSpPr>
       <p:sp>
         <p:nvSpPr>
-          <p:cNvPr id="17" name="Rectangle 16">
+          <p:cNvPr id="38" name="Rectangle 37">
             <a:extLst>
               <a:ext uri="{FF2B5EF4-FFF2-40B4-BE49-F238E27FC236}">
-                <a16:creationId xmlns:a16="http://schemas.microsoft.com/office/drawing/2014/main" id="{7383B190-6BFB-422F-B667-06B7B25F096A}"/>
+                <a16:creationId xmlns:a16="http://schemas.microsoft.com/office/drawing/2014/main" id="{72257994-BD97-4691-8B89-198A6D2BABDC}"/>
               </a:ext>
               <a:ext uri="{C183D7F6-B498-43B3-948B-1728B52AA6E4}">
                 <adec:decorative xmlns:adec="http://schemas.microsoft.com/office/drawing/2017/decorative" val="1"/>
@@ -16905,10 +17236,10 @@
             </p:extLst>
           </p:nvPr>
         </p:nvSpPr>
-        <p:spPr bwMode="ltGray">
+        <p:spPr>
           <a:xfrm>
-            <a:off x="4708357" y="3509963"/>
-            <a:ext cx="7092215" cy="2967839"/>
+            <a:off x="0" y="4918509"/>
+            <a:ext cx="12192000" cy="1939491"/>
           </a:xfrm>
           <a:prstGeom prst="rect">
             <a:avLst/>
@@ -16916,10 +17247,8 @@
           <a:solidFill>
             <a:srgbClr val="404040"/>
           </a:solidFill>
-          <a:ln w="127000" cap="sq" cmpd="thinThick">
-            <a:solidFill>
-              <a:srgbClr val="404040"/>
-            </a:solidFill>
+          <a:ln>
+            <a:noFill/>
           </a:ln>
         </p:spPr>
         <p:style>
@@ -16943,82 +17272,117 @@
           <a:lstStyle/>
           <a:p>
             <a:pPr algn="ctr"/>
-            <a:endParaRPr lang="en-US" dirty="0"/>
+            <a:endParaRPr lang="en-US"/>
           </a:p>
         </p:txBody>
       </p:sp>
       <p:sp>
         <p:nvSpPr>
-          <p:cNvPr id="4" name="Title 1">
+          <p:cNvPr id="9" name="Title 8">
             <a:extLst>
               <a:ext uri="{FF2B5EF4-FFF2-40B4-BE49-F238E27FC236}">
-                <a16:creationId xmlns:a16="http://schemas.microsoft.com/office/drawing/2014/main" id="{A2E381EC-D41E-1647-89D9-339111E34368}"/>
+                <a16:creationId xmlns:a16="http://schemas.microsoft.com/office/drawing/2014/main" id="{947846A5-1247-E14C-84B4-B00B7F3CA5FC}"/>
               </a:ext>
             </a:extLst>
           </p:cNvPr>
-          <p:cNvSpPr txBox="1">
-            <a:spLocks/>
+          <p:cNvSpPr>
+            <a:spLocks noGrp="1"/>
           </p:cNvSpPr>
-          <p:nvPr/>
+          <p:nvPr>
+            <p:ph type="title"/>
+          </p:nvPr>
         </p:nvSpPr>
         <p:spPr>
           <a:xfrm>
-            <a:off x="5021821" y="3812954"/>
-            <a:ext cx="6465287" cy="1516014"/>
+            <a:off x="1600200" y="4269282"/>
+            <a:ext cx="8991600" cy="1264762"/>
           </a:xfrm>
-          <a:prstGeom prst="rect">
-            <a:avLst/>
-          </a:prstGeom>
+          <a:solidFill>
+            <a:srgbClr val="FFFFFF"/>
+          </a:solidFill>
+          <a:ln w="38100">
+            <a:solidFill>
+              <a:srgbClr val="404040"/>
+            </a:solidFill>
+            <a:miter lim="800000"/>
+          </a:ln>
         </p:spPr>
         <p:txBody>
-          <a:bodyPr vert="horz" lIns="91440" tIns="45720" rIns="91440" bIns="45720" rtlCol="0" anchor="b">
+          <a:bodyPr vert="horz" lIns="91440" tIns="45720" rIns="91440" bIns="45720" rtlCol="0" anchor="ctr">
             <a:normAutofit/>
           </a:bodyPr>
-          <a:lstStyle>
-            <a:lvl1pPr algn="l" defTabSz="914400" rtl="0" eaLnBrk="1" latinLnBrk="0" hangingPunct="1">
-              <a:lnSpc>
-                <a:spcPct val="90000"/>
-              </a:lnSpc>
-              <a:spcBef>
-                <a:spcPct val="0"/>
-              </a:spcBef>
+          <a:lstStyle/>
+          <a:p>
+            <a:pPr algn="ctr"/>
+            <a:r>
+              <a:rPr lang="en-US" sz="4000">
+                <a:solidFill>
+                  <a:srgbClr val="404040"/>
+                </a:solidFill>
+              </a:rPr>
+              <a:t>Visualize and Design</a:t>
+            </a:r>
+            <a:endParaRPr lang="en-US" sz="4000" i="1">
+              <a:solidFill>
+                <a:srgbClr val="404040"/>
+              </a:solidFill>
+            </a:endParaRPr>
+          </a:p>
+        </p:txBody>
+      </p:sp>
+      <p:sp>
+        <p:nvSpPr>
+          <p:cNvPr id="33" name="Content Placeholder 32">
+            <a:extLst>
+              <a:ext uri="{FF2B5EF4-FFF2-40B4-BE49-F238E27FC236}">
+                <a16:creationId xmlns:a16="http://schemas.microsoft.com/office/drawing/2014/main" id="{58CF007F-C1CF-9F47-9408-3C76B145371C}"/>
+              </a:ext>
+            </a:extLst>
+          </p:cNvPr>
+          <p:cNvSpPr>
+            <a:spLocks noGrp="1"/>
+          </p:cNvSpPr>
+          <p:nvPr>
+            <p:ph idx="1"/>
+          </p:nvPr>
+        </p:nvSpPr>
+        <p:spPr>
+          <a:xfrm>
+            <a:off x="2695194" y="5688535"/>
+            <a:ext cx="6801612" cy="536125"/>
+          </a:xfrm>
+        </p:spPr>
+        <p:txBody>
+          <a:bodyPr vert="horz" lIns="91440" tIns="45720" rIns="91440" bIns="45720" rtlCol="0">
+            <a:normAutofit/>
+          </a:bodyPr>
+          <a:lstStyle/>
+          <a:p>
+            <a:pPr marL="0" indent="0" algn="ctr">
               <a:buNone/>
-              <a:defRPr sz="4400" kern="1200">
-                <a:solidFill>
-                  <a:schemeClr val="tx1"/>
-                </a:solidFill>
-                <a:latin typeface="+mj-lt"/>
-                <a:ea typeface="+mj-ea"/>
-                <a:cs typeface="+mj-cs"/>
-              </a:defRPr>
-            </a:lvl1pPr>
-          </a:lstStyle>
-          <a:p>
-            <a:pPr>
-              <a:spcAft>
-                <a:spcPts val="600"/>
-              </a:spcAft>
             </a:pPr>
             <a:r>
-              <a:rPr lang="en-US" sz="4800" kern="1200" dirty="0">
+              <a:rPr lang="en-US" sz="1800" i="1">
                 <a:solidFill>
                   <a:srgbClr val="FFFFFF"/>
                 </a:solidFill>
-                <a:latin typeface="+mj-lt"/>
-                <a:ea typeface="+mj-ea"/>
-                <a:cs typeface="+mj-cs"/>
               </a:rPr>
-              <a:t>Visualize and Design</a:t>
+              <a:t>No Code</a:t>
             </a:r>
+            <a:endParaRPr lang="en-US" sz="1800">
+              <a:solidFill>
+                <a:srgbClr val="FFFFFF"/>
+              </a:solidFill>
+            </a:endParaRPr>
           </a:p>
         </p:txBody>
       </p:sp>
       <p:pic>
         <p:nvPicPr>
-          <p:cNvPr id="12" name="Picture 11" descr="A close up of a sign&#10;&#10;Description automatically generated">
+          <p:cNvPr id="16" name="Picture 15" descr="A picture containing screenshot&#10;&#10;Description automatically generated">
             <a:extLst>
               <a:ext uri="{FF2B5EF4-FFF2-40B4-BE49-F238E27FC236}">
-                <a16:creationId xmlns:a16="http://schemas.microsoft.com/office/drawing/2014/main" id="{FCB13D7C-6119-E944-9E4C-CE16E137FF4A}"/>
+                <a16:creationId xmlns:a16="http://schemas.microsoft.com/office/drawing/2014/main" id="{D0CD5C7C-4289-824B-9BE3-D04970CDCB75}"/>
               </a:ext>
             </a:extLst>
           </p:cNvPr>
@@ -17027,15 +17391,16 @@
           </p:cNvPicPr>
           <p:nvPr/>
         </p:nvPicPr>
-        <p:blipFill rotWithShape="1">
+        <p:blipFill>
           <a:blip r:embed="rId3"/>
-          <a:srcRect l="23026" r="19311" b="-1"/>
-          <a:stretch/>
+          <a:stretch>
+            <a:fillRect/>
+          </a:stretch>
         </p:blipFill>
         <p:spPr>
           <a:xfrm>
-            <a:off x="317635" y="299363"/>
-            <a:ext cx="4160452" cy="3049204"/>
+            <a:off x="8228924" y="405603"/>
+            <a:ext cx="3725332" cy="3539066"/>
           </a:xfrm>
           <a:prstGeom prst="rect">
             <a:avLst/>
@@ -17044,10 +17409,10 @@
       </p:pic>
       <p:pic>
         <p:nvPicPr>
-          <p:cNvPr id="8" name="Picture 7" descr="A screenshot of a cell phone&#10;&#10;Description automatically generated">
+          <p:cNvPr id="20" name="Picture 19">
             <a:extLst>
               <a:ext uri="{FF2B5EF4-FFF2-40B4-BE49-F238E27FC236}">
-                <a16:creationId xmlns:a16="http://schemas.microsoft.com/office/drawing/2014/main" id="{19E98127-C4D3-7F4F-B9C8-9D7740ADE0D6}"/>
+                <a16:creationId xmlns:a16="http://schemas.microsoft.com/office/drawing/2014/main" id="{2F4AA4D3-ACB3-C643-9F4B-A80096D3049E}"/>
               </a:ext>
             </a:extLst>
           </p:cNvPr>
@@ -17056,148 +17421,14 @@
           </p:cNvPicPr>
           <p:nvPr/>
         </p:nvPicPr>
-        <p:blipFill rotWithShape="1">
+        <p:blipFill>
           <a:blip r:embed="rId4"/>
-          <a:srcRect t="14059" r="2" b="2"/>
           <a:stretch/>
         </p:blipFill>
         <p:spPr>
           <a:xfrm>
-            <a:off x="4654296" y="299363"/>
-            <a:ext cx="7217085" cy="3008188"/>
-          </a:xfrm>
-          <a:prstGeom prst="rect">
-            <a:avLst/>
-          </a:prstGeom>
-        </p:spPr>
-      </p:pic>
-      <p:cxnSp>
-        <p:nvCxnSpPr>
-          <p:cNvPr id="19" name="Straight Connector 18">
-            <a:extLst>
-              <a:ext uri="{FF2B5EF4-FFF2-40B4-BE49-F238E27FC236}">
-                <a16:creationId xmlns:a16="http://schemas.microsoft.com/office/drawing/2014/main" id="{ED28E597-4AF8-4D69-A9AB-A1EDC6156B04}"/>
-              </a:ext>
-              <a:ext uri="{C183D7F6-B498-43B3-948B-1728B52AA6E4}">
-                <adec:decorative xmlns:adec="http://schemas.microsoft.com/office/drawing/2017/decorative" val="1"/>
-              </a:ext>
-            </a:extLst>
-          </p:cNvPr>
-          <p:cNvCxnSpPr>
-            <a:cxnSpLocks noGrp="1" noRot="1" noChangeAspect="1" noMove="1" noResize="1" noEditPoints="1" noAdjustHandles="1" noChangeArrowheads="1" noChangeShapeType="1"/>
-          </p:cNvCxnSpPr>
-          <p:nvPr>
-            <p:extLst>
-              <p:ext uri="{386F3935-93C4-4BCD-93E2-E3B085C9AB24}">
-                <p16:designElem xmlns:p16="http://schemas.microsoft.com/office/powerpoint/2015/main" val="1"/>
-              </p:ext>
-            </p:extLst>
-          </p:nvPr>
-        </p:nvCxnSpPr>
-        <p:spPr>
-          <a:xfrm>
-            <a:off x="5138287" y="5443086"/>
-            <a:ext cx="6400800" cy="0"/>
-          </a:xfrm>
-          <a:prstGeom prst="line">
-            <a:avLst/>
-          </a:prstGeom>
-          <a:ln w="22225">
-            <a:solidFill>
-              <a:srgbClr val="D9D9D9"/>
-            </a:solidFill>
-          </a:ln>
-        </p:spPr>
-        <p:style>
-          <a:lnRef idx="1">
-            <a:schemeClr val="accent1"/>
-          </a:lnRef>
-          <a:fillRef idx="0">
-            <a:schemeClr val="accent1"/>
-          </a:fillRef>
-          <a:effectRef idx="0">
-            <a:schemeClr val="accent1"/>
-          </a:effectRef>
-          <a:fontRef idx="minor">
-            <a:schemeClr val="tx1"/>
-          </a:fontRef>
-        </p:style>
-      </p:cxnSp>
-      <p:sp>
-        <p:nvSpPr>
-          <p:cNvPr id="2" name="Footer Placeholder 1">
-            <a:extLst>
-              <a:ext uri="{FF2B5EF4-FFF2-40B4-BE49-F238E27FC236}">
-                <a16:creationId xmlns:a16="http://schemas.microsoft.com/office/drawing/2014/main" id="{E08A2924-335A-3440-9476-A0EE35AADD8A}"/>
-              </a:ext>
-            </a:extLst>
-          </p:cNvPr>
-          <p:cNvSpPr>
-            <a:spLocks noGrp="1"/>
-          </p:cNvSpPr>
-          <p:nvPr>
-            <p:ph type="ftr" sz="quarter" idx="11"/>
-          </p:nvPr>
-        </p:nvSpPr>
-        <p:spPr>
-          <a:xfrm>
-            <a:off x="3649579" y="6536267"/>
-            <a:ext cx="4892842" cy="306928"/>
-          </a:xfrm>
-        </p:spPr>
-        <p:txBody>
-          <a:bodyPr vert="horz" lIns="91440" tIns="45720" rIns="91440" bIns="45720" rtlCol="0" anchor="ctr">
-            <a:normAutofit/>
-          </a:bodyPr>
-          <a:lstStyle/>
-          <a:p>
-            <a:pPr>
-              <a:lnSpc>
-                <a:spcPct val="90000"/>
-              </a:lnSpc>
-              <a:spcAft>
-                <a:spcPts val="600"/>
-              </a:spcAft>
-            </a:pPr>
-            <a:r>
-              <a:rPr lang="en-US" sz="900" kern="1200" dirty="0">
-                <a:solidFill>
-                  <a:schemeClr val="tx1">
-                    <a:tint val="75000"/>
-                  </a:schemeClr>
-                </a:solidFill>
-                <a:latin typeface="+mn-lt"/>
-                <a:ea typeface="+mn-ea"/>
-                <a:cs typeface="+mn-cs"/>
-              </a:rPr>
-              <a:t>©2019 Token Taxonomy Initiative .  All Rights Reserved.  </a:t>
-            </a:r>
-          </a:p>
-        </p:txBody>
-      </p:sp>
-      <p:pic>
-        <p:nvPicPr>
-          <p:cNvPr id="10" name="Picture 9" descr="A screenshot of a cell phone&#10;&#10;Description automatically generated">
-            <a:extLst>
-              <a:ext uri="{FF2B5EF4-FFF2-40B4-BE49-F238E27FC236}">
-                <a16:creationId xmlns:a16="http://schemas.microsoft.com/office/drawing/2014/main" id="{C2FF454A-5B26-0A44-8D49-67C58B27A776}"/>
-              </a:ext>
-            </a:extLst>
-          </p:cNvPr>
-          <p:cNvPicPr>
-            <a:picLocks noChangeAspect="1"/>
-          </p:cNvPicPr>
-          <p:nvPr/>
-        </p:nvPicPr>
-        <p:blipFill rotWithShape="1">
-          <a:blip r:embed="rId5"/>
-          <a:srcRect l="31899" r="22743" b="2"/>
-          <a:stretch/>
-        </p:blipFill>
-        <p:spPr>
-          <a:xfrm>
-            <a:off x="317635" y="3509433"/>
-            <a:ext cx="4160452" cy="3026833"/>
+            <a:off x="0" y="320706"/>
+            <a:ext cx="7647811" cy="3709188"/>
           </a:xfrm>
           <a:prstGeom prst="rect">
             <a:avLst/>
@@ -17206,67 +17437,47 @@
       </p:pic>
       <p:sp>
         <p:nvSpPr>
-          <p:cNvPr id="24" name="Title 1">
+          <p:cNvPr id="34" name="Right Arrow 33">
             <a:extLst>
               <a:ext uri="{FF2B5EF4-FFF2-40B4-BE49-F238E27FC236}">
-                <a16:creationId xmlns:a16="http://schemas.microsoft.com/office/drawing/2014/main" id="{4445CDBE-2F3A-9C4F-B03A-D8372E150DA7}"/>
+                <a16:creationId xmlns:a16="http://schemas.microsoft.com/office/drawing/2014/main" id="{11810420-5333-B64E-9F43-B494C250995D}"/>
               </a:ext>
             </a:extLst>
           </p:cNvPr>
-          <p:cNvSpPr txBox="1">
-            <a:spLocks/>
-          </p:cNvSpPr>
+          <p:cNvSpPr/>
           <p:nvPr/>
         </p:nvSpPr>
         <p:spPr>
           <a:xfrm>
-            <a:off x="9077498" y="4873952"/>
-            <a:ext cx="2461589" cy="1516014"/>
+            <a:off x="7728857" y="2296886"/>
+            <a:ext cx="424543" cy="83169"/>
           </a:xfrm>
-          <a:prstGeom prst="rect">
+          <a:prstGeom prst="rightArrow">
             <a:avLst/>
           </a:prstGeom>
         </p:spPr>
+        <p:style>
+          <a:lnRef idx="2">
+            <a:schemeClr val="accent1">
+              <a:shade val="50000"/>
+            </a:schemeClr>
+          </a:lnRef>
+          <a:fillRef idx="1">
+            <a:schemeClr val="accent1"/>
+          </a:fillRef>
+          <a:effectRef idx="0">
+            <a:schemeClr val="accent1"/>
+          </a:effectRef>
+          <a:fontRef idx="minor">
+            <a:schemeClr val="lt1"/>
+          </a:fontRef>
+        </p:style>
         <p:txBody>
-          <a:bodyPr vert="horz" lIns="91440" tIns="45720" rIns="91440" bIns="45720" rtlCol="0" anchor="b">
-            <a:normAutofit/>
-          </a:bodyPr>
-          <a:lstStyle>
-            <a:lvl1pPr algn="l" defTabSz="914400" rtl="0" eaLnBrk="1" latinLnBrk="0" hangingPunct="1">
-              <a:lnSpc>
-                <a:spcPct val="90000"/>
-              </a:lnSpc>
-              <a:spcBef>
-                <a:spcPct val="0"/>
-              </a:spcBef>
-              <a:buNone/>
-              <a:defRPr sz="4400" kern="1200">
-                <a:solidFill>
-                  <a:schemeClr val="tx1"/>
-                </a:solidFill>
-                <a:latin typeface="+mj-lt"/>
-                <a:ea typeface="+mj-ea"/>
-                <a:cs typeface="+mj-cs"/>
-              </a:defRPr>
-            </a:lvl1pPr>
-          </a:lstStyle>
+          <a:bodyPr rtlCol="0" anchor="ctr"/>
+          <a:lstStyle/>
           <a:p>
-            <a:pPr>
-              <a:spcAft>
-                <a:spcPts val="600"/>
-              </a:spcAft>
-            </a:pPr>
-            <a:r>
-              <a:rPr lang="en-US" sz="4800" i="1" kern="1200" dirty="0">
-                <a:solidFill>
-                  <a:srgbClr val="FFFFFF"/>
-                </a:solidFill>
-                <a:latin typeface="+mj-lt"/>
-                <a:ea typeface="+mj-ea"/>
-                <a:cs typeface="+mj-cs"/>
-              </a:rPr>
-              <a:t>No Code</a:t>
-            </a:r>
+            <a:pPr algn="ctr"/>
+            <a:endParaRPr lang="en-US"/>
           </a:p>
         </p:txBody>
       </p:sp>
@@ -18160,7 +18371,7 @@
             <p:ph idx="1"/>
             <p:extLst>
               <p:ext uri="{D42A27DB-BD31-4B8C-83A1-F6EECF244321}">
-                <p14:modId xmlns:p14="http://schemas.microsoft.com/office/powerpoint/2010/main" val="2535849495"/>
+                <p14:modId xmlns:p14="http://schemas.microsoft.com/office/powerpoint/2010/main" val="129533017"/>
               </p:ext>
             </p:extLst>
           </p:nvPr>
@@ -19250,6 +19461,12 @@
 </file>
 
 <file path=customXml/item1.xml><?xml version="1.0" encoding="utf-8"?>
+<p:properties xmlns:p="http://schemas.microsoft.com/office/2006/metadata/properties" xmlns:xsi="http://www.w3.org/2001/XMLSchema-instance" xmlns:pc="http://schemas.microsoft.com/office/infopath/2007/PartnerControls">
+  <documentManagement/>
+</p:properties>
+</file>
+
+<file path=customXml/item2.xml><?xml version="1.0" encoding="utf-8"?>
 <ct:contentTypeSchema xmlns:ct="http://schemas.microsoft.com/office/2006/metadata/contentType" xmlns:ma="http://schemas.microsoft.com/office/2006/metadata/properties/metaAttributes" ct:_="" ma:_="" ma:contentTypeName="Document" ma:contentTypeID="0x0101000D5D5817AAF6FF468E5842F2EA41A402" ma:contentTypeVersion="5" ma:contentTypeDescription="Create a new document." ma:contentTypeScope="" ma:versionID="b6717c27019841191da670e59e5b2108">
   <xsd:schema xmlns:xsd="http://www.w3.org/2001/XMLSchema" xmlns:xs="http://www.w3.org/2001/XMLSchema" xmlns:p="http://schemas.microsoft.com/office/2006/metadata/properties" xmlns:ns2="d0b048db-77dc-4b3e-bbad-b83c857b8f52" targetNamespace="http://schemas.microsoft.com/office/2006/metadata/properties" ma:root="true" ma:fieldsID="8024692aff57b51e72d1c6749c4af71d" ns2:_="">
     <xsd:import namespace="d0b048db-77dc-4b3e-bbad-b83c857b8f52"/>
@@ -19401,12 +19618,6 @@
 </ct:contentTypeSchema>
 </file>
 
-<file path=customXml/item2.xml><?xml version="1.0" encoding="utf-8"?>
-<p:properties xmlns:p="http://schemas.microsoft.com/office/2006/metadata/properties" xmlns:xsi="http://www.w3.org/2001/XMLSchema-instance" xmlns:pc="http://schemas.microsoft.com/office/infopath/2007/PartnerControls">
-  <documentManagement/>
-</p:properties>
-</file>
-
 <file path=customXml/item3.xml><?xml version="1.0" encoding="utf-8"?>
 <?mso-contentType ?>
 <FormTemplates xmlns="http://schemas.microsoft.com/sharepoint/v3/contenttype/forms">
@@ -19417,6 +19628,22 @@
 </file>
 
 <file path=customXml/itemProps1.xml><?xml version="1.0" encoding="utf-8"?>
+<ds:datastoreItem xmlns:ds="http://schemas.openxmlformats.org/officeDocument/2006/customXml" ds:itemID="{BC7EC15D-9D86-457F-843A-E148EB588346}">
+  <ds:schemaRefs>
+    <ds:schemaRef ds:uri="http://purl.org/dc/elements/1.1/"/>
+    <ds:schemaRef ds:uri="http://schemas.microsoft.com/office/2006/documentManagement/types"/>
+    <ds:schemaRef ds:uri="http://schemas.microsoft.com/office/2006/metadata/properties"/>
+    <ds:schemaRef ds:uri="http://purl.org/dc/dcmitype/"/>
+    <ds:schemaRef ds:uri="http://www.w3.org/XML/1998/namespace"/>
+    <ds:schemaRef ds:uri="http://purl.org/dc/terms/"/>
+    <ds:schemaRef ds:uri="http://schemas.microsoft.com/office/infopath/2007/PartnerControls"/>
+    <ds:schemaRef ds:uri="http://schemas.openxmlformats.org/package/2006/metadata/core-properties"/>
+    <ds:schemaRef ds:uri="d0b048db-77dc-4b3e-bbad-b83c857b8f52"/>
+  </ds:schemaRefs>
+</ds:datastoreItem>
+</file>
+
+<file path=customXml/itemProps2.xml><?xml version="1.0" encoding="utf-8"?>
 <ds:datastoreItem xmlns:ds="http://schemas.openxmlformats.org/officeDocument/2006/customXml" ds:itemID="{960CB16A-B668-4E1F-9711-68887A92012A}">
   <ds:schemaRefs>
     <ds:schemaRef ds:uri="http://schemas.microsoft.com/office/2006/metadata/contentType"/>
@@ -19434,22 +19661,6 @@
 </ds:datastoreItem>
 </file>
 
-<file path=customXml/itemProps2.xml><?xml version="1.0" encoding="utf-8"?>
-<ds:datastoreItem xmlns:ds="http://schemas.openxmlformats.org/officeDocument/2006/customXml" ds:itemID="{BC7EC15D-9D86-457F-843A-E148EB588346}">
-  <ds:schemaRefs>
-    <ds:schemaRef ds:uri="http://purl.org/dc/elements/1.1/"/>
-    <ds:schemaRef ds:uri="http://schemas.microsoft.com/office/2006/documentManagement/types"/>
-    <ds:schemaRef ds:uri="http://schemas.microsoft.com/office/2006/metadata/properties"/>
-    <ds:schemaRef ds:uri="http://purl.org/dc/dcmitype/"/>
-    <ds:schemaRef ds:uri="http://www.w3.org/XML/1998/namespace"/>
-    <ds:schemaRef ds:uri="http://purl.org/dc/terms/"/>
-    <ds:schemaRef ds:uri="http://schemas.microsoft.com/office/infopath/2007/PartnerControls"/>
-    <ds:schemaRef ds:uri="http://schemas.openxmlformats.org/package/2006/metadata/core-properties"/>
-    <ds:schemaRef ds:uri="d0b048db-77dc-4b3e-bbad-b83c857b8f52"/>
-  </ds:schemaRefs>
-</ds:datastoreItem>
-</file>
-
 <file path=customXml/itemProps3.xml><?xml version="1.0" encoding="utf-8"?>
 <ds:datastoreItem xmlns:ds="http://schemas.openxmlformats.org/officeDocument/2006/customXml" ds:itemID="{8300740F-8DFB-471C-9B1F-015DD41307B1}">
   <ds:schemaRefs>

--- a/presentations/TTF-Short.pptx
+++ b/presentations/TTF-Short.pptx
@@ -3189,8 +3189,8 @@
         </a:p>
       </dgm:t>
     </dgm:pt>
-    <mc:AlternateContent xmlns:mc="http://schemas.openxmlformats.org/markup-compatibility/2006">
-      <mc:Choice xmlns:a14="http://schemas.microsoft.com/office/drawing/2010/main" Requires="a14">
+    <mc:AlternateContent xmlns:mc="http://schemas.openxmlformats.org/markup-compatibility/2006" xmlns:a14="http://schemas.microsoft.com/office/drawing/2010/main">
+      <mc:Choice Requires="a14">
         <dgm:pt modelId="{44307A25-21DA-8641-A152-7B0F11BB0206}">
           <dgm:prSet phldrT="[Text]"/>
           <dgm:spPr/>
@@ -3240,7 +3240,7 @@
           </dgm:t>
         </dgm:pt>
       </mc:Choice>
-      <mc:Fallback>
+      <mc:Fallback xmlns="">
         <dgm:pt modelId="{44307A25-21DA-8641-A152-7B0F11BB0206}">
           <dgm:prSet phldrT="[Text]"/>
           <dgm:spPr/>
@@ -3353,8 +3353,8 @@
         </a:p>
       </dgm:t>
     </dgm:pt>
-    <mc:AlternateContent xmlns:mc="http://schemas.openxmlformats.org/markup-compatibility/2006">
-      <mc:Choice xmlns:a14="http://schemas.microsoft.com/office/drawing/2010/main" Requires="a14">
+    <mc:AlternateContent xmlns:mc="http://schemas.openxmlformats.org/markup-compatibility/2006" xmlns:a14="http://schemas.microsoft.com/office/drawing/2010/main">
+      <mc:Choice Requires="a14">
         <dgm:pt modelId="{A68E1DAE-C568-B943-8E39-54B547F4362E}">
           <dgm:prSet phldrT="[Text]"/>
           <dgm:spPr/>
@@ -3404,7 +3404,7 @@
           </dgm:t>
         </dgm:pt>
       </mc:Choice>
-      <mc:Fallback>
+      <mc:Fallback xmlns="">
         <dgm:pt modelId="{A68E1DAE-C568-B943-8E39-54B547F4362E}">
           <dgm:prSet phldrT="[Text]"/>
           <dgm:spPr/>
@@ -10489,7 +10489,7 @@
           <a:p>
             <a:fld id="{A013F9EE-546F-F94B-AA97-D1AE3791A433}" type="datetimeFigureOut">
               <a:rPr lang="en-US" smtClean="0"/>
-              <a:t>6/1/19</a:t>
+              <a:t>2/11/20</a:t>
             </a:fld>
             <a:endParaRPr lang="en-US"/>
           </a:p>
@@ -11728,7 +11728,7 @@
           <a:p>
             <a:fld id="{8FB96D9D-38FC-CC46-A0CB-E098219B0086}" type="datetime1">
               <a:rPr lang="en-US" smtClean="0"/>
-              <a:t>6/1/19</a:t>
+              <a:t>2/11/20</a:t>
             </a:fld>
             <a:endParaRPr lang="en-US"/>
           </a:p>
@@ -12061,7 +12061,7 @@
           <a:p>
             <a:fld id="{942A70B8-4309-F34F-96D0-97FCD407878B}" type="datetime1">
               <a:rPr lang="en-US" smtClean="0"/>
-              <a:t>6/1/19</a:t>
+              <a:t>2/11/20</a:t>
             </a:fld>
             <a:endParaRPr lang="en-US"/>
           </a:p>
@@ -12272,7 +12272,7 @@
           <a:p>
             <a:fld id="{89C80109-A0CB-5341-BC57-ABFEFDDC8893}" type="datetime1">
               <a:rPr lang="en-US" smtClean="0"/>
-              <a:t>6/1/19</a:t>
+              <a:t>2/11/20</a:t>
             </a:fld>
             <a:endParaRPr lang="en-US"/>
           </a:p>
@@ -12473,7 +12473,7 @@
           <a:p>
             <a:fld id="{BAA7B42C-993D-274B-B3BA-F75F4CCEEEC2}" type="datetime1">
               <a:rPr lang="en-US" smtClean="0"/>
-              <a:t>6/1/19</a:t>
+              <a:t>2/11/20</a:t>
             </a:fld>
             <a:endParaRPr lang="en-US"/>
           </a:p>
@@ -12756,7 +12756,7 @@
           <a:p>
             <a:fld id="{8F5AFB48-8B18-D340-A907-4693B63406A7}" type="datetime1">
               <a:rPr lang="en-US" smtClean="0"/>
-              <a:t>6/1/19</a:t>
+              <a:t>2/11/20</a:t>
             </a:fld>
             <a:endParaRPr lang="en-US"/>
           </a:p>
@@ -13030,7 +13030,7 @@
           <a:p>
             <a:fld id="{79170321-5248-5D47-965E-40E4540BD6B0}" type="datetime1">
               <a:rPr lang="en-US" smtClean="0"/>
-              <a:t>6/1/19</a:t>
+              <a:t>2/11/20</a:t>
             </a:fld>
             <a:endParaRPr lang="en-US"/>
           </a:p>
@@ -13445,7 +13445,7 @@
           <a:p>
             <a:fld id="{E8E7030F-BB52-314F-94F2-2E12B55397BB}" type="datetime1">
               <a:rPr lang="en-US" smtClean="0"/>
-              <a:t>6/1/19</a:t>
+              <a:t>2/11/20</a:t>
             </a:fld>
             <a:endParaRPr lang="en-US"/>
           </a:p>
@@ -13589,7 +13589,7 @@
           <a:p>
             <a:fld id="{C27E58A0-BB55-0148-878B-2816E139BA78}" type="datetime1">
               <a:rPr lang="en-US" smtClean="0"/>
-              <a:t>6/1/19</a:t>
+              <a:t>2/11/20</a:t>
             </a:fld>
             <a:endParaRPr lang="en-US"/>
           </a:p>
@@ -13705,7 +13705,7 @@
           <a:p>
             <a:fld id="{5116CE3B-2606-EB4F-B179-D486B484EF6E}" type="datetime1">
               <a:rPr lang="en-US" smtClean="0"/>
-              <a:t>6/1/19</a:t>
+              <a:t>2/11/20</a:t>
             </a:fld>
             <a:endParaRPr lang="en-US"/>
           </a:p>
@@ -14019,7 +14019,7 @@
           <a:p>
             <a:fld id="{89F1CDCB-590D-CB49-8A9B-46077D7ADF33}" type="datetime1">
               <a:rPr lang="en-US" smtClean="0"/>
-              <a:t>6/1/19</a:t>
+              <a:t>2/11/20</a:t>
             </a:fld>
             <a:endParaRPr lang="en-US"/>
           </a:p>
@@ -14310,7 +14310,7 @@
           <a:p>
             <a:fld id="{7D96C9D8-BC1D-4648-B77D-F9F743ABE8E0}" type="datetime1">
               <a:rPr lang="en-US" smtClean="0"/>
-              <a:t>6/1/19</a:t>
+              <a:t>2/11/20</a:t>
             </a:fld>
             <a:endParaRPr lang="en-US"/>
           </a:p>
@@ -14554,7 +14554,7 @@
           <a:p>
             <a:fld id="{6AA11AF7-B255-CD4A-98A8-E461D6BAC0E7}" type="datetime1">
               <a:rPr lang="en-US" smtClean="0"/>
-              <a:t>6/1/19</a:t>
+              <a:t>2/11/20</a:t>
             </a:fld>
             <a:endParaRPr lang="en-US"/>
           </a:p>
@@ -16159,8 +16159,8 @@
           </a:custGeom>
         </p:spPr>
       </p:pic>
-      <mc:AlternateContent xmlns:mc="http://schemas.openxmlformats.org/markup-compatibility/2006">
-        <mc:Choice xmlns:a14="http://schemas.microsoft.com/office/drawing/2010/main" Requires="a14">
+      <mc:AlternateContent xmlns:mc="http://schemas.openxmlformats.org/markup-compatibility/2006" xmlns:a14="http://schemas.microsoft.com/office/drawing/2010/main">
+        <mc:Choice Requires="a14">
           <p:graphicFrame>
             <p:nvGraphicFramePr>
               <p:cNvPr id="12" name="Diagram 11">
@@ -16190,7 +16190,7 @@
             </a:graphic>
           </p:graphicFrame>
         </mc:Choice>
-        <mc:Fallback>
+        <mc:Fallback xmlns="">
           <p:graphicFrame>
             <p:nvGraphicFramePr>
               <p:cNvPr id="12" name="Diagram 11">
@@ -16215,7 +16215,7 @@
             </p:xfrm>
             <a:graphic>
               <a:graphicData uri="http://schemas.openxmlformats.org/drawingml/2006/diagram">
-                <dgm:relIds xmlns:dgm="http://schemas.openxmlformats.org/drawingml/2006/diagram" xmlns:r="http://schemas.openxmlformats.org/officeDocument/2006/relationships" r:dm="rId9" r:lo="rId5" r:qs="rId6" r:cs="rId7"/>
+                <dgm:relIds xmlns:dgm="http://schemas.openxmlformats.org/drawingml/2006/diagram" xmlns:r="http://schemas.openxmlformats.org/officeDocument/2006/relationships" r:dm="rId9" r:lo="rId10" r:qs="rId11" r:cs="rId12"/>
               </a:graphicData>
             </a:graphic>
           </p:graphicFrame>
@@ -17423,12 +17423,13 @@
         </p:nvPicPr>
         <p:blipFill>
           <a:blip r:embed="rId4"/>
+          <a:srcRect/>
           <a:stretch/>
         </p:blipFill>
         <p:spPr>
           <a:xfrm>
-            <a:off x="0" y="320706"/>
-            <a:ext cx="7647811" cy="3709188"/>
+            <a:off x="526848" y="320705"/>
+            <a:ext cx="6871835" cy="3865407"/>
           </a:xfrm>
           <a:prstGeom prst="rect">
             <a:avLst/>
@@ -19467,6 +19468,15 @@
 </file>
 
 <file path=customXml/item2.xml><?xml version="1.0" encoding="utf-8"?>
+<?mso-contentType ?>
+<FormTemplates xmlns="http://schemas.microsoft.com/sharepoint/v3/contenttype/forms">
+  <Display>DocumentLibraryForm</Display>
+  <Edit>DocumentLibraryForm</Edit>
+  <New>DocumentLibraryForm</New>
+</FormTemplates>
+</file>
+
+<file path=customXml/item3.xml><?xml version="1.0" encoding="utf-8"?>
 <ct:contentTypeSchema xmlns:ct="http://schemas.microsoft.com/office/2006/metadata/contentType" xmlns:ma="http://schemas.microsoft.com/office/2006/metadata/properties/metaAttributes" ct:_="" ma:_="" ma:contentTypeName="Document" ma:contentTypeID="0x0101000D5D5817AAF6FF468E5842F2EA41A402" ma:contentTypeVersion="5" ma:contentTypeDescription="Create a new document." ma:contentTypeScope="" ma:versionID="b6717c27019841191da670e59e5b2108">
   <xsd:schema xmlns:xsd="http://www.w3.org/2001/XMLSchema" xmlns:xs="http://www.w3.org/2001/XMLSchema" xmlns:p="http://schemas.microsoft.com/office/2006/metadata/properties" xmlns:ns2="d0b048db-77dc-4b3e-bbad-b83c857b8f52" targetNamespace="http://schemas.microsoft.com/office/2006/metadata/properties" ma:root="true" ma:fieldsID="8024692aff57b51e72d1c6749c4af71d" ns2:_="">
     <xsd:import namespace="d0b048db-77dc-4b3e-bbad-b83c857b8f52"/>
@@ -19618,15 +19628,6 @@
 </ct:contentTypeSchema>
 </file>
 
-<file path=customXml/item3.xml><?xml version="1.0" encoding="utf-8"?>
-<?mso-contentType ?>
-<FormTemplates xmlns="http://schemas.microsoft.com/sharepoint/v3/contenttype/forms">
-  <Display>DocumentLibraryForm</Display>
-  <Edit>DocumentLibraryForm</Edit>
-  <New>DocumentLibraryForm</New>
-</FormTemplates>
-</file>
-
 <file path=customXml/itemProps1.xml><?xml version="1.0" encoding="utf-8"?>
 <ds:datastoreItem xmlns:ds="http://schemas.openxmlformats.org/officeDocument/2006/customXml" ds:itemID="{BC7EC15D-9D86-457F-843A-E148EB588346}">
   <ds:schemaRefs>
@@ -19644,6 +19645,14 @@
 </file>
 
 <file path=customXml/itemProps2.xml><?xml version="1.0" encoding="utf-8"?>
+<ds:datastoreItem xmlns:ds="http://schemas.openxmlformats.org/officeDocument/2006/customXml" ds:itemID="{8300740F-8DFB-471C-9B1F-015DD41307B1}">
+  <ds:schemaRefs>
+    <ds:schemaRef ds:uri="http://schemas.microsoft.com/sharepoint/v3/contenttype/forms"/>
+  </ds:schemaRefs>
+</ds:datastoreItem>
+</file>
+
+<file path=customXml/itemProps3.xml><?xml version="1.0" encoding="utf-8"?>
 <ds:datastoreItem xmlns:ds="http://schemas.openxmlformats.org/officeDocument/2006/customXml" ds:itemID="{960CB16A-B668-4E1F-9711-68887A92012A}">
   <ds:schemaRefs>
     <ds:schemaRef ds:uri="http://schemas.microsoft.com/office/2006/metadata/contentType"/>
@@ -19659,12 +19668,4 @@
     <ds:schemaRef ds:uri="http://schemas.microsoft.com/internal/obd"/>
   </ds:schemaRefs>
 </ds:datastoreItem>
-</file>
-
-<file path=customXml/itemProps3.xml><?xml version="1.0" encoding="utf-8"?>
-<ds:datastoreItem xmlns:ds="http://schemas.openxmlformats.org/officeDocument/2006/customXml" ds:itemID="{8300740F-8DFB-471C-9B1F-015DD41307B1}">
-  <ds:schemaRefs>
-    <ds:schemaRef ds:uri="http://schemas.microsoft.com/sharepoint/v3/contenttype/forms"/>
-  </ds:schemaRefs>
-</ds:datastoreItem>
 </file>